--- a/lessons/class5/Class5A_unsupervised.pptx
+++ b/lessons/class5/Class5A_unsupervised.pptx
@@ -5,29 +5,30 @@
     <p:sldMasterId id="2147483660" r:id="rId1"/>
   </p:sldMasterIdLst>
   <p:notesMasterIdLst>
-    <p:notesMasterId r:id="rId22"/>
+    <p:notesMasterId r:id="rId23"/>
   </p:notesMasterIdLst>
   <p:sldIdLst>
-    <p:sldId id="593" r:id="rId2"/>
-    <p:sldId id="810" r:id="rId3"/>
-    <p:sldId id="811" r:id="rId4"/>
-    <p:sldId id="812" r:id="rId5"/>
-    <p:sldId id="813" r:id="rId6"/>
-    <p:sldId id="814" r:id="rId7"/>
-    <p:sldId id="822" r:id="rId8"/>
-    <p:sldId id="823" r:id="rId9"/>
-    <p:sldId id="824" r:id="rId10"/>
-    <p:sldId id="815" r:id="rId11"/>
-    <p:sldId id="816" r:id="rId12"/>
-    <p:sldId id="818" r:id="rId13"/>
-    <p:sldId id="819" r:id="rId14"/>
-    <p:sldId id="817" r:id="rId15"/>
-    <p:sldId id="820" r:id="rId16"/>
-    <p:sldId id="821" r:id="rId17"/>
-    <p:sldId id="809" r:id="rId18"/>
-    <p:sldId id="826" r:id="rId19"/>
-    <p:sldId id="827" r:id="rId20"/>
-    <p:sldId id="825" r:id="rId21"/>
+    <p:sldId id="828" r:id="rId2"/>
+    <p:sldId id="593" r:id="rId3"/>
+    <p:sldId id="810" r:id="rId4"/>
+    <p:sldId id="811" r:id="rId5"/>
+    <p:sldId id="812" r:id="rId6"/>
+    <p:sldId id="813" r:id="rId7"/>
+    <p:sldId id="814" r:id="rId8"/>
+    <p:sldId id="822" r:id="rId9"/>
+    <p:sldId id="823" r:id="rId10"/>
+    <p:sldId id="824" r:id="rId11"/>
+    <p:sldId id="815" r:id="rId12"/>
+    <p:sldId id="816" r:id="rId13"/>
+    <p:sldId id="818" r:id="rId14"/>
+    <p:sldId id="819" r:id="rId15"/>
+    <p:sldId id="817" r:id="rId16"/>
+    <p:sldId id="820" r:id="rId17"/>
+    <p:sldId id="821" r:id="rId18"/>
+    <p:sldId id="809" r:id="rId19"/>
+    <p:sldId id="826" r:id="rId20"/>
+    <p:sldId id="827" r:id="rId21"/>
+    <p:sldId id="825" r:id="rId22"/>
   </p:sldIdLst>
   <p:sldSz cx="9144000" cy="6858000" type="screen4x3"/>
   <p:notesSz cx="6858000" cy="9144000"/>
@@ -233,7 +234,7 @@
           <a:p>
             <a:fld id="{B0C0A60C-850A-4EA4-9C14-A8FE98B94505}" type="datetimeFigureOut">
               <a:rPr lang="en-US" smtClean="0"/>
-              <a:t>1/1/21</a:t>
+              <a:t>1/10/21</a:t>
             </a:fld>
             <a:endParaRPr lang="en-US"/>
           </a:p>
@@ -632,7 +633,7 @@
           <a:p>
             <a:fld id="{5738B90E-0779-4C36-915C-6F05FCD89456}" type="datetime1">
               <a:rPr lang="en-US" smtClean="0"/>
-              <a:t>1/1/21</a:t>
+              <a:t>1/10/21</a:t>
             </a:fld>
             <a:endParaRPr lang="en-US"/>
           </a:p>
@@ -829,7 +830,7 @@
           <a:p>
             <a:fld id="{7B9EA29D-D431-42FE-B7B6-AAE4454C77D3}" type="datetime1">
               <a:rPr lang="en-US" smtClean="0"/>
-              <a:t>1/1/21</a:t>
+              <a:t>1/10/21</a:t>
             </a:fld>
             <a:endParaRPr lang="en-US"/>
           </a:p>
@@ -1184,7 +1185,7 @@
           <a:p>
             <a:fld id="{690D8A1E-EA8F-46C1-B891-AE0C00D9C314}" type="datetime1">
               <a:rPr lang="en-US" smtClean="0"/>
-              <a:t>1/1/21</a:t>
+              <a:t>1/10/21</a:t>
             </a:fld>
             <a:endParaRPr lang="en-US"/>
           </a:p>
@@ -1492,7 +1493,7 @@
           <a:p>
             <a:fld id="{D753EFC8-4232-4598-94F6-94C0EBAFC469}" type="datetime1">
               <a:rPr lang="en-US" smtClean="0"/>
-              <a:t>1/1/21</a:t>
+              <a:t>1/10/21</a:t>
             </a:fld>
             <a:endParaRPr lang="en-US"/>
           </a:p>
@@ -1821,7 +1822,7 @@
           <a:p>
             <a:fld id="{F3161074-1C18-4AE7-957D-F18524378C85}" type="datetime1">
               <a:rPr lang="en-US" smtClean="0"/>
-              <a:t>1/1/21</a:t>
+              <a:t>1/10/21</a:t>
             </a:fld>
             <a:endParaRPr lang="en-US"/>
           </a:p>
@@ -2074,7 +2075,7 @@
           <a:p>
             <a:fld id="{69BE256C-8D9A-4404-B47D-41A1AE514425}" type="datetime1">
               <a:rPr lang="en-US" smtClean="0"/>
-              <a:t>1/1/21</a:t>
+              <a:t>1/10/21</a:t>
             </a:fld>
             <a:endParaRPr lang="en-US"/>
           </a:p>
@@ -2522,7 +2523,7 @@
           <a:p>
             <a:fld id="{66CB2154-9035-4012-8189-BAAB61C5A5EE}" type="datetime1">
               <a:rPr lang="en-US" smtClean="0"/>
-              <a:t>1/1/21</a:t>
+              <a:t>1/10/21</a:t>
             </a:fld>
             <a:endParaRPr lang="en-US"/>
           </a:p>
@@ -2710,7 +2711,7 @@
           <a:p>
             <a:fld id="{6700A58B-DD98-43D0-B791-721480A02982}" type="datetime1">
               <a:rPr lang="en-US" smtClean="0"/>
-              <a:t>1/1/21</a:t>
+              <a:t>1/10/21</a:t>
             </a:fld>
             <a:endParaRPr lang="en-US"/>
           </a:p>
@@ -2916,7 +2917,7 @@
           <a:p>
             <a:fld id="{7DB6E382-4F61-4E24-BE1A-377EC83D0E3A}" type="datetime1">
               <a:rPr lang="en-US" smtClean="0"/>
-              <a:t>1/1/21</a:t>
+              <a:t>1/10/21</a:t>
             </a:fld>
             <a:endParaRPr lang="en-US"/>
           </a:p>
@@ -3322,7 +3323,7 @@
           <a:p>
             <a:fld id="{4142EED6-FC16-45B9-B8C4-2BC5DBA88325}" type="datetime1">
               <a:rPr lang="en-US" smtClean="0"/>
-              <a:t>1/1/21</a:t>
+              <a:t>1/10/21</a:t>
             </a:fld>
             <a:endParaRPr lang="en-US"/>
           </a:p>
@@ -3654,7 +3655,7 @@
           <a:p>
             <a:fld id="{DF59512B-4F1D-43D7-8819-2F53FEF69650}" type="datetime1">
               <a:rPr lang="en-US" smtClean="0"/>
-              <a:t>1/1/21</a:t>
+              <a:t>1/10/21</a:t>
             </a:fld>
             <a:endParaRPr lang="en-US"/>
           </a:p>
@@ -3944,7 +3945,7 @@
           <a:p>
             <a:fld id="{08437B94-E2BF-44DC-ADC5-B05FC9934E9D}" type="datetime1">
               <a:rPr lang="en-US" smtClean="0"/>
-              <a:t>1/1/21</a:t>
+              <a:t>1/10/21</a:t>
             </a:fld>
             <a:endParaRPr lang="en-US"/>
           </a:p>
@@ -4362,12 +4363,18 @@
       </p:grpSpPr>
       <p:sp>
         <p:nvSpPr>
-          <p:cNvPr id="2" name="Title 1"/>
+          <p:cNvPr id="2" name="Title 1">
+            <a:extLst>
+              <a:ext uri="{FF2B5EF4-FFF2-40B4-BE49-F238E27FC236}">
+                <a16:creationId xmlns:a16="http://schemas.microsoft.com/office/drawing/2014/main" id="{232B597B-C7BE-5C43-8D32-4C32E34B8926}"/>
+              </a:ext>
+            </a:extLst>
+          </p:cNvPr>
           <p:cNvSpPr>
             <a:spLocks noGrp="1"/>
           </p:cNvSpPr>
           <p:nvPr>
-            <p:ph type="ctrTitle"/>
+            <p:ph type="title"/>
           </p:nvPr>
         </p:nvSpPr>
         <p:spPr/>
@@ -4375,28 +4382,24 @@
           <a:bodyPr/>
           <a:lstStyle/>
           <a:p>
-            <a:r>
-              <a:rPr lang="en-US" dirty="0"/>
-              <a:t>Text &amp; </a:t>
-            </a:r>
-            <a:br>
-              <a:rPr lang="en-US" dirty="0"/>
-            </a:br>
-            <a:r>
-              <a:rPr lang="en-US" dirty="0"/>
-              <a:t>Un-Supervised Learning</a:t>
-            </a:r>
-          </a:p>
-        </p:txBody>
-      </p:sp>
-      <p:sp>
-        <p:nvSpPr>
-          <p:cNvPr id="3" name="Subtitle 2"/>
+            <a:endParaRPr lang="en-US"/>
+          </a:p>
+        </p:txBody>
+      </p:sp>
+      <p:sp>
+        <p:nvSpPr>
+          <p:cNvPr id="3" name="Content Placeholder 2">
+            <a:extLst>
+              <a:ext uri="{FF2B5EF4-FFF2-40B4-BE49-F238E27FC236}">
+                <a16:creationId xmlns:a16="http://schemas.microsoft.com/office/drawing/2014/main" id="{96A0BD0F-026F-FF43-B5B4-F30DA05409D5}"/>
+              </a:ext>
+            </a:extLst>
+          </p:cNvPr>
           <p:cNvSpPr>
             <a:spLocks noGrp="1"/>
           </p:cNvSpPr>
           <p:nvPr>
-            <p:ph type="subTitle" idx="1"/>
+            <p:ph idx="1"/>
           </p:nvPr>
         </p:nvSpPr>
         <p:spPr/>
@@ -4404,16 +4407,19 @@
           <a:bodyPr/>
           <a:lstStyle/>
           <a:p>
-            <a:r>
-              <a:rPr lang="en-US" dirty="0"/>
-              <a:t>Ted Kwartler</a:t>
-            </a:r>
-          </a:p>
-        </p:txBody>
-      </p:sp>
-      <p:sp>
-        <p:nvSpPr>
-          <p:cNvPr id="4" name="Date Placeholder 3"/>
+            <a:endParaRPr lang="en-US"/>
+          </a:p>
+        </p:txBody>
+      </p:sp>
+      <p:sp>
+        <p:nvSpPr>
+          <p:cNvPr id="4" name="Date Placeholder 3">
+            <a:extLst>
+              <a:ext uri="{FF2B5EF4-FFF2-40B4-BE49-F238E27FC236}">
+                <a16:creationId xmlns:a16="http://schemas.microsoft.com/office/drawing/2014/main" id="{6E5A937C-3085-B949-A7B8-5EDCA7561F93}"/>
+              </a:ext>
+            </a:extLst>
+          </p:cNvPr>
           <p:cNvSpPr>
             <a:spLocks noGrp="1"/>
           </p:cNvSpPr>
@@ -4426,10 +4432,9 @@
           <a:bodyPr/>
           <a:lstStyle/>
           <a:p>
-            <a:fld id="{5738B90E-0779-4C36-915C-6F05FCD89456}" type="datetime1">
+            <a:fld id="{D753EFC8-4232-4598-94F6-94C0EBAFC469}" type="datetime1">
               <a:rPr lang="en-US" smtClean="0"/>
-              <a:pPr/>
-              <a:t>1/1/21</a:t>
+              <a:t>1/10/21</a:t>
             </a:fld>
             <a:endParaRPr lang="en-US"/>
           </a:p>
@@ -4437,7 +4442,13 @@
       </p:sp>
       <p:sp>
         <p:nvSpPr>
-          <p:cNvPr id="6" name="Footer Placeholder 5"/>
+          <p:cNvPr id="5" name="Footer Placeholder 4">
+            <a:extLst>
+              <a:ext uri="{FF2B5EF4-FFF2-40B4-BE49-F238E27FC236}">
+                <a16:creationId xmlns:a16="http://schemas.microsoft.com/office/drawing/2014/main" id="{A9228D3F-E515-4543-BB63-8C44439FD1B9}"/>
+              </a:ext>
+            </a:extLst>
+          </p:cNvPr>
           <p:cNvSpPr>
             <a:spLocks noGrp="1"/>
           </p:cNvSpPr>
@@ -4460,7 +4471,13 @@
       </p:sp>
       <p:sp>
         <p:nvSpPr>
-          <p:cNvPr id="5" name="Slide Number Placeholder 4"/>
+          <p:cNvPr id="6" name="Slide Number Placeholder 5">
+            <a:extLst>
+              <a:ext uri="{FF2B5EF4-FFF2-40B4-BE49-F238E27FC236}">
+                <a16:creationId xmlns:a16="http://schemas.microsoft.com/office/drawing/2014/main" id="{4766376D-BBEF-CE4E-8D75-5B2A067CE032}"/>
+              </a:ext>
+            </a:extLst>
+          </p:cNvPr>
           <p:cNvSpPr>
             <a:spLocks noGrp="1"/>
           </p:cNvSpPr>
@@ -4478,100 +4495,61 @@
               <a:pPr/>
               <a:t>1</a:t>
             </a:fld>
-            <a:endParaRPr lang="en-US"/>
-          </a:p>
-        </p:txBody>
-      </p:sp>
-      <p:cxnSp>
-        <p:nvCxnSpPr>
-          <p:cNvPr id="7" name="Straight Connector 6">
-            <a:extLst>
-              <a:ext uri="{FF2B5EF4-FFF2-40B4-BE49-F238E27FC236}">
-                <a16:creationId xmlns:a16="http://schemas.microsoft.com/office/drawing/2014/main" id="{3071EF48-36DA-6542-AABF-08E97412DCD4}"/>
-              </a:ext>
-            </a:extLst>
-          </p:cNvPr>
-          <p:cNvCxnSpPr/>
+            <a:endParaRPr lang="en-US" dirty="0"/>
+          </a:p>
+        </p:txBody>
+      </p:sp>
+      <p:pic>
+        <p:nvPicPr>
+          <p:cNvPr id="1026" name="Picture 2" descr="attendance is optional false it is mandatory - Dwight Schrute | Meme  Generator">
+            <a:extLst>
+              <a:ext uri="{FF2B5EF4-FFF2-40B4-BE49-F238E27FC236}">
+                <a16:creationId xmlns:a16="http://schemas.microsoft.com/office/drawing/2014/main" id="{1CD74A16-695D-114A-9CE5-1E936BF544D5}"/>
+              </a:ext>
+            </a:extLst>
+          </p:cNvPr>
+          <p:cNvPicPr>
+            <a:picLocks noChangeAspect="1" noChangeArrowheads="1"/>
+          </p:cNvPicPr>
           <p:nvPr/>
-        </p:nvCxnSpPr>
-        <p:spPr>
-          <a:xfrm>
-            <a:off x="6798363" y="6549885"/>
-            <a:ext cx="0" cy="182880"/>
-          </a:xfrm>
-          <a:prstGeom prst="line">
-            <a:avLst/>
-          </a:prstGeom>
-          <a:ln>
-            <a:solidFill>
-              <a:schemeClr val="bg1">
-                <a:lumMod val="85000"/>
-              </a:schemeClr>
-            </a:solidFill>
-          </a:ln>
-        </p:spPr>
-        <p:style>
-          <a:lnRef idx="1">
-            <a:schemeClr val="accent1"/>
-          </a:lnRef>
-          <a:fillRef idx="0">
-            <a:schemeClr val="accent1"/>
-          </a:fillRef>
-          <a:effectRef idx="0">
-            <a:schemeClr val="accent1"/>
-          </a:effectRef>
-          <a:fontRef idx="minor">
-            <a:schemeClr val="tx1"/>
-          </a:fontRef>
-        </p:style>
-      </p:cxnSp>
-      <p:cxnSp>
-        <p:nvCxnSpPr>
-          <p:cNvPr id="8" name="Straight Connector 7">
-            <a:extLst>
-              <a:ext uri="{FF2B5EF4-FFF2-40B4-BE49-F238E27FC236}">
-                <a16:creationId xmlns:a16="http://schemas.microsoft.com/office/drawing/2014/main" id="{77D2D9A1-7C2C-724D-B838-E00E0AA3895A}"/>
-              </a:ext>
-            </a:extLst>
-          </p:cNvPr>
-          <p:cNvCxnSpPr/>
-          <p:nvPr/>
-        </p:nvCxnSpPr>
-        <p:spPr>
-          <a:xfrm>
-            <a:off x="7076661" y="4664763"/>
-            <a:ext cx="182880" cy="0"/>
-          </a:xfrm>
-          <a:prstGeom prst="line">
-            <a:avLst/>
-          </a:prstGeom>
-          <a:ln>
-            <a:solidFill>
-              <a:schemeClr val="bg1">
-                <a:lumMod val="85000"/>
-              </a:schemeClr>
-            </a:solidFill>
-          </a:ln>
-        </p:spPr>
-        <p:style>
-          <a:lnRef idx="1">
-            <a:schemeClr val="accent1"/>
-          </a:lnRef>
-          <a:fillRef idx="0">
-            <a:schemeClr val="accent1"/>
-          </a:fillRef>
-          <a:effectRef idx="0">
-            <a:schemeClr val="accent1"/>
-          </a:effectRef>
-          <a:fontRef idx="minor">
-            <a:schemeClr val="tx1"/>
-          </a:fontRef>
-        </p:style>
-      </p:cxnSp>
+        </p:nvPicPr>
+        <p:blipFill>
+          <a:blip r:embed="rId2">
+            <a:extLst>
+              <a:ext uri="{28A0092B-C50C-407E-A947-70E740481C1C}">
+                <a14:useLocalDpi xmlns:a14="http://schemas.microsoft.com/office/drawing/2010/main" val="0"/>
+              </a:ext>
+            </a:extLst>
+          </a:blip>
+          <a:srcRect/>
+          <a:stretch>
+            <a:fillRect/>
+          </a:stretch>
+        </p:blipFill>
+        <p:spPr bwMode="auto">
+          <a:xfrm>
+            <a:off x="1714500" y="1454150"/>
+            <a:ext cx="5715000" cy="3949700"/>
+          </a:xfrm>
+          <a:prstGeom prst="rect">
+            <a:avLst/>
+          </a:prstGeom>
+          <a:noFill/>
+          <a:extLst>
+            <a:ext uri="{909E8E84-426E-40DD-AFC4-6F175D3DCCD1}">
+              <a14:hiddenFill xmlns:a14="http://schemas.microsoft.com/office/drawing/2010/main">
+                <a:solidFill>
+                  <a:srgbClr val="FFFFFF"/>
+                </a:solidFill>
+              </a14:hiddenFill>
+            </a:ext>
+          </a:extLst>
+        </p:spPr>
+      </p:pic>
     </p:spTree>
     <p:extLst>
       <p:ext uri="{BB962C8B-B14F-4D97-AF65-F5344CB8AC3E}">
-        <p14:creationId xmlns:p14="http://schemas.microsoft.com/office/powerpoint/2010/main" val="1912304128"/>
+        <p14:creationId xmlns:p14="http://schemas.microsoft.com/office/powerpoint/2010/main" val="3142346571"/>
       </p:ext>
     </p:extLst>
   </p:cSld>
@@ -4603,7 +4581,7 @@
           <p:cNvPr id="2" name="Date Placeholder 1">
             <a:extLst>
               <a:ext uri="{FF2B5EF4-FFF2-40B4-BE49-F238E27FC236}">
-                <a16:creationId xmlns:a16="http://schemas.microsoft.com/office/drawing/2014/main" id="{22F58142-1FC6-48E2-930A-1ABCA90382F2}"/>
+                <a16:creationId xmlns:a16="http://schemas.microsoft.com/office/drawing/2014/main" id="{F0C49392-A6AB-454B-A8CE-1A222F99465B}"/>
               </a:ext>
             </a:extLst>
           </p:cNvPr>
@@ -4621,7 +4599,7 @@
           <a:p>
             <a:fld id="{6700A58B-DD98-43D0-B791-721480A02982}" type="datetime1">
               <a:rPr lang="en-US" smtClean="0"/>
-              <a:t>1/1/21</a:t>
+              <a:t>1/10/21</a:t>
             </a:fld>
             <a:endParaRPr lang="en-US"/>
           </a:p>
@@ -4632,7 +4610,7 @@
           <p:cNvPr id="3" name="Title 2">
             <a:extLst>
               <a:ext uri="{FF2B5EF4-FFF2-40B4-BE49-F238E27FC236}">
-                <a16:creationId xmlns:a16="http://schemas.microsoft.com/office/drawing/2014/main" id="{7DCBF78D-BB30-4EA4-92FF-5894C071CDEA}"/>
+                <a16:creationId xmlns:a16="http://schemas.microsoft.com/office/drawing/2014/main" id="{84D6A954-5268-46B6-A543-95112466DB47}"/>
               </a:ext>
             </a:extLst>
           </p:cNvPr>
@@ -4643,19 +4621,14 @@
             <p:ph type="title"/>
           </p:nvPr>
         </p:nvSpPr>
-        <p:spPr>
-          <a:xfrm>
-            <a:off x="220712" y="365126"/>
-            <a:ext cx="8923288" cy="591477"/>
-          </a:xfrm>
-        </p:spPr>
+        <p:spPr/>
         <p:txBody>
           <a:bodyPr/>
           <a:lstStyle/>
           <a:p>
             <a:r>
               <a:rPr lang="en-US" dirty="0"/>
-              <a:t>Unsupervised Learning: Latent Dirichlet Allocation</a:t>
+              <a:t>Your turn…</a:t>
             </a:r>
           </a:p>
         </p:txBody>
@@ -4665,7 +4638,7 @@
           <p:cNvPr id="4" name="Footer Placeholder 3">
             <a:extLst>
               <a:ext uri="{FF2B5EF4-FFF2-40B4-BE49-F238E27FC236}">
-                <a16:creationId xmlns:a16="http://schemas.microsoft.com/office/drawing/2014/main" id="{D63754AC-4F6B-470A-A2CB-89FECF37CBF9}"/>
+                <a16:creationId xmlns:a16="http://schemas.microsoft.com/office/drawing/2014/main" id="{4BC7F7B4-D656-41A4-A871-BFDE44C52003}"/>
               </a:ext>
             </a:extLst>
           </p:cNvPr>
@@ -4694,7 +4667,7 @@
           <p:cNvPr id="5" name="Slide Number Placeholder 4">
             <a:extLst>
               <a:ext uri="{FF2B5EF4-FFF2-40B4-BE49-F238E27FC236}">
-                <a16:creationId xmlns:a16="http://schemas.microsoft.com/office/drawing/2014/main" id="{526D72EA-36BA-4EE2-AC65-5EEDC382AA55}"/>
+                <a16:creationId xmlns:a16="http://schemas.microsoft.com/office/drawing/2014/main" id="{A6021B5F-8FDA-4E62-A89E-D815A486DD8E}"/>
               </a:ext>
             </a:extLst>
           </p:cNvPr>
@@ -4721,10 +4694,120 @@
       </p:sp>
       <p:sp>
         <p:nvSpPr>
-          <p:cNvPr id="6" name="TextBox 5">
-            <a:extLst>
-              <a:ext uri="{FF2B5EF4-FFF2-40B4-BE49-F238E27FC236}">
-                <a16:creationId xmlns:a16="http://schemas.microsoft.com/office/drawing/2014/main" id="{3E747EA3-1AA2-44C7-B883-3A43CAA0B9EE}"/>
+          <p:cNvPr id="6" name="Rectangle 5">
+            <a:extLst>
+              <a:ext uri="{FF2B5EF4-FFF2-40B4-BE49-F238E27FC236}">
+                <a16:creationId xmlns:a16="http://schemas.microsoft.com/office/drawing/2014/main" id="{0551F8BD-DC5B-4CDE-B3CC-716D55A4B32F}"/>
+              </a:ext>
+            </a:extLst>
+          </p:cNvPr>
+          <p:cNvSpPr/>
+          <p:nvPr/>
+        </p:nvSpPr>
+        <p:spPr>
+          <a:xfrm>
+            <a:off x="4580102" y="1319213"/>
+            <a:ext cx="4392447" cy="557213"/>
+          </a:xfrm>
+          <a:prstGeom prst="rect">
+            <a:avLst/>
+          </a:prstGeom>
+          <a:solidFill>
+            <a:schemeClr val="accent3"/>
+          </a:solidFill>
+          <a:ln>
+            <a:noFill/>
+          </a:ln>
+        </p:spPr>
+        <p:style>
+          <a:lnRef idx="2">
+            <a:schemeClr val="accent1">
+              <a:shade val="50000"/>
+            </a:schemeClr>
+          </a:lnRef>
+          <a:fillRef idx="1">
+            <a:schemeClr val="accent1"/>
+          </a:fillRef>
+          <a:effectRef idx="0">
+            <a:schemeClr val="accent1"/>
+          </a:effectRef>
+          <a:fontRef idx="minor">
+            <a:schemeClr val="lt1"/>
+          </a:fontRef>
+        </p:style>
+        <p:txBody>
+          <a:bodyPr rtlCol="0" anchor="ctr"/>
+          <a:lstStyle/>
+          <a:p>
+            <a:pPr algn="ctr"/>
+            <a:r>
+              <a:rPr lang="en-US" dirty="0"/>
+              <a:t>Scenario</a:t>
+            </a:r>
+          </a:p>
+        </p:txBody>
+      </p:sp>
+      <p:sp>
+        <p:nvSpPr>
+          <p:cNvPr id="7" name="Rectangle 6">
+            <a:extLst>
+              <a:ext uri="{FF2B5EF4-FFF2-40B4-BE49-F238E27FC236}">
+                <a16:creationId xmlns:a16="http://schemas.microsoft.com/office/drawing/2014/main" id="{30C04625-BB82-4F8B-88E1-7D53E1BE9899}"/>
+              </a:ext>
+            </a:extLst>
+          </p:cNvPr>
+          <p:cNvSpPr/>
+          <p:nvPr/>
+        </p:nvSpPr>
+        <p:spPr>
+          <a:xfrm>
+            <a:off x="114304" y="1319213"/>
+            <a:ext cx="4114800" cy="557213"/>
+          </a:xfrm>
+          <a:prstGeom prst="rect">
+            <a:avLst/>
+          </a:prstGeom>
+          <a:solidFill>
+            <a:schemeClr val="accent3"/>
+          </a:solidFill>
+          <a:ln>
+            <a:noFill/>
+          </a:ln>
+        </p:spPr>
+        <p:style>
+          <a:lnRef idx="2">
+            <a:schemeClr val="accent1">
+              <a:shade val="50000"/>
+            </a:schemeClr>
+          </a:lnRef>
+          <a:fillRef idx="1">
+            <a:schemeClr val="accent1"/>
+          </a:fillRef>
+          <a:effectRef idx="0">
+            <a:schemeClr val="accent1"/>
+          </a:effectRef>
+          <a:fontRef idx="minor">
+            <a:schemeClr val="lt1"/>
+          </a:fontRef>
+        </p:style>
+        <p:txBody>
+          <a:bodyPr rtlCol="0" anchor="ctr"/>
+          <a:lstStyle/>
+          <a:p>
+            <a:pPr algn="ctr"/>
+            <a:r>
+              <a:rPr lang="en-US" dirty="0"/>
+              <a:t>Methods</a:t>
+            </a:r>
+          </a:p>
+        </p:txBody>
+      </p:sp>
+      <p:sp>
+        <p:nvSpPr>
+          <p:cNvPr id="13" name="TextBox 12">
+            <a:extLst>
+              <a:ext uri="{FF2B5EF4-FFF2-40B4-BE49-F238E27FC236}">
+                <a16:creationId xmlns:a16="http://schemas.microsoft.com/office/drawing/2014/main" id="{243A2CD2-CDC4-4055-BE5C-7ACF1E7F8744}"/>
               </a:ext>
             </a:extLst>
           </p:cNvPr>
@@ -4733,8 +4816,8 @@
         </p:nvSpPr>
         <p:spPr>
           <a:xfrm>
-            <a:off x="220712" y="2493818"/>
-            <a:ext cx="8702575" cy="1477328"/>
+            <a:off x="4522319" y="2036939"/>
+            <a:ext cx="4544705" cy="646331"/>
           </a:xfrm>
           <a:prstGeom prst="rect">
             <a:avLst/>
@@ -4742,65 +4825,71 @@
           <a:noFill/>
         </p:spPr>
         <p:txBody>
-          <a:bodyPr wrap="none" rtlCol="0">
+          <a:bodyPr wrap="square" rtlCol="0">
             <a:spAutoFit/>
           </a:bodyPr>
           <a:lstStyle/>
           <a:p>
-            <a:pPr marL="285750" indent="-285750">
-              <a:buFont typeface="Arial" panose="020B0604020202020204" pitchFamily="34" charset="0"/>
-              <a:buChar char="•"/>
-            </a:pPr>
             <a:r>
               <a:rPr lang="en-US" dirty="0"/>
-              <a:t>Observe term frequency within documents</a:t>
-            </a:r>
-          </a:p>
-          <a:p>
-            <a:pPr marL="285750" indent="-285750">
-              <a:buFont typeface="Arial" panose="020B0604020202020204" pitchFamily="34" charset="0"/>
-              <a:buChar char="•"/>
-            </a:pPr>
-            <a:r>
-              <a:rPr lang="en-US" dirty="0"/>
-              <a:t>Identify “k” topics or clusters with similar frequency</a:t>
-            </a:r>
-          </a:p>
-          <a:p>
-            <a:pPr marL="285750" indent="-285750">
-              <a:buFont typeface="Arial" panose="020B0604020202020204" pitchFamily="34" charset="0"/>
-              <a:buChar char="•"/>
-            </a:pPr>
-            <a:endParaRPr lang="en-US" dirty="0"/>
-          </a:p>
-          <a:p>
-            <a:pPr marL="285750" indent="-285750">
-              <a:buFont typeface="Arial" panose="020B0604020202020204" pitchFamily="34" charset="0"/>
-              <a:buChar char="•"/>
-            </a:pPr>
-            <a:r>
-              <a:rPr lang="en-US" dirty="0"/>
-              <a:t>A document may be more than one topic and is assigned to a cluster topic by probability</a:t>
-            </a:r>
-          </a:p>
-          <a:p>
-            <a:pPr marL="742950" lvl="1" indent="-285750">
-              <a:buFont typeface="Arial" panose="020B0604020202020204" pitchFamily="34" charset="0"/>
-              <a:buChar char="•"/>
-            </a:pPr>
-            <a:r>
-              <a:rPr lang="en-US" i="1" dirty="0"/>
-              <a:t>If K= 4, each document would get 4 probabilities</a:t>
-            </a:r>
-          </a:p>
-        </p:txBody>
-      </p:sp>
+              <a:t>How many patients should we expect in the urgent care tomorrow?</a:t>
+            </a:r>
+          </a:p>
+        </p:txBody>
+      </p:sp>
+      <p:pic>
+        <p:nvPicPr>
+          <p:cNvPr id="14" name="Picture 2" descr="Image result for urgent care meme">
+            <a:extLst>
+              <a:ext uri="{FF2B5EF4-FFF2-40B4-BE49-F238E27FC236}">
+                <a16:creationId xmlns:a16="http://schemas.microsoft.com/office/drawing/2014/main" id="{EC2819AE-2602-4F99-A8F9-D64374B3D21B}"/>
+              </a:ext>
+            </a:extLst>
+          </p:cNvPr>
+          <p:cNvPicPr>
+            <a:picLocks noChangeAspect="1" noChangeArrowheads="1"/>
+          </p:cNvPicPr>
+          <p:nvPr/>
+        </p:nvPicPr>
+        <p:blipFill>
+          <a:blip r:embed="rId2">
+            <a:extLst>
+              <a:ext uri="{28A0092B-C50C-407E-A947-70E740481C1C}">
+                <a14:useLocalDpi xmlns:a14="http://schemas.microsoft.com/office/drawing/2010/main" val="0"/>
+              </a:ext>
+            </a:extLst>
+          </a:blip>
+          <a:srcRect/>
+          <a:stretch>
+            <a:fillRect/>
+          </a:stretch>
+        </p:blipFill>
+        <p:spPr bwMode="auto">
+          <a:xfrm>
+            <a:off x="1054558" y="3393327"/>
+            <a:ext cx="2522360" cy="2509965"/>
+          </a:xfrm>
+          <a:prstGeom prst="rect">
+            <a:avLst/>
+          </a:prstGeom>
+          <a:noFill/>
+          <a:extLst>
+            <a:ext uri="{909E8E84-426E-40DD-AFC4-6F175D3DCCD1}">
+              <a14:hiddenFill xmlns:a14="http://schemas.microsoft.com/office/drawing/2010/main">
+                <a:solidFill>
+                  <a:srgbClr val="FFFFFF"/>
+                </a:solidFill>
+              </a14:hiddenFill>
+            </a:ext>
+          </a:extLst>
+        </p:spPr>
+      </p:pic>
       <p:cxnSp>
         <p:nvCxnSpPr>
-          <p:cNvPr id="7" name="Straight Connector 6">
-            <a:extLst>
-              <a:ext uri="{FF2B5EF4-FFF2-40B4-BE49-F238E27FC236}">
-                <a16:creationId xmlns:a16="http://schemas.microsoft.com/office/drawing/2014/main" id="{F8BEA322-061E-3444-86C8-A3BF2BE13311}"/>
+          <p:cNvPr id="11" name="Straight Connector 10">
+            <a:extLst>
+              <a:ext uri="{FF2B5EF4-FFF2-40B4-BE49-F238E27FC236}">
+                <a16:creationId xmlns:a16="http://schemas.microsoft.com/office/drawing/2014/main" id="{4073E23C-F590-C243-BFB2-BB41F66FB489}"/>
               </a:ext>
             </a:extLst>
           </p:cNvPr>
@@ -4840,10 +4929,10 @@
       </p:cxnSp>
       <p:cxnSp>
         <p:nvCxnSpPr>
-          <p:cNvPr id="8" name="Straight Connector 7">
-            <a:extLst>
-              <a:ext uri="{FF2B5EF4-FFF2-40B4-BE49-F238E27FC236}">
-                <a16:creationId xmlns:a16="http://schemas.microsoft.com/office/drawing/2014/main" id="{0C1485E4-2999-0A40-8BB3-5B8DC1E7B6E1}"/>
+          <p:cNvPr id="12" name="Straight Connector 11">
+            <a:extLst>
+              <a:ext uri="{FF2B5EF4-FFF2-40B4-BE49-F238E27FC236}">
+                <a16:creationId xmlns:a16="http://schemas.microsoft.com/office/drawing/2014/main" id="{3721FC8C-07FF-ED4A-81E2-FE2957FAEC33}"/>
               </a:ext>
             </a:extLst>
           </p:cNvPr>
@@ -4881,10 +4970,64 @@
           </a:fontRef>
         </p:style>
       </p:cxnSp>
+      <p:sp>
+        <p:nvSpPr>
+          <p:cNvPr id="15" name="TextBox 14">
+            <a:extLst>
+              <a:ext uri="{FF2B5EF4-FFF2-40B4-BE49-F238E27FC236}">
+                <a16:creationId xmlns:a16="http://schemas.microsoft.com/office/drawing/2014/main" id="{4B009233-F49D-3848-B1B6-20BC1BB8192C}"/>
+              </a:ext>
+            </a:extLst>
+          </p:cNvPr>
+          <p:cNvSpPr txBox="1"/>
+          <p:nvPr/>
+        </p:nvSpPr>
+        <p:spPr>
+          <a:xfrm>
+            <a:off x="336422" y="2115018"/>
+            <a:ext cx="3037498" cy="1200329"/>
+          </a:xfrm>
+          <a:prstGeom prst="rect">
+            <a:avLst/>
+          </a:prstGeom>
+          <a:noFill/>
+        </p:spPr>
+        <p:txBody>
+          <a:bodyPr wrap="none" rtlCol="0">
+            <a:spAutoFit/>
+          </a:bodyPr>
+          <a:lstStyle/>
+          <a:p>
+            <a:pPr marL="285750" indent="-285750">
+              <a:buFont typeface="Arial" panose="020B0604020202020204" pitchFamily="34" charset="0"/>
+              <a:buChar char="•"/>
+            </a:pPr>
+            <a:r>
+              <a:rPr lang="en-US" sz="3600" dirty="0"/>
+              <a:t>Supervised </a:t>
+            </a:r>
+            <a:r>
+              <a:rPr lang="en-US" sz="3600" i="1" dirty="0"/>
+              <a:t>or</a:t>
+            </a:r>
+            <a:endParaRPr lang="en-US" sz="3600" dirty="0"/>
+          </a:p>
+          <a:p>
+            <a:pPr marL="285750" indent="-285750">
+              <a:buFont typeface="Arial" panose="020B0604020202020204" pitchFamily="34" charset="0"/>
+              <a:buChar char="•"/>
+            </a:pPr>
+            <a:r>
+              <a:rPr lang="en-US" sz="3600" dirty="0"/>
+              <a:t>Unsupervised</a:t>
+            </a:r>
+          </a:p>
+        </p:txBody>
+      </p:sp>
     </p:spTree>
     <p:extLst>
       <p:ext uri="{BB962C8B-B14F-4D97-AF65-F5344CB8AC3E}">
-        <p14:creationId xmlns:p14="http://schemas.microsoft.com/office/powerpoint/2010/main" val="2972601077"/>
+        <p14:creationId xmlns:p14="http://schemas.microsoft.com/office/powerpoint/2010/main" val="2641649817"/>
       </p:ext>
     </p:extLst>
   </p:cSld>
@@ -4916,7 +5059,7 @@
           <p:cNvPr id="2" name="Date Placeholder 1">
             <a:extLst>
               <a:ext uri="{FF2B5EF4-FFF2-40B4-BE49-F238E27FC236}">
-                <a16:creationId xmlns:a16="http://schemas.microsoft.com/office/drawing/2014/main" id="{CF3303AE-DC79-4075-87D8-B19C4044C6BA}"/>
+                <a16:creationId xmlns:a16="http://schemas.microsoft.com/office/drawing/2014/main" id="{22F58142-1FC6-48E2-930A-1ABCA90382F2}"/>
               </a:ext>
             </a:extLst>
           </p:cNvPr>
@@ -4934,7 +5077,7 @@
           <a:p>
             <a:fld id="{6700A58B-DD98-43D0-B791-721480A02982}" type="datetime1">
               <a:rPr lang="en-US" smtClean="0"/>
-              <a:t>1/1/21</a:t>
+              <a:t>1/10/21</a:t>
             </a:fld>
             <a:endParaRPr lang="en-US"/>
           </a:p>
@@ -4945,7 +5088,7 @@
           <p:cNvPr id="3" name="Title 2">
             <a:extLst>
               <a:ext uri="{FF2B5EF4-FFF2-40B4-BE49-F238E27FC236}">
-                <a16:creationId xmlns:a16="http://schemas.microsoft.com/office/drawing/2014/main" id="{5447F8C8-CE7F-43AE-BEA1-8436CB220DA4}"/>
+                <a16:creationId xmlns:a16="http://schemas.microsoft.com/office/drawing/2014/main" id="{7DCBF78D-BB30-4EA4-92FF-5894C071CDEA}"/>
               </a:ext>
             </a:extLst>
           </p:cNvPr>
@@ -4958,8 +5101,8 @@
         </p:nvSpPr>
         <p:spPr>
           <a:xfrm>
-            <a:off x="96416" y="365126"/>
-            <a:ext cx="8418934" cy="591477"/>
+            <a:off x="220712" y="365126"/>
+            <a:ext cx="8923288" cy="591477"/>
           </a:xfrm>
         </p:spPr>
         <p:txBody>
@@ -4968,7 +5111,7 @@
           <a:p>
             <a:r>
               <a:rPr lang="en-US" dirty="0"/>
-              <a:t>Unsupervised: Latent Dirichlet Allocation (LDA)</a:t>
+              <a:t>Unsupervised Learning: Latent Dirichlet Allocation</a:t>
             </a:r>
           </a:p>
         </p:txBody>
@@ -4978,7 +5121,7 @@
           <p:cNvPr id="4" name="Footer Placeholder 3">
             <a:extLst>
               <a:ext uri="{FF2B5EF4-FFF2-40B4-BE49-F238E27FC236}">
-                <a16:creationId xmlns:a16="http://schemas.microsoft.com/office/drawing/2014/main" id="{1BDC3D80-3A8C-4952-A46E-D5B8414D6B8D}"/>
+                <a16:creationId xmlns:a16="http://schemas.microsoft.com/office/drawing/2014/main" id="{D63754AC-4F6B-470A-A2CB-89FECF37CBF9}"/>
               </a:ext>
             </a:extLst>
           </p:cNvPr>
@@ -5007,7 +5150,7 @@
           <p:cNvPr id="5" name="Slide Number Placeholder 4">
             <a:extLst>
               <a:ext uri="{FF2B5EF4-FFF2-40B4-BE49-F238E27FC236}">
-                <a16:creationId xmlns:a16="http://schemas.microsoft.com/office/drawing/2014/main" id="{CC1B7AE3-7AE3-45B8-B0B3-1193239D0230}"/>
+                <a16:creationId xmlns:a16="http://schemas.microsoft.com/office/drawing/2014/main" id="{526D72EA-36BA-4EE2-AC65-5EEDC382AA55}"/>
               </a:ext>
             </a:extLst>
           </p:cNvPr>
@@ -5037,7 +5180,7 @@
           <p:cNvPr id="6" name="TextBox 5">
             <a:extLst>
               <a:ext uri="{FF2B5EF4-FFF2-40B4-BE49-F238E27FC236}">
-                <a16:creationId xmlns:a16="http://schemas.microsoft.com/office/drawing/2014/main" id="{FF943204-89BF-4A6A-AA3F-6612D4C6618A}"/>
+                <a16:creationId xmlns:a16="http://schemas.microsoft.com/office/drawing/2014/main" id="{3E747EA3-1AA2-44C7-B883-3A43CAA0B9EE}"/>
               </a:ext>
             </a:extLst>
           </p:cNvPr>
@@ -5046,8 +5189,8 @@
         </p:nvSpPr>
         <p:spPr>
           <a:xfrm>
-            <a:off x="96416" y="1423749"/>
-            <a:ext cx="8844024" cy="2031325"/>
+            <a:off x="220712" y="2493818"/>
+            <a:ext cx="8702575" cy="1477328"/>
           </a:xfrm>
           <a:prstGeom prst="rect">
             <a:avLst/>
@@ -5066,7 +5209,17 @@
             </a:pPr>
             <a:r>
               <a:rPr lang="en-US" dirty="0"/>
-              <a:t>Latent – identify concealed topics e.g. not explicitly declared</a:t>
+              <a:t>Observe term frequency within documents</a:t>
+            </a:r>
+          </a:p>
+          <a:p>
+            <a:pPr marL="285750" indent="-285750">
+              <a:buFont typeface="Arial" panose="020B0604020202020204" pitchFamily="34" charset="0"/>
+              <a:buChar char="•"/>
+            </a:pPr>
+            <a:r>
+              <a:rPr lang="en-US" dirty="0"/>
+              <a:t>Identify “k” topics or clusters with similar frequency</a:t>
             </a:r>
           </a:p>
           <a:p>
@@ -5083,7 +5236,7 @@
             </a:pPr>
             <a:r>
               <a:rPr lang="en-US" dirty="0"/>
-              <a:t>Dirichlet – used in stats to represent multi-variate (multi-word) distributions</a:t>
+              <a:t>A document may be more than one topic and is assigned to a cluster topic by probability</a:t>
             </a:r>
           </a:p>
           <a:p>
@@ -5092,127 +5245,18 @@
               <a:buChar char="•"/>
             </a:pPr>
             <a:r>
-              <a:rPr lang="en-US" dirty="0"/>
-              <a:t>Instead of actual values it’s a “beta” distribution of probabilities 0-1</a:t>
-            </a:r>
-          </a:p>
-          <a:p>
-            <a:pPr marL="742950" lvl="1" indent="-285750">
-              <a:buFont typeface="Arial" panose="020B0604020202020204" pitchFamily="34" charset="0"/>
-              <a:buChar char="•"/>
-            </a:pPr>
-            <a:r>
-              <a:rPr lang="en-US" dirty="0"/>
-              <a:t>No “tails” values include 0 and 1</a:t>
-            </a:r>
-          </a:p>
-          <a:p>
-            <a:pPr marL="742950" lvl="1" indent="-285750">
-              <a:buFont typeface="Arial" panose="020B0604020202020204" pitchFamily="34" charset="0"/>
-              <a:buChar char="•"/>
-            </a:pPr>
-            <a:r>
-              <a:rPr lang="en-US" dirty="0"/>
-              <a:t>Beta distributions do not have to be symmetrical</a:t>
-            </a:r>
-          </a:p>
-          <a:p>
-            <a:pPr marL="742950" lvl="1" indent="-285750">
-              <a:buFont typeface="Arial" panose="020B0604020202020204" pitchFamily="34" charset="0"/>
-              <a:buChar char="•"/>
-            </a:pPr>
-            <a:r>
-              <a:rPr lang="en-US" dirty="0"/>
-              <a:t>Dirichlet will give k probabilities from beta distributions that generalize and sum to 1</a:t>
-            </a:r>
-          </a:p>
-        </p:txBody>
-      </p:sp>
-      <p:pic>
-        <p:nvPicPr>
-          <p:cNvPr id="8" name="Picture 7">
-            <a:extLst>
-              <a:ext uri="{FF2B5EF4-FFF2-40B4-BE49-F238E27FC236}">
-                <a16:creationId xmlns:a16="http://schemas.microsoft.com/office/drawing/2014/main" id="{2F6EC7DB-B710-4963-AD64-DBEFF3146C97}"/>
-              </a:ext>
-            </a:extLst>
-          </p:cNvPr>
-          <p:cNvPicPr>
-            <a:picLocks noChangeAspect="1"/>
-          </p:cNvPicPr>
-          <p:nvPr/>
-        </p:nvPicPr>
-        <p:blipFill>
-          <a:blip r:embed="rId2"/>
-          <a:stretch>
-            <a:fillRect/>
-          </a:stretch>
-        </p:blipFill>
-        <p:spPr>
-          <a:xfrm>
-            <a:off x="628650" y="3747409"/>
-            <a:ext cx="7891333" cy="1923098"/>
-          </a:xfrm>
-          <a:prstGeom prst="rect">
-            <a:avLst/>
-          </a:prstGeom>
-        </p:spPr>
-      </p:pic>
-      <p:sp>
-        <p:nvSpPr>
-          <p:cNvPr id="9" name="Rectangle 8">
-            <a:extLst>
-              <a:ext uri="{FF2B5EF4-FFF2-40B4-BE49-F238E27FC236}">
-                <a16:creationId xmlns:a16="http://schemas.microsoft.com/office/drawing/2014/main" id="{F3B99C2F-44A4-47F7-B59A-FA519F8B32C1}"/>
-              </a:ext>
-            </a:extLst>
-          </p:cNvPr>
-          <p:cNvSpPr/>
-          <p:nvPr/>
-        </p:nvSpPr>
-        <p:spPr>
-          <a:xfrm rot="19487604">
-            <a:off x="3028950" y="4207651"/>
-            <a:ext cx="3086100" cy="714895"/>
-          </a:xfrm>
-          <a:prstGeom prst="rect">
-            <a:avLst/>
-          </a:prstGeom>
-        </p:spPr>
-        <p:style>
-          <a:lnRef idx="2">
-            <a:schemeClr val="accent1">
-              <a:shade val="50000"/>
-            </a:schemeClr>
-          </a:lnRef>
-          <a:fillRef idx="1">
-            <a:schemeClr val="accent1"/>
-          </a:fillRef>
-          <a:effectRef idx="0">
-            <a:schemeClr val="accent1"/>
-          </a:effectRef>
-          <a:fontRef idx="minor">
-            <a:schemeClr val="lt1"/>
-          </a:fontRef>
-        </p:style>
-        <p:txBody>
-          <a:bodyPr rtlCol="0" anchor="ctr"/>
-          <a:lstStyle/>
-          <a:p>
-            <a:pPr algn="ctr"/>
-            <a:r>
-              <a:rPr lang="en-US" dirty="0"/>
-              <a:t>Don’t worry about it!</a:t>
+              <a:rPr lang="en-US" i="1" dirty="0"/>
+              <a:t>If K= 4, each document would get 4 probabilities</a:t>
             </a:r>
           </a:p>
         </p:txBody>
       </p:sp>
       <p:cxnSp>
         <p:nvCxnSpPr>
-          <p:cNvPr id="10" name="Straight Connector 9">
-            <a:extLst>
-              <a:ext uri="{FF2B5EF4-FFF2-40B4-BE49-F238E27FC236}">
-                <a16:creationId xmlns:a16="http://schemas.microsoft.com/office/drawing/2014/main" id="{1C535896-F064-2F48-94CB-E6B17D991CE6}"/>
+          <p:cNvPr id="7" name="Straight Connector 6">
+            <a:extLst>
+              <a:ext uri="{FF2B5EF4-FFF2-40B4-BE49-F238E27FC236}">
+                <a16:creationId xmlns:a16="http://schemas.microsoft.com/office/drawing/2014/main" id="{F8BEA322-061E-3444-86C8-A3BF2BE13311}"/>
               </a:ext>
             </a:extLst>
           </p:cNvPr>
@@ -5252,10 +5296,10 @@
       </p:cxnSp>
       <p:cxnSp>
         <p:nvCxnSpPr>
-          <p:cNvPr id="11" name="Straight Connector 10">
-            <a:extLst>
-              <a:ext uri="{FF2B5EF4-FFF2-40B4-BE49-F238E27FC236}">
-                <a16:creationId xmlns:a16="http://schemas.microsoft.com/office/drawing/2014/main" id="{72412188-E990-454F-A452-D654AC2E0F94}"/>
+          <p:cNvPr id="8" name="Straight Connector 7">
+            <a:extLst>
+              <a:ext uri="{FF2B5EF4-FFF2-40B4-BE49-F238E27FC236}">
+                <a16:creationId xmlns:a16="http://schemas.microsoft.com/office/drawing/2014/main" id="{0C1485E4-2999-0A40-8BB3-5B8DC1E7B6E1}"/>
               </a:ext>
             </a:extLst>
           </p:cNvPr>
@@ -5296,7 +5340,7 @@
     </p:spTree>
     <p:extLst>
       <p:ext uri="{BB962C8B-B14F-4D97-AF65-F5344CB8AC3E}">
-        <p14:creationId xmlns:p14="http://schemas.microsoft.com/office/powerpoint/2010/main" val="3896194745"/>
+        <p14:creationId xmlns:p14="http://schemas.microsoft.com/office/powerpoint/2010/main" val="2972601077"/>
       </p:ext>
     </p:extLst>
   </p:cSld>
@@ -5328,7 +5372,7 @@
           <p:cNvPr id="2" name="Date Placeholder 1">
             <a:extLst>
               <a:ext uri="{FF2B5EF4-FFF2-40B4-BE49-F238E27FC236}">
-                <a16:creationId xmlns:a16="http://schemas.microsoft.com/office/drawing/2014/main" id="{57E0559B-108E-42BA-B148-3A7379225216}"/>
+                <a16:creationId xmlns:a16="http://schemas.microsoft.com/office/drawing/2014/main" id="{CF3303AE-DC79-4075-87D8-B19C4044C6BA}"/>
               </a:ext>
             </a:extLst>
           </p:cNvPr>
@@ -5346,7 +5390,7 @@
           <a:p>
             <a:fld id="{6700A58B-DD98-43D0-B791-721480A02982}" type="datetime1">
               <a:rPr lang="en-US" smtClean="0"/>
-              <a:t>1/1/21</a:t>
+              <a:t>1/10/21</a:t>
             </a:fld>
             <a:endParaRPr lang="en-US"/>
           </a:p>
@@ -5354,10 +5398,43 @@
       </p:sp>
       <p:sp>
         <p:nvSpPr>
+          <p:cNvPr id="3" name="Title 2">
+            <a:extLst>
+              <a:ext uri="{FF2B5EF4-FFF2-40B4-BE49-F238E27FC236}">
+                <a16:creationId xmlns:a16="http://schemas.microsoft.com/office/drawing/2014/main" id="{5447F8C8-CE7F-43AE-BEA1-8436CB220DA4}"/>
+              </a:ext>
+            </a:extLst>
+          </p:cNvPr>
+          <p:cNvSpPr>
+            <a:spLocks noGrp="1"/>
+          </p:cNvSpPr>
+          <p:nvPr>
+            <p:ph type="title"/>
+          </p:nvPr>
+        </p:nvSpPr>
+        <p:spPr>
+          <a:xfrm>
+            <a:off x="96416" y="365126"/>
+            <a:ext cx="8418934" cy="591477"/>
+          </a:xfrm>
+        </p:spPr>
+        <p:txBody>
+          <a:bodyPr/>
+          <a:lstStyle/>
+          <a:p>
+            <a:r>
+              <a:rPr lang="en-US" dirty="0"/>
+              <a:t>Unsupervised: Latent Dirichlet Allocation (LDA)</a:t>
+            </a:r>
+          </a:p>
+        </p:txBody>
+      </p:sp>
+      <p:sp>
+        <p:nvSpPr>
           <p:cNvPr id="4" name="Footer Placeholder 3">
             <a:extLst>
               <a:ext uri="{FF2B5EF4-FFF2-40B4-BE49-F238E27FC236}">
-                <a16:creationId xmlns:a16="http://schemas.microsoft.com/office/drawing/2014/main" id="{14B786CE-7946-4E43-8B50-45FD4C2912D4}"/>
+                <a16:creationId xmlns:a16="http://schemas.microsoft.com/office/drawing/2014/main" id="{1BDC3D80-3A8C-4952-A46E-D5B8414D6B8D}"/>
               </a:ext>
             </a:extLst>
           </p:cNvPr>
@@ -5386,7 +5463,7 @@
           <p:cNvPr id="5" name="Slide Number Placeholder 4">
             <a:extLst>
               <a:ext uri="{FF2B5EF4-FFF2-40B4-BE49-F238E27FC236}">
-                <a16:creationId xmlns:a16="http://schemas.microsoft.com/office/drawing/2014/main" id="{A1645270-A7E1-4DC5-80A2-101C114D5BC6}"/>
+                <a16:creationId xmlns:a16="http://schemas.microsoft.com/office/drawing/2014/main" id="{CC1B7AE3-7AE3-45B8-B0B3-1193239D0230}"/>
               </a:ext>
             </a:extLst>
           </p:cNvPr>
@@ -5413,10 +5490,136 @@
       </p:sp>
       <p:sp>
         <p:nvSpPr>
-          <p:cNvPr id="6" name="Isosceles Triangle 5">
-            <a:extLst>
-              <a:ext uri="{FF2B5EF4-FFF2-40B4-BE49-F238E27FC236}">
-                <a16:creationId xmlns:a16="http://schemas.microsoft.com/office/drawing/2014/main" id="{568C45E7-36F0-437E-814C-29EDFCBBABCB}"/>
+          <p:cNvPr id="6" name="TextBox 5">
+            <a:extLst>
+              <a:ext uri="{FF2B5EF4-FFF2-40B4-BE49-F238E27FC236}">
+                <a16:creationId xmlns:a16="http://schemas.microsoft.com/office/drawing/2014/main" id="{FF943204-89BF-4A6A-AA3F-6612D4C6618A}"/>
+              </a:ext>
+            </a:extLst>
+          </p:cNvPr>
+          <p:cNvSpPr txBox="1"/>
+          <p:nvPr/>
+        </p:nvSpPr>
+        <p:spPr>
+          <a:xfrm>
+            <a:off x="96416" y="1423749"/>
+            <a:ext cx="8844024" cy="2031325"/>
+          </a:xfrm>
+          <a:prstGeom prst="rect">
+            <a:avLst/>
+          </a:prstGeom>
+          <a:noFill/>
+        </p:spPr>
+        <p:txBody>
+          <a:bodyPr wrap="none" rtlCol="0">
+            <a:spAutoFit/>
+          </a:bodyPr>
+          <a:lstStyle/>
+          <a:p>
+            <a:pPr marL="285750" indent="-285750">
+              <a:buFont typeface="Arial" panose="020B0604020202020204" pitchFamily="34" charset="0"/>
+              <a:buChar char="•"/>
+            </a:pPr>
+            <a:r>
+              <a:rPr lang="en-US" dirty="0"/>
+              <a:t>Latent – identify concealed topics e.g. not explicitly declared</a:t>
+            </a:r>
+          </a:p>
+          <a:p>
+            <a:pPr marL="285750" indent="-285750">
+              <a:buFont typeface="Arial" panose="020B0604020202020204" pitchFamily="34" charset="0"/>
+              <a:buChar char="•"/>
+            </a:pPr>
+            <a:endParaRPr lang="en-US" dirty="0"/>
+          </a:p>
+          <a:p>
+            <a:pPr marL="285750" indent="-285750">
+              <a:buFont typeface="Arial" panose="020B0604020202020204" pitchFamily="34" charset="0"/>
+              <a:buChar char="•"/>
+            </a:pPr>
+            <a:r>
+              <a:rPr lang="en-US" dirty="0"/>
+              <a:t>Dirichlet – used in stats to represent multi-variate (multi-word) distributions</a:t>
+            </a:r>
+          </a:p>
+          <a:p>
+            <a:pPr marL="742950" lvl="1" indent="-285750">
+              <a:buFont typeface="Arial" panose="020B0604020202020204" pitchFamily="34" charset="0"/>
+              <a:buChar char="•"/>
+            </a:pPr>
+            <a:r>
+              <a:rPr lang="en-US" dirty="0"/>
+              <a:t>Instead of actual values it’s a “beta” distribution of probabilities 0-1</a:t>
+            </a:r>
+          </a:p>
+          <a:p>
+            <a:pPr marL="742950" lvl="1" indent="-285750">
+              <a:buFont typeface="Arial" panose="020B0604020202020204" pitchFamily="34" charset="0"/>
+              <a:buChar char="•"/>
+            </a:pPr>
+            <a:r>
+              <a:rPr lang="en-US" dirty="0"/>
+              <a:t>No “tails” values include 0 and 1</a:t>
+            </a:r>
+          </a:p>
+          <a:p>
+            <a:pPr marL="742950" lvl="1" indent="-285750">
+              <a:buFont typeface="Arial" panose="020B0604020202020204" pitchFamily="34" charset="0"/>
+              <a:buChar char="•"/>
+            </a:pPr>
+            <a:r>
+              <a:rPr lang="en-US" dirty="0"/>
+              <a:t>Beta distributions do not have to be symmetrical</a:t>
+            </a:r>
+          </a:p>
+          <a:p>
+            <a:pPr marL="742950" lvl="1" indent="-285750">
+              <a:buFont typeface="Arial" panose="020B0604020202020204" pitchFamily="34" charset="0"/>
+              <a:buChar char="•"/>
+            </a:pPr>
+            <a:r>
+              <a:rPr lang="en-US" dirty="0"/>
+              <a:t>Dirichlet will give k probabilities from beta distributions that generalize and sum to 1</a:t>
+            </a:r>
+          </a:p>
+        </p:txBody>
+      </p:sp>
+      <p:pic>
+        <p:nvPicPr>
+          <p:cNvPr id="8" name="Picture 7">
+            <a:extLst>
+              <a:ext uri="{FF2B5EF4-FFF2-40B4-BE49-F238E27FC236}">
+                <a16:creationId xmlns:a16="http://schemas.microsoft.com/office/drawing/2014/main" id="{2F6EC7DB-B710-4963-AD64-DBEFF3146C97}"/>
+              </a:ext>
+            </a:extLst>
+          </p:cNvPr>
+          <p:cNvPicPr>
+            <a:picLocks noChangeAspect="1"/>
+          </p:cNvPicPr>
+          <p:nvPr/>
+        </p:nvPicPr>
+        <p:blipFill>
+          <a:blip r:embed="rId2"/>
+          <a:stretch>
+            <a:fillRect/>
+          </a:stretch>
+        </p:blipFill>
+        <p:spPr>
+          <a:xfrm>
+            <a:off x="628650" y="3747409"/>
+            <a:ext cx="7891333" cy="1923098"/>
+          </a:xfrm>
+          <a:prstGeom prst="rect">
+            <a:avLst/>
+          </a:prstGeom>
+        </p:spPr>
+      </p:pic>
+      <p:sp>
+        <p:nvSpPr>
+          <p:cNvPr id="9" name="Rectangle 8">
+            <a:extLst>
+              <a:ext uri="{FF2B5EF4-FFF2-40B4-BE49-F238E27FC236}">
+                <a16:creationId xmlns:a16="http://schemas.microsoft.com/office/drawing/2014/main" id="{F3B99C2F-44A4-47F7-B59A-FA519F8B32C1}"/>
               </a:ext>
             </a:extLst>
           </p:cNvPr>
@@ -5424,21 +5627,13 @@
           <p:nvPr/>
         </p:nvSpPr>
         <p:spPr>
-          <a:xfrm rot="10800000">
-            <a:off x="3192087" y="2070863"/>
-            <a:ext cx="2759826" cy="2379160"/>
-          </a:xfrm>
-          <a:prstGeom prst="triangle">
-            <a:avLst/>
-          </a:prstGeom>
-          <a:solidFill>
-            <a:srgbClr val="92D050"/>
-          </a:solidFill>
-          <a:ln>
-            <a:solidFill>
-              <a:srgbClr val="92D050"/>
-            </a:solidFill>
-          </a:ln>
+          <a:xfrm rot="19487604">
+            <a:off x="3028950" y="4207651"/>
+            <a:ext cx="3086100" cy="714895"/>
+          </a:xfrm>
+          <a:prstGeom prst="rect">
+            <a:avLst/>
+          </a:prstGeom>
         </p:spPr>
         <p:style>
           <a:lnRef idx="2">
@@ -5461,298 +5656,19 @@
           <a:lstStyle/>
           <a:p>
             <a:pPr algn="ctr"/>
-            <a:endParaRPr lang="en-US"/>
-          </a:p>
-        </p:txBody>
-      </p:sp>
-      <p:sp>
-        <p:nvSpPr>
-          <p:cNvPr id="7" name="Title 6">
-            <a:extLst>
-              <a:ext uri="{FF2B5EF4-FFF2-40B4-BE49-F238E27FC236}">
-                <a16:creationId xmlns:a16="http://schemas.microsoft.com/office/drawing/2014/main" id="{8042F69E-D8CD-41F9-9A70-4D28C8B938E1}"/>
-              </a:ext>
-            </a:extLst>
-          </p:cNvPr>
-          <p:cNvSpPr txBox="1">
-            <a:spLocks noGrp="1"/>
-          </p:cNvSpPr>
-          <p:nvPr>
-            <p:ph type="title"/>
-          </p:nvPr>
-        </p:nvSpPr>
-        <p:spPr>
-          <a:xfrm>
-            <a:off x="431411" y="365125"/>
-            <a:ext cx="8281178" cy="480131"/>
-          </a:xfrm>
-          <a:prstGeom prst="rect">
-            <a:avLst/>
-          </a:prstGeom>
-          <a:noFill/>
-        </p:spPr>
-        <p:txBody>
-          <a:bodyPr wrap="none" rtlCol="0">
-            <a:spAutoFit/>
-          </a:bodyPr>
-          <a:lstStyle/>
-          <a:p>
-            <a:r>
-              <a:rPr lang="en-US" sz="2800" dirty="0"/>
-              <a:t>K = 3: Three vectors &amp; Three corresponding probabilities</a:t>
-            </a:r>
-          </a:p>
-        </p:txBody>
-      </p:sp>
-      <p:sp>
-        <p:nvSpPr>
-          <p:cNvPr id="8" name="TextBox 7">
-            <a:extLst>
-              <a:ext uri="{FF2B5EF4-FFF2-40B4-BE49-F238E27FC236}">
-                <a16:creationId xmlns:a16="http://schemas.microsoft.com/office/drawing/2014/main" id="{BDFAF5B9-53B8-43CC-8FDC-C9AD1C1AFDFE}"/>
-              </a:ext>
-            </a:extLst>
-          </p:cNvPr>
-          <p:cNvSpPr txBox="1"/>
-          <p:nvPr/>
-        </p:nvSpPr>
-        <p:spPr>
-          <a:xfrm>
-            <a:off x="4147842" y="4645996"/>
-            <a:ext cx="848309" cy="369332"/>
-          </a:xfrm>
-          <a:prstGeom prst="rect">
-            <a:avLst/>
-          </a:prstGeom>
-          <a:noFill/>
-        </p:spPr>
-        <p:txBody>
-          <a:bodyPr wrap="none" rtlCol="0">
-            <a:spAutoFit/>
-          </a:bodyPr>
-          <a:lstStyle/>
-          <a:p>
             <a:r>
               <a:rPr lang="en-US" dirty="0"/>
-              <a:t>{0,1,0 }</a:t>
-            </a:r>
-          </a:p>
-        </p:txBody>
-      </p:sp>
-      <p:sp>
-        <p:nvSpPr>
-          <p:cNvPr id="9" name="TextBox 8">
-            <a:extLst>
-              <a:ext uri="{FF2B5EF4-FFF2-40B4-BE49-F238E27FC236}">
-                <a16:creationId xmlns:a16="http://schemas.microsoft.com/office/drawing/2014/main" id="{36E6C273-906A-46F4-AA13-4DA9F8AE5CCA}"/>
-              </a:ext>
-            </a:extLst>
-          </p:cNvPr>
-          <p:cNvSpPr txBox="1"/>
-          <p:nvPr/>
-        </p:nvSpPr>
-        <p:spPr>
-          <a:xfrm>
-            <a:off x="2161214" y="1945865"/>
-            <a:ext cx="848309" cy="369332"/>
-          </a:xfrm>
-          <a:prstGeom prst="rect">
-            <a:avLst/>
-          </a:prstGeom>
-          <a:noFill/>
-        </p:spPr>
-        <p:txBody>
-          <a:bodyPr wrap="none" rtlCol="0">
-            <a:spAutoFit/>
-          </a:bodyPr>
-          <a:lstStyle/>
-          <a:p>
-            <a:r>
-              <a:rPr lang="en-US" dirty="0"/>
-              <a:t>{1,0,0 }</a:t>
-            </a:r>
-          </a:p>
-        </p:txBody>
-      </p:sp>
-      <p:sp>
-        <p:nvSpPr>
-          <p:cNvPr id="10" name="TextBox 9">
-            <a:extLst>
-              <a:ext uri="{FF2B5EF4-FFF2-40B4-BE49-F238E27FC236}">
-                <a16:creationId xmlns:a16="http://schemas.microsoft.com/office/drawing/2014/main" id="{B305ABF0-9764-4BC9-AFB1-61C7DC54FCDE}"/>
-              </a:ext>
-            </a:extLst>
-          </p:cNvPr>
-          <p:cNvSpPr txBox="1"/>
-          <p:nvPr/>
-        </p:nvSpPr>
-        <p:spPr>
-          <a:xfrm>
-            <a:off x="6080839" y="1886197"/>
-            <a:ext cx="848309" cy="369332"/>
-          </a:xfrm>
-          <a:prstGeom prst="rect">
-            <a:avLst/>
-          </a:prstGeom>
-          <a:noFill/>
-        </p:spPr>
-        <p:txBody>
-          <a:bodyPr wrap="none" rtlCol="0">
-            <a:spAutoFit/>
-          </a:bodyPr>
-          <a:lstStyle/>
-          <a:p>
-            <a:r>
-              <a:rPr lang="en-US" dirty="0"/>
-              <a:t>{0,0,1 }</a:t>
-            </a:r>
-          </a:p>
-        </p:txBody>
-      </p:sp>
-      <p:sp>
-        <p:nvSpPr>
-          <p:cNvPr id="11" name="Oval 10">
-            <a:extLst>
-              <a:ext uri="{FF2B5EF4-FFF2-40B4-BE49-F238E27FC236}">
-                <a16:creationId xmlns:a16="http://schemas.microsoft.com/office/drawing/2014/main" id="{5035009E-8D02-43BD-8B4B-91651CACFE75}"/>
-              </a:ext>
-            </a:extLst>
-          </p:cNvPr>
-          <p:cNvSpPr/>
-          <p:nvPr/>
-        </p:nvSpPr>
-        <p:spPr>
-          <a:xfrm>
-            <a:off x="3009523" y="1947969"/>
-            <a:ext cx="365125" cy="365125"/>
-          </a:xfrm>
-          <a:prstGeom prst="ellipse">
-            <a:avLst/>
-          </a:prstGeom>
-        </p:spPr>
-        <p:style>
-          <a:lnRef idx="2">
-            <a:schemeClr val="accent1">
-              <a:shade val="50000"/>
-            </a:schemeClr>
-          </a:lnRef>
-          <a:fillRef idx="1">
-            <a:schemeClr val="accent1"/>
-          </a:fillRef>
-          <a:effectRef idx="0">
-            <a:schemeClr val="accent1"/>
-          </a:effectRef>
-          <a:fontRef idx="minor">
-            <a:schemeClr val="lt1"/>
-          </a:fontRef>
-        </p:style>
-        <p:txBody>
-          <a:bodyPr rtlCol="0" anchor="ctr"/>
-          <a:lstStyle/>
-          <a:p>
-            <a:pPr algn="ctr"/>
-            <a:endParaRPr lang="en-US"/>
-          </a:p>
-        </p:txBody>
-      </p:sp>
-      <p:sp>
-        <p:nvSpPr>
-          <p:cNvPr id="12" name="Oval 11">
-            <a:extLst>
-              <a:ext uri="{FF2B5EF4-FFF2-40B4-BE49-F238E27FC236}">
-                <a16:creationId xmlns:a16="http://schemas.microsoft.com/office/drawing/2014/main" id="{CDE8AAA5-77F6-4054-9B18-5D2F04908586}"/>
-              </a:ext>
-            </a:extLst>
-          </p:cNvPr>
-          <p:cNvSpPr/>
-          <p:nvPr/>
-        </p:nvSpPr>
-        <p:spPr>
-          <a:xfrm>
-            <a:off x="4389435" y="4209897"/>
-            <a:ext cx="365125" cy="365125"/>
-          </a:xfrm>
-          <a:prstGeom prst="ellipse">
-            <a:avLst/>
-          </a:prstGeom>
-        </p:spPr>
-        <p:style>
-          <a:lnRef idx="2">
-            <a:schemeClr val="accent1">
-              <a:shade val="50000"/>
-            </a:schemeClr>
-          </a:lnRef>
-          <a:fillRef idx="1">
-            <a:schemeClr val="accent1"/>
-          </a:fillRef>
-          <a:effectRef idx="0">
-            <a:schemeClr val="accent1"/>
-          </a:effectRef>
-          <a:fontRef idx="minor">
-            <a:schemeClr val="lt1"/>
-          </a:fontRef>
-        </p:style>
-        <p:txBody>
-          <a:bodyPr rtlCol="0" anchor="ctr"/>
-          <a:lstStyle/>
-          <a:p>
-            <a:pPr algn="ctr"/>
-            <a:endParaRPr lang="en-US"/>
-          </a:p>
-        </p:txBody>
-      </p:sp>
-      <p:sp>
-        <p:nvSpPr>
-          <p:cNvPr id="13" name="Oval 12">
-            <a:extLst>
-              <a:ext uri="{FF2B5EF4-FFF2-40B4-BE49-F238E27FC236}">
-                <a16:creationId xmlns:a16="http://schemas.microsoft.com/office/drawing/2014/main" id="{94E01DF5-0702-4F9D-99BE-16C86DDC4001}"/>
-              </a:ext>
-            </a:extLst>
-          </p:cNvPr>
-          <p:cNvSpPr/>
-          <p:nvPr/>
-        </p:nvSpPr>
-        <p:spPr>
-          <a:xfrm>
-            <a:off x="5715714" y="1888301"/>
-            <a:ext cx="365125" cy="365125"/>
-          </a:xfrm>
-          <a:prstGeom prst="ellipse">
-            <a:avLst/>
-          </a:prstGeom>
-        </p:spPr>
-        <p:style>
-          <a:lnRef idx="2">
-            <a:schemeClr val="accent1">
-              <a:shade val="50000"/>
-            </a:schemeClr>
-          </a:lnRef>
-          <a:fillRef idx="1">
-            <a:schemeClr val="accent1"/>
-          </a:fillRef>
-          <a:effectRef idx="0">
-            <a:schemeClr val="accent1"/>
-          </a:effectRef>
-          <a:fontRef idx="minor">
-            <a:schemeClr val="lt1"/>
-          </a:fontRef>
-        </p:style>
-        <p:txBody>
-          <a:bodyPr rtlCol="0" anchor="ctr"/>
-          <a:lstStyle/>
-          <a:p>
-            <a:pPr algn="ctr"/>
-            <a:endParaRPr lang="en-US"/>
+              <a:t>Don’t worry about it!</a:t>
+            </a:r>
           </a:p>
         </p:txBody>
       </p:sp>
       <p:cxnSp>
         <p:nvCxnSpPr>
-          <p:cNvPr id="14" name="Straight Connector 13">
-            <a:extLst>
-              <a:ext uri="{FF2B5EF4-FFF2-40B4-BE49-F238E27FC236}">
-                <a16:creationId xmlns:a16="http://schemas.microsoft.com/office/drawing/2014/main" id="{6FC76DA4-5768-C045-9815-E2DA64646733}"/>
+          <p:cNvPr id="10" name="Straight Connector 9">
+            <a:extLst>
+              <a:ext uri="{FF2B5EF4-FFF2-40B4-BE49-F238E27FC236}">
+                <a16:creationId xmlns:a16="http://schemas.microsoft.com/office/drawing/2014/main" id="{1C535896-F064-2F48-94CB-E6B17D991CE6}"/>
               </a:ext>
             </a:extLst>
           </p:cNvPr>
@@ -5792,10 +5708,10 @@
       </p:cxnSp>
       <p:cxnSp>
         <p:nvCxnSpPr>
-          <p:cNvPr id="15" name="Straight Connector 14">
-            <a:extLst>
-              <a:ext uri="{FF2B5EF4-FFF2-40B4-BE49-F238E27FC236}">
-                <a16:creationId xmlns:a16="http://schemas.microsoft.com/office/drawing/2014/main" id="{DFE725DC-7A05-5E48-9012-93BB3B66BDC1}"/>
+          <p:cNvPr id="11" name="Straight Connector 10">
+            <a:extLst>
+              <a:ext uri="{FF2B5EF4-FFF2-40B4-BE49-F238E27FC236}">
+                <a16:creationId xmlns:a16="http://schemas.microsoft.com/office/drawing/2014/main" id="{72412188-E990-454F-A452-D654AC2E0F94}"/>
               </a:ext>
             </a:extLst>
           </p:cNvPr>
@@ -5836,7 +5752,7 @@
     </p:spTree>
     <p:extLst>
       <p:ext uri="{BB962C8B-B14F-4D97-AF65-F5344CB8AC3E}">
-        <p14:creationId xmlns:p14="http://schemas.microsoft.com/office/powerpoint/2010/main" val="1259928670"/>
+        <p14:creationId xmlns:p14="http://schemas.microsoft.com/office/powerpoint/2010/main" val="3896194745"/>
       </p:ext>
     </p:extLst>
   </p:cSld>
@@ -5886,7 +5802,7 @@
           <a:p>
             <a:fld id="{6700A58B-DD98-43D0-B791-721480A02982}" type="datetime1">
               <a:rPr lang="en-US" smtClean="0"/>
-              <a:t>1/1/21</a:t>
+              <a:t>1/10/21</a:t>
             </a:fld>
             <a:endParaRPr lang="en-US"/>
           </a:p>
@@ -6023,8 +5939,8 @@
         </p:nvSpPr>
         <p:spPr>
           <a:xfrm>
-            <a:off x="628650" y="365125"/>
-            <a:ext cx="7981865" cy="549381"/>
+            <a:off x="431411" y="365125"/>
+            <a:ext cx="8281178" cy="480131"/>
           </a:xfrm>
           <a:prstGeom prst="rect">
             <a:avLst/>
@@ -6038,18 +5954,18 @@
           <a:lstStyle/>
           <a:p>
             <a:r>
-              <a:rPr lang="en-US" dirty="0"/>
-              <a:t>K = 3: vectors &amp; 3 corresponding probabilities</a:t>
-            </a:r>
-          </a:p>
-        </p:txBody>
-      </p:sp>
-      <p:sp>
-        <p:nvSpPr>
-          <p:cNvPr id="9" name="TextBox 8">
-            <a:extLst>
-              <a:ext uri="{FF2B5EF4-FFF2-40B4-BE49-F238E27FC236}">
-                <a16:creationId xmlns:a16="http://schemas.microsoft.com/office/drawing/2014/main" id="{36E6C273-906A-46F4-AA13-4DA9F8AE5CCA}"/>
+              <a:rPr lang="en-US" sz="2800" dirty="0"/>
+              <a:t>K = 3: Three vectors &amp; Three corresponding probabilities</a:t>
+            </a:r>
+          </a:p>
+        </p:txBody>
+      </p:sp>
+      <p:sp>
+        <p:nvSpPr>
+          <p:cNvPr id="8" name="TextBox 7">
+            <a:extLst>
+              <a:ext uri="{FF2B5EF4-FFF2-40B4-BE49-F238E27FC236}">
+                <a16:creationId xmlns:a16="http://schemas.microsoft.com/office/drawing/2014/main" id="{BDFAF5B9-53B8-43CC-8FDC-C9AD1C1AFDFE}"/>
               </a:ext>
             </a:extLst>
           </p:cNvPr>
@@ -6058,8 +5974,8 @@
         </p:nvSpPr>
         <p:spPr>
           <a:xfrm>
-            <a:off x="2313049" y="3063875"/>
-            <a:ext cx="1431802" cy="369332"/>
+            <a:off x="4147842" y="4645996"/>
+            <a:ext cx="848309" cy="369332"/>
           </a:xfrm>
           <a:prstGeom prst="rect">
             <a:avLst/>
@@ -6074,17 +5990,17 @@
           <a:p>
             <a:r>
               <a:rPr lang="en-US" dirty="0"/>
-              <a:t>{0.50,0.50,0 }</a:t>
-            </a:r>
-          </a:p>
-        </p:txBody>
-      </p:sp>
-      <p:sp>
-        <p:nvSpPr>
-          <p:cNvPr id="10" name="TextBox 9">
-            <a:extLst>
-              <a:ext uri="{FF2B5EF4-FFF2-40B4-BE49-F238E27FC236}">
-                <a16:creationId xmlns:a16="http://schemas.microsoft.com/office/drawing/2014/main" id="{B305ABF0-9764-4BC9-AFB1-61C7DC54FCDE}"/>
+              <a:t>{0,1,0 }</a:t>
+            </a:r>
+          </a:p>
+        </p:txBody>
+      </p:sp>
+      <p:sp>
+        <p:nvSpPr>
+          <p:cNvPr id="9" name="TextBox 8">
+            <a:extLst>
+              <a:ext uri="{FF2B5EF4-FFF2-40B4-BE49-F238E27FC236}">
+                <a16:creationId xmlns:a16="http://schemas.microsoft.com/office/drawing/2014/main" id="{36E6C273-906A-46F4-AA13-4DA9F8AE5CCA}"/>
               </a:ext>
             </a:extLst>
           </p:cNvPr>
@@ -6093,8 +6009,8 @@
         </p:nvSpPr>
         <p:spPr>
           <a:xfrm>
-            <a:off x="4679135" y="2781172"/>
-            <a:ext cx="1776448" cy="369332"/>
+            <a:off x="2161214" y="1945865"/>
+            <a:ext cx="848309" cy="369332"/>
           </a:xfrm>
           <a:prstGeom prst="rect">
             <a:avLst/>
@@ -6109,7 +6025,42 @@
           <a:p>
             <a:r>
               <a:rPr lang="en-US" dirty="0"/>
-              <a:t>{0.33, 0.33, 0.33}</a:t>
+              <a:t>{1,0,0 }</a:t>
+            </a:r>
+          </a:p>
+        </p:txBody>
+      </p:sp>
+      <p:sp>
+        <p:nvSpPr>
+          <p:cNvPr id="10" name="TextBox 9">
+            <a:extLst>
+              <a:ext uri="{FF2B5EF4-FFF2-40B4-BE49-F238E27FC236}">
+                <a16:creationId xmlns:a16="http://schemas.microsoft.com/office/drawing/2014/main" id="{B305ABF0-9764-4BC9-AFB1-61C7DC54FCDE}"/>
+              </a:ext>
+            </a:extLst>
+          </p:cNvPr>
+          <p:cNvSpPr txBox="1"/>
+          <p:nvPr/>
+        </p:nvSpPr>
+        <p:spPr>
+          <a:xfrm>
+            <a:off x="6080839" y="1886197"/>
+            <a:ext cx="848309" cy="369332"/>
+          </a:xfrm>
+          <a:prstGeom prst="rect">
+            <a:avLst/>
+          </a:prstGeom>
+          <a:noFill/>
+        </p:spPr>
+        <p:txBody>
+          <a:bodyPr wrap="none" rtlCol="0">
+            <a:spAutoFit/>
+          </a:bodyPr>
+          <a:lstStyle/>
+          <a:p>
+            <a:r>
+              <a:rPr lang="en-US" dirty="0"/>
+              <a:t>{0,0,1 }</a:t>
             </a:r>
           </a:p>
         </p:txBody>
@@ -6119,7 +6070,7 @@
           <p:cNvPr id="11" name="Oval 10">
             <a:extLst>
               <a:ext uri="{FF2B5EF4-FFF2-40B4-BE49-F238E27FC236}">
-                <a16:creationId xmlns:a16="http://schemas.microsoft.com/office/drawing/2014/main" id="{B906B13D-5844-40B6-BCAB-011FB5C3D997}"/>
+                <a16:creationId xmlns:a16="http://schemas.microsoft.com/office/drawing/2014/main" id="{5035009E-8D02-43BD-8B4B-91651CACFE75}"/>
               </a:ext>
             </a:extLst>
           </p:cNvPr>
@@ -6128,7 +6079,7 @@
         </p:nvSpPr>
         <p:spPr>
           <a:xfrm>
-            <a:off x="3714176" y="3063875"/>
+            <a:off x="3009523" y="1947969"/>
             <a:ext cx="365125" cy="365125"/>
           </a:xfrm>
           <a:prstGeom prst="ellipse">
@@ -6165,7 +6116,7 @@
           <p:cNvPr id="12" name="Oval 11">
             <a:extLst>
               <a:ext uri="{FF2B5EF4-FFF2-40B4-BE49-F238E27FC236}">
-                <a16:creationId xmlns:a16="http://schemas.microsoft.com/office/drawing/2014/main" id="{C1200B6D-C0CF-435D-9C0E-B289CA598BB6}"/>
+                <a16:creationId xmlns:a16="http://schemas.microsoft.com/office/drawing/2014/main" id="{CDE8AAA5-77F6-4054-9B18-5D2F04908586}"/>
               </a:ext>
             </a:extLst>
           </p:cNvPr>
@@ -6174,7 +6125,7 @@
         </p:nvSpPr>
         <p:spPr>
           <a:xfrm>
-            <a:off x="4376373" y="2748732"/>
+            <a:off x="4389435" y="4209897"/>
             <a:ext cx="365125" cy="365125"/>
           </a:xfrm>
           <a:prstGeom prst="ellipse">
@@ -6206,12 +6157,58 @@
           </a:p>
         </p:txBody>
       </p:sp>
+      <p:sp>
+        <p:nvSpPr>
+          <p:cNvPr id="13" name="Oval 12">
+            <a:extLst>
+              <a:ext uri="{FF2B5EF4-FFF2-40B4-BE49-F238E27FC236}">
+                <a16:creationId xmlns:a16="http://schemas.microsoft.com/office/drawing/2014/main" id="{94E01DF5-0702-4F9D-99BE-16C86DDC4001}"/>
+              </a:ext>
+            </a:extLst>
+          </p:cNvPr>
+          <p:cNvSpPr/>
+          <p:nvPr/>
+        </p:nvSpPr>
+        <p:spPr>
+          <a:xfrm>
+            <a:off x="5715714" y="1888301"/>
+            <a:ext cx="365125" cy="365125"/>
+          </a:xfrm>
+          <a:prstGeom prst="ellipse">
+            <a:avLst/>
+          </a:prstGeom>
+        </p:spPr>
+        <p:style>
+          <a:lnRef idx="2">
+            <a:schemeClr val="accent1">
+              <a:shade val="50000"/>
+            </a:schemeClr>
+          </a:lnRef>
+          <a:fillRef idx="1">
+            <a:schemeClr val="accent1"/>
+          </a:fillRef>
+          <a:effectRef idx="0">
+            <a:schemeClr val="accent1"/>
+          </a:effectRef>
+          <a:fontRef idx="minor">
+            <a:schemeClr val="lt1"/>
+          </a:fontRef>
+        </p:style>
+        <p:txBody>
+          <a:bodyPr rtlCol="0" anchor="ctr"/>
+          <a:lstStyle/>
+          <a:p>
+            <a:pPr algn="ctr"/>
+            <a:endParaRPr lang="en-US"/>
+          </a:p>
+        </p:txBody>
+      </p:sp>
       <p:cxnSp>
         <p:nvCxnSpPr>
-          <p:cNvPr id="13" name="Straight Connector 12">
-            <a:extLst>
-              <a:ext uri="{FF2B5EF4-FFF2-40B4-BE49-F238E27FC236}">
-                <a16:creationId xmlns:a16="http://schemas.microsoft.com/office/drawing/2014/main" id="{6944F821-7EA7-104B-B921-51C5C37F43A0}"/>
+          <p:cNvPr id="14" name="Straight Connector 13">
+            <a:extLst>
+              <a:ext uri="{FF2B5EF4-FFF2-40B4-BE49-F238E27FC236}">
+                <a16:creationId xmlns:a16="http://schemas.microsoft.com/office/drawing/2014/main" id="{6FC76DA4-5768-C045-9815-E2DA64646733}"/>
               </a:ext>
             </a:extLst>
           </p:cNvPr>
@@ -6251,10 +6248,10 @@
       </p:cxnSp>
       <p:cxnSp>
         <p:nvCxnSpPr>
-          <p:cNvPr id="14" name="Straight Connector 13">
-            <a:extLst>
-              <a:ext uri="{FF2B5EF4-FFF2-40B4-BE49-F238E27FC236}">
-                <a16:creationId xmlns:a16="http://schemas.microsoft.com/office/drawing/2014/main" id="{EC348151-C704-2A4E-9C3F-941C5412AE96}"/>
+          <p:cNvPr id="15" name="Straight Connector 14">
+            <a:extLst>
+              <a:ext uri="{FF2B5EF4-FFF2-40B4-BE49-F238E27FC236}">
+                <a16:creationId xmlns:a16="http://schemas.microsoft.com/office/drawing/2014/main" id="{DFE725DC-7A05-5E48-9012-93BB3B66BDC1}"/>
               </a:ext>
             </a:extLst>
           </p:cNvPr>
@@ -6295,7 +6292,7 @@
     </p:spTree>
     <p:extLst>
       <p:ext uri="{BB962C8B-B14F-4D97-AF65-F5344CB8AC3E}">
-        <p14:creationId xmlns:p14="http://schemas.microsoft.com/office/powerpoint/2010/main" val="2940500773"/>
+        <p14:creationId xmlns:p14="http://schemas.microsoft.com/office/powerpoint/2010/main" val="1259928670"/>
       </p:ext>
     </p:extLst>
   </p:cSld>
@@ -6327,7 +6324,7 @@
           <p:cNvPr id="2" name="Date Placeholder 1">
             <a:extLst>
               <a:ext uri="{FF2B5EF4-FFF2-40B4-BE49-F238E27FC236}">
-                <a16:creationId xmlns:a16="http://schemas.microsoft.com/office/drawing/2014/main" id="{22F37A0D-00C5-409F-A411-69923C02062B}"/>
+                <a16:creationId xmlns:a16="http://schemas.microsoft.com/office/drawing/2014/main" id="{57E0559B-108E-42BA-B148-3A7379225216}"/>
               </a:ext>
             </a:extLst>
           </p:cNvPr>
@@ -6345,7 +6342,7 @@
           <a:p>
             <a:fld id="{6700A58B-DD98-43D0-B791-721480A02982}" type="datetime1">
               <a:rPr lang="en-US" smtClean="0"/>
-              <a:t>1/1/21</a:t>
+              <a:t>1/10/21</a:t>
             </a:fld>
             <a:endParaRPr lang="en-US"/>
           </a:p>
@@ -6353,38 +6350,10 @@
       </p:sp>
       <p:sp>
         <p:nvSpPr>
-          <p:cNvPr id="3" name="Title 2">
-            <a:extLst>
-              <a:ext uri="{FF2B5EF4-FFF2-40B4-BE49-F238E27FC236}">
-                <a16:creationId xmlns:a16="http://schemas.microsoft.com/office/drawing/2014/main" id="{BC48205D-72D5-4364-B962-8D1738A7D06F}"/>
-              </a:ext>
-            </a:extLst>
-          </p:cNvPr>
-          <p:cNvSpPr>
-            <a:spLocks noGrp="1"/>
-          </p:cNvSpPr>
-          <p:nvPr>
-            <p:ph type="title"/>
-          </p:nvPr>
-        </p:nvSpPr>
-        <p:spPr/>
-        <p:txBody>
-          <a:bodyPr/>
-          <a:lstStyle/>
-          <a:p>
-            <a:r>
-              <a:rPr lang="en-US" dirty="0"/>
-              <a:t>Dirichlet Function…</a:t>
-            </a:r>
-          </a:p>
-        </p:txBody>
-      </p:sp>
-      <p:sp>
-        <p:nvSpPr>
           <p:cNvPr id="4" name="Footer Placeholder 3">
             <a:extLst>
               <a:ext uri="{FF2B5EF4-FFF2-40B4-BE49-F238E27FC236}">
-                <a16:creationId xmlns:a16="http://schemas.microsoft.com/office/drawing/2014/main" id="{C2AB79FF-FB43-45BB-A5DF-3520D893F70A}"/>
+                <a16:creationId xmlns:a16="http://schemas.microsoft.com/office/drawing/2014/main" id="{14B786CE-7946-4E43-8B50-45FD4C2912D4}"/>
               </a:ext>
             </a:extLst>
           </p:cNvPr>
@@ -6413,7 +6382,7 @@
           <p:cNvPr id="5" name="Slide Number Placeholder 4">
             <a:extLst>
               <a:ext uri="{FF2B5EF4-FFF2-40B4-BE49-F238E27FC236}">
-                <a16:creationId xmlns:a16="http://schemas.microsoft.com/office/drawing/2014/main" id="{05A8748C-3062-4F86-A2FC-23AE608875E8}"/>
+                <a16:creationId xmlns:a16="http://schemas.microsoft.com/office/drawing/2014/main" id="{A1645270-A7E1-4DC5-80A2-101C114D5BC6}"/>
               </a:ext>
             </a:extLst>
           </p:cNvPr>
@@ -6440,10 +6409,103 @@
       </p:sp>
       <p:sp>
         <p:nvSpPr>
-          <p:cNvPr id="11" name="TextBox 10">
-            <a:extLst>
-              <a:ext uri="{FF2B5EF4-FFF2-40B4-BE49-F238E27FC236}">
-                <a16:creationId xmlns:a16="http://schemas.microsoft.com/office/drawing/2014/main" id="{F8E40CA8-E36E-4944-B913-427A3979C01B}"/>
+          <p:cNvPr id="6" name="Isosceles Triangle 5">
+            <a:extLst>
+              <a:ext uri="{FF2B5EF4-FFF2-40B4-BE49-F238E27FC236}">
+                <a16:creationId xmlns:a16="http://schemas.microsoft.com/office/drawing/2014/main" id="{568C45E7-36F0-437E-814C-29EDFCBBABCB}"/>
+              </a:ext>
+            </a:extLst>
+          </p:cNvPr>
+          <p:cNvSpPr/>
+          <p:nvPr/>
+        </p:nvSpPr>
+        <p:spPr>
+          <a:xfrm rot="10800000">
+            <a:off x="3192087" y="2070863"/>
+            <a:ext cx="2759826" cy="2379160"/>
+          </a:xfrm>
+          <a:prstGeom prst="triangle">
+            <a:avLst/>
+          </a:prstGeom>
+          <a:solidFill>
+            <a:srgbClr val="92D050"/>
+          </a:solidFill>
+          <a:ln>
+            <a:solidFill>
+              <a:srgbClr val="92D050"/>
+            </a:solidFill>
+          </a:ln>
+        </p:spPr>
+        <p:style>
+          <a:lnRef idx="2">
+            <a:schemeClr val="accent1">
+              <a:shade val="50000"/>
+            </a:schemeClr>
+          </a:lnRef>
+          <a:fillRef idx="1">
+            <a:schemeClr val="accent1"/>
+          </a:fillRef>
+          <a:effectRef idx="0">
+            <a:schemeClr val="accent1"/>
+          </a:effectRef>
+          <a:fontRef idx="minor">
+            <a:schemeClr val="lt1"/>
+          </a:fontRef>
+        </p:style>
+        <p:txBody>
+          <a:bodyPr rtlCol="0" anchor="ctr"/>
+          <a:lstStyle/>
+          <a:p>
+            <a:pPr algn="ctr"/>
+            <a:endParaRPr lang="en-US"/>
+          </a:p>
+        </p:txBody>
+      </p:sp>
+      <p:sp>
+        <p:nvSpPr>
+          <p:cNvPr id="7" name="Title 6">
+            <a:extLst>
+              <a:ext uri="{FF2B5EF4-FFF2-40B4-BE49-F238E27FC236}">
+                <a16:creationId xmlns:a16="http://schemas.microsoft.com/office/drawing/2014/main" id="{8042F69E-D8CD-41F9-9A70-4D28C8B938E1}"/>
+              </a:ext>
+            </a:extLst>
+          </p:cNvPr>
+          <p:cNvSpPr txBox="1">
+            <a:spLocks noGrp="1"/>
+          </p:cNvSpPr>
+          <p:nvPr>
+            <p:ph type="title"/>
+          </p:nvPr>
+        </p:nvSpPr>
+        <p:spPr>
+          <a:xfrm>
+            <a:off x="628650" y="365125"/>
+            <a:ext cx="7981865" cy="549381"/>
+          </a:xfrm>
+          <a:prstGeom prst="rect">
+            <a:avLst/>
+          </a:prstGeom>
+          <a:noFill/>
+        </p:spPr>
+        <p:txBody>
+          <a:bodyPr wrap="none" rtlCol="0">
+            <a:spAutoFit/>
+          </a:bodyPr>
+          <a:lstStyle/>
+          <a:p>
+            <a:r>
+              <a:rPr lang="en-US" dirty="0"/>
+              <a:t>K = 3: vectors &amp; 3 corresponding probabilities</a:t>
+            </a:r>
+          </a:p>
+        </p:txBody>
+      </p:sp>
+      <p:sp>
+        <p:nvSpPr>
+          <p:cNvPr id="9" name="TextBox 8">
+            <a:extLst>
+              <a:ext uri="{FF2B5EF4-FFF2-40B4-BE49-F238E27FC236}">
+                <a16:creationId xmlns:a16="http://schemas.microsoft.com/office/drawing/2014/main" id="{36E6C273-906A-46F4-AA13-4DA9F8AE5CCA}"/>
               </a:ext>
             </a:extLst>
           </p:cNvPr>
@@ -6452,8 +6514,8 @@
         </p:nvSpPr>
         <p:spPr>
           <a:xfrm>
-            <a:off x="5375668" y="2779314"/>
-            <a:ext cx="3620624" cy="1754326"/>
+            <a:off x="2313049" y="3063875"/>
+            <a:ext cx="1431802" cy="369332"/>
           </a:xfrm>
           <a:prstGeom prst="rect">
             <a:avLst/>
@@ -6461,68 +6523,151 @@
           <a:noFill/>
         </p:spPr>
         <p:txBody>
-          <a:bodyPr wrap="square" rtlCol="0">
+          <a:bodyPr wrap="none" rtlCol="0">
             <a:spAutoFit/>
           </a:bodyPr>
           <a:lstStyle/>
           <a:p>
-            <a:pPr marL="285750" indent="-285750">
-              <a:buFont typeface="Arial" panose="020B0604020202020204" pitchFamily="34" charset="0"/>
-              <a:buChar char="•"/>
-            </a:pPr>
             <a:r>
               <a:rPr lang="en-US" dirty="0"/>
-              <a:t>{0.33,0.33,0.33} each of the 3 vectors have equal likelihood among K represented as highest points</a:t>
-            </a:r>
-          </a:p>
-          <a:p>
-            <a:pPr marL="285750" indent="-285750">
-              <a:buFont typeface="Arial" panose="020B0604020202020204" pitchFamily="34" charset="0"/>
-              <a:buChar char="•"/>
-            </a:pPr>
+              <a:t>{0.50,0.50,0 }</a:t>
+            </a:r>
+          </a:p>
+        </p:txBody>
+      </p:sp>
+      <p:sp>
+        <p:nvSpPr>
+          <p:cNvPr id="10" name="TextBox 9">
+            <a:extLst>
+              <a:ext uri="{FF2B5EF4-FFF2-40B4-BE49-F238E27FC236}">
+                <a16:creationId xmlns:a16="http://schemas.microsoft.com/office/drawing/2014/main" id="{B305ABF0-9764-4BC9-AFB1-61C7DC54FCDE}"/>
+              </a:ext>
+            </a:extLst>
+          </p:cNvPr>
+          <p:cNvSpPr txBox="1"/>
+          <p:nvPr/>
+        </p:nvSpPr>
+        <p:spPr>
+          <a:xfrm>
+            <a:off x="4679135" y="2781172"/>
+            <a:ext cx="1776448" cy="369332"/>
+          </a:xfrm>
+          <a:prstGeom prst="rect">
+            <a:avLst/>
+          </a:prstGeom>
+          <a:noFill/>
+        </p:spPr>
+        <p:txBody>
+          <a:bodyPr wrap="none" rtlCol="0">
+            <a:spAutoFit/>
+          </a:bodyPr>
+          <a:lstStyle/>
+          <a:p>
             <a:r>
               <a:rPr lang="en-US" dirty="0"/>
-              <a:t>K can be more than 3 but can’t be visualized</a:t>
-            </a:r>
-          </a:p>
-        </p:txBody>
-      </p:sp>
-      <p:pic>
-        <p:nvPicPr>
-          <p:cNvPr id="13" name="Picture 12">
-            <a:extLst>
-              <a:ext uri="{FF2B5EF4-FFF2-40B4-BE49-F238E27FC236}">
-                <a16:creationId xmlns:a16="http://schemas.microsoft.com/office/drawing/2014/main" id="{A63871AF-8798-4AE2-84AD-E116086DB1BE}"/>
-              </a:ext>
-            </a:extLst>
-          </p:cNvPr>
-          <p:cNvPicPr>
-            <a:picLocks noChangeAspect="1"/>
-          </p:cNvPicPr>
+              <a:t>{0.33, 0.33, 0.33}</a:t>
+            </a:r>
+          </a:p>
+        </p:txBody>
+      </p:sp>
+      <p:sp>
+        <p:nvSpPr>
+          <p:cNvPr id="11" name="Oval 10">
+            <a:extLst>
+              <a:ext uri="{FF2B5EF4-FFF2-40B4-BE49-F238E27FC236}">
+                <a16:creationId xmlns:a16="http://schemas.microsoft.com/office/drawing/2014/main" id="{B906B13D-5844-40B6-BCAB-011FB5C3D997}"/>
+              </a:ext>
+            </a:extLst>
+          </p:cNvPr>
+          <p:cNvSpPr/>
           <p:nvPr/>
-        </p:nvPicPr>
-        <p:blipFill>
-          <a:blip r:embed="rId2"/>
-          <a:stretch>
-            <a:fillRect/>
-          </a:stretch>
-        </p:blipFill>
-        <p:spPr>
-          <a:xfrm>
-            <a:off x="176725" y="1561563"/>
-            <a:ext cx="5198943" cy="4658793"/>
-          </a:xfrm>
-          <a:prstGeom prst="rect">
-            <a:avLst/>
-          </a:prstGeom>
-        </p:spPr>
-      </p:pic>
+        </p:nvSpPr>
+        <p:spPr>
+          <a:xfrm>
+            <a:off x="3714176" y="3063875"/>
+            <a:ext cx="365125" cy="365125"/>
+          </a:xfrm>
+          <a:prstGeom prst="ellipse">
+            <a:avLst/>
+          </a:prstGeom>
+        </p:spPr>
+        <p:style>
+          <a:lnRef idx="2">
+            <a:schemeClr val="accent1">
+              <a:shade val="50000"/>
+            </a:schemeClr>
+          </a:lnRef>
+          <a:fillRef idx="1">
+            <a:schemeClr val="accent1"/>
+          </a:fillRef>
+          <a:effectRef idx="0">
+            <a:schemeClr val="accent1"/>
+          </a:effectRef>
+          <a:fontRef idx="minor">
+            <a:schemeClr val="lt1"/>
+          </a:fontRef>
+        </p:style>
+        <p:txBody>
+          <a:bodyPr rtlCol="0" anchor="ctr"/>
+          <a:lstStyle/>
+          <a:p>
+            <a:pPr algn="ctr"/>
+            <a:endParaRPr lang="en-US"/>
+          </a:p>
+        </p:txBody>
+      </p:sp>
+      <p:sp>
+        <p:nvSpPr>
+          <p:cNvPr id="12" name="Oval 11">
+            <a:extLst>
+              <a:ext uri="{FF2B5EF4-FFF2-40B4-BE49-F238E27FC236}">
+                <a16:creationId xmlns:a16="http://schemas.microsoft.com/office/drawing/2014/main" id="{C1200B6D-C0CF-435D-9C0E-B289CA598BB6}"/>
+              </a:ext>
+            </a:extLst>
+          </p:cNvPr>
+          <p:cNvSpPr/>
+          <p:nvPr/>
+        </p:nvSpPr>
+        <p:spPr>
+          <a:xfrm>
+            <a:off x="4376373" y="2748732"/>
+            <a:ext cx="365125" cy="365125"/>
+          </a:xfrm>
+          <a:prstGeom prst="ellipse">
+            <a:avLst/>
+          </a:prstGeom>
+        </p:spPr>
+        <p:style>
+          <a:lnRef idx="2">
+            <a:schemeClr val="accent1">
+              <a:shade val="50000"/>
+            </a:schemeClr>
+          </a:lnRef>
+          <a:fillRef idx="1">
+            <a:schemeClr val="accent1"/>
+          </a:fillRef>
+          <a:effectRef idx="0">
+            <a:schemeClr val="accent1"/>
+          </a:effectRef>
+          <a:fontRef idx="minor">
+            <a:schemeClr val="lt1"/>
+          </a:fontRef>
+        </p:style>
+        <p:txBody>
+          <a:bodyPr rtlCol="0" anchor="ctr"/>
+          <a:lstStyle/>
+          <a:p>
+            <a:pPr algn="ctr"/>
+            <a:endParaRPr lang="en-US"/>
+          </a:p>
+        </p:txBody>
+      </p:sp>
       <p:cxnSp>
         <p:nvCxnSpPr>
-          <p:cNvPr id="8" name="Straight Connector 7">
-            <a:extLst>
-              <a:ext uri="{FF2B5EF4-FFF2-40B4-BE49-F238E27FC236}">
-                <a16:creationId xmlns:a16="http://schemas.microsoft.com/office/drawing/2014/main" id="{02C9B1A6-0C14-4A44-A37A-A14EA92093D3}"/>
+          <p:cNvPr id="13" name="Straight Connector 12">
+            <a:extLst>
+              <a:ext uri="{FF2B5EF4-FFF2-40B4-BE49-F238E27FC236}">
+                <a16:creationId xmlns:a16="http://schemas.microsoft.com/office/drawing/2014/main" id="{6944F821-7EA7-104B-B921-51C5C37F43A0}"/>
               </a:ext>
             </a:extLst>
           </p:cNvPr>
@@ -6562,10 +6707,10 @@
       </p:cxnSp>
       <p:cxnSp>
         <p:nvCxnSpPr>
-          <p:cNvPr id="9" name="Straight Connector 8">
-            <a:extLst>
-              <a:ext uri="{FF2B5EF4-FFF2-40B4-BE49-F238E27FC236}">
-                <a16:creationId xmlns:a16="http://schemas.microsoft.com/office/drawing/2014/main" id="{9C13E281-2F65-B340-A9F2-046CDD5A92F9}"/>
+          <p:cNvPr id="14" name="Straight Connector 13">
+            <a:extLst>
+              <a:ext uri="{FF2B5EF4-FFF2-40B4-BE49-F238E27FC236}">
+                <a16:creationId xmlns:a16="http://schemas.microsoft.com/office/drawing/2014/main" id="{EC348151-C704-2A4E-9C3F-941C5412AE96}"/>
               </a:ext>
             </a:extLst>
           </p:cNvPr>
@@ -6606,7 +6751,7 @@
     </p:spTree>
     <p:extLst>
       <p:ext uri="{BB962C8B-B14F-4D97-AF65-F5344CB8AC3E}">
-        <p14:creationId xmlns:p14="http://schemas.microsoft.com/office/powerpoint/2010/main" val="1112505865"/>
+        <p14:creationId xmlns:p14="http://schemas.microsoft.com/office/powerpoint/2010/main" val="2940500773"/>
       </p:ext>
     </p:extLst>
   </p:cSld>
@@ -6656,7 +6801,7 @@
           <a:p>
             <a:fld id="{6700A58B-DD98-43D0-B791-721480A02982}" type="datetime1">
               <a:rPr lang="en-US" smtClean="0"/>
-              <a:t>1/1/21</a:t>
+              <a:t>1/10/21</a:t>
             </a:fld>
             <a:endParaRPr lang="en-US"/>
           </a:p>
@@ -6749,98 +6894,91 @@
           </a:p>
         </p:txBody>
       </p:sp>
+      <p:sp>
+        <p:nvSpPr>
+          <p:cNvPr id="11" name="TextBox 10">
+            <a:extLst>
+              <a:ext uri="{FF2B5EF4-FFF2-40B4-BE49-F238E27FC236}">
+                <a16:creationId xmlns:a16="http://schemas.microsoft.com/office/drawing/2014/main" id="{F8E40CA8-E36E-4944-B913-427A3979C01B}"/>
+              </a:ext>
+            </a:extLst>
+          </p:cNvPr>
+          <p:cNvSpPr txBox="1"/>
+          <p:nvPr/>
+        </p:nvSpPr>
+        <p:spPr>
+          <a:xfrm>
+            <a:off x="5375668" y="2779314"/>
+            <a:ext cx="3620624" cy="1754326"/>
+          </a:xfrm>
+          <a:prstGeom prst="rect">
+            <a:avLst/>
+          </a:prstGeom>
+          <a:noFill/>
+        </p:spPr>
+        <p:txBody>
+          <a:bodyPr wrap="square" rtlCol="0">
+            <a:spAutoFit/>
+          </a:bodyPr>
+          <a:lstStyle/>
+          <a:p>
+            <a:pPr marL="285750" indent="-285750">
+              <a:buFont typeface="Arial" panose="020B0604020202020204" pitchFamily="34" charset="0"/>
+              <a:buChar char="•"/>
+            </a:pPr>
+            <a:r>
+              <a:rPr lang="en-US" dirty="0"/>
+              <a:t>{0.33,0.33,0.33} each of the 3 vectors have equal likelihood among K represented as highest points</a:t>
+            </a:r>
+          </a:p>
+          <a:p>
+            <a:pPr marL="285750" indent="-285750">
+              <a:buFont typeface="Arial" panose="020B0604020202020204" pitchFamily="34" charset="0"/>
+              <a:buChar char="•"/>
+            </a:pPr>
+            <a:r>
+              <a:rPr lang="en-US" dirty="0"/>
+              <a:t>K can be more than 3 but can’t be visualized</a:t>
+            </a:r>
+          </a:p>
+        </p:txBody>
+      </p:sp>
       <p:pic>
         <p:nvPicPr>
-          <p:cNvPr id="9" name="Picture 2" descr="https://upload.wikimedia.org/wikipedia/commons/thumb/5/54/LogDirichletDensity-alpha_0.3_to_alpha_2.0.gif/250px-LogDirichletDensity-alpha_0.3_to_alpha_2.0.gif">
-            <a:extLst>
-              <a:ext uri="{FF2B5EF4-FFF2-40B4-BE49-F238E27FC236}">
-                <a16:creationId xmlns:a16="http://schemas.microsoft.com/office/drawing/2014/main" id="{431EFBA7-B5DA-4972-BB79-4049700E4E78}"/>
+          <p:cNvPr id="13" name="Picture 12">
+            <a:extLst>
+              <a:ext uri="{FF2B5EF4-FFF2-40B4-BE49-F238E27FC236}">
+                <a16:creationId xmlns:a16="http://schemas.microsoft.com/office/drawing/2014/main" id="{A63871AF-8798-4AE2-84AD-E116086DB1BE}"/>
               </a:ext>
             </a:extLst>
           </p:cNvPr>
           <p:cNvPicPr>
-            <a:picLocks noChangeAspect="1" noChangeArrowheads="1"/>
+            <a:picLocks noChangeAspect="1"/>
           </p:cNvPicPr>
           <p:nvPr/>
         </p:nvPicPr>
         <p:blipFill>
-          <a:blip r:embed="rId2">
-            <a:extLst>
-              <a:ext uri="{28A0092B-C50C-407E-A947-70E740481C1C}">
-                <a14:useLocalDpi xmlns:a14="http://schemas.microsoft.com/office/drawing/2010/main" val="0"/>
-              </a:ext>
-            </a:extLst>
-          </a:blip>
-          <a:srcRect/>
+          <a:blip r:embed="rId2"/>
           <a:stretch>
             <a:fillRect/>
           </a:stretch>
         </p:blipFill>
-        <p:spPr bwMode="auto">
-          <a:xfrm>
-            <a:off x="355634" y="1243237"/>
-            <a:ext cx="4841125" cy="4841125"/>
+        <p:spPr>
+          <a:xfrm>
+            <a:off x="176725" y="1561563"/>
+            <a:ext cx="5198943" cy="4658793"/>
           </a:xfrm>
           <a:prstGeom prst="rect">
             <a:avLst/>
           </a:prstGeom>
-          <a:noFill/>
-          <a:extLst>
-            <a:ext uri="{909E8E84-426E-40DD-AFC4-6F175D3DCCD1}">
-              <a14:hiddenFill xmlns:a14="http://schemas.microsoft.com/office/drawing/2010/main">
-                <a:solidFill>
-                  <a:srgbClr val="FFFFFF"/>
-                </a:solidFill>
-              </a14:hiddenFill>
-            </a:ext>
-          </a:extLst>
         </p:spPr>
       </p:pic>
-      <p:sp>
-        <p:nvSpPr>
-          <p:cNvPr id="11" name="TextBox 10">
-            <a:extLst>
-              <a:ext uri="{FF2B5EF4-FFF2-40B4-BE49-F238E27FC236}">
-                <a16:creationId xmlns:a16="http://schemas.microsoft.com/office/drawing/2014/main" id="{F8E40CA8-E36E-4944-B913-427A3979C01B}"/>
-              </a:ext>
-            </a:extLst>
-          </p:cNvPr>
-          <p:cNvSpPr txBox="1"/>
-          <p:nvPr/>
-        </p:nvSpPr>
-        <p:spPr>
-          <a:xfrm>
-            <a:off x="5196759" y="2782669"/>
-            <a:ext cx="3947241" cy="923330"/>
-          </a:xfrm>
-          <a:prstGeom prst="rect">
-            <a:avLst/>
-          </a:prstGeom>
-          <a:noFill/>
-        </p:spPr>
-        <p:txBody>
-          <a:bodyPr wrap="square" rtlCol="0">
-            <a:spAutoFit/>
-          </a:bodyPr>
-          <a:lstStyle/>
-          <a:p>
-            <a:pPr marL="285750" indent="-285750">
-              <a:buFont typeface="Arial" panose="020B0604020202020204" pitchFamily="34" charset="0"/>
-              <a:buChar char="•"/>
-            </a:pPr>
-            <a:r>
-              <a:rPr lang="en-US" dirty="0"/>
-              <a:t>Alpha is a parameter adjusts the probability distribution, adjusted through observed frequencies</a:t>
-            </a:r>
-          </a:p>
-        </p:txBody>
-      </p:sp>
       <p:cxnSp>
         <p:nvCxnSpPr>
           <p:cNvPr id="8" name="Straight Connector 7">
             <a:extLst>
               <a:ext uri="{FF2B5EF4-FFF2-40B4-BE49-F238E27FC236}">
-                <a16:creationId xmlns:a16="http://schemas.microsoft.com/office/drawing/2014/main" id="{D32B2A19-81D9-6144-8AAD-034088D156B2}"/>
+                <a16:creationId xmlns:a16="http://schemas.microsoft.com/office/drawing/2014/main" id="{02C9B1A6-0C14-4A44-A37A-A14EA92093D3}"/>
               </a:ext>
             </a:extLst>
           </p:cNvPr>
@@ -6880,10 +7018,10 @@
       </p:cxnSp>
       <p:cxnSp>
         <p:nvCxnSpPr>
-          <p:cNvPr id="10" name="Straight Connector 9">
-            <a:extLst>
-              <a:ext uri="{FF2B5EF4-FFF2-40B4-BE49-F238E27FC236}">
-                <a16:creationId xmlns:a16="http://schemas.microsoft.com/office/drawing/2014/main" id="{DE89CFD9-0ABA-B74C-8A04-82A39DFEC430}"/>
+          <p:cNvPr id="9" name="Straight Connector 8">
+            <a:extLst>
+              <a:ext uri="{FF2B5EF4-FFF2-40B4-BE49-F238E27FC236}">
+                <a16:creationId xmlns:a16="http://schemas.microsoft.com/office/drawing/2014/main" id="{9C13E281-2F65-B340-A9F2-046CDD5A92F9}"/>
               </a:ext>
             </a:extLst>
           </p:cNvPr>
@@ -6924,7 +7062,7 @@
     </p:spTree>
     <p:extLst>
       <p:ext uri="{BB962C8B-B14F-4D97-AF65-F5344CB8AC3E}">
-        <p14:creationId xmlns:p14="http://schemas.microsoft.com/office/powerpoint/2010/main" val="2436352207"/>
+        <p14:creationId xmlns:p14="http://schemas.microsoft.com/office/powerpoint/2010/main" val="1112505865"/>
       </p:ext>
     </p:extLst>
   </p:cSld>
@@ -6956,7 +7094,7 @@
           <p:cNvPr id="2" name="Date Placeholder 1">
             <a:extLst>
               <a:ext uri="{FF2B5EF4-FFF2-40B4-BE49-F238E27FC236}">
-                <a16:creationId xmlns:a16="http://schemas.microsoft.com/office/drawing/2014/main" id="{612AF962-D159-495F-94AE-9D1650A29A11}"/>
+                <a16:creationId xmlns:a16="http://schemas.microsoft.com/office/drawing/2014/main" id="{22F37A0D-00C5-409F-A411-69923C02062B}"/>
               </a:ext>
             </a:extLst>
           </p:cNvPr>
@@ -6974,7 +7112,7 @@
           <a:p>
             <a:fld id="{6700A58B-DD98-43D0-B791-721480A02982}" type="datetime1">
               <a:rPr lang="en-US" smtClean="0"/>
-              <a:t>1/1/21</a:t>
+              <a:t>1/10/21</a:t>
             </a:fld>
             <a:endParaRPr lang="en-US"/>
           </a:p>
@@ -6985,7 +7123,7 @@
           <p:cNvPr id="3" name="Title 2">
             <a:extLst>
               <a:ext uri="{FF2B5EF4-FFF2-40B4-BE49-F238E27FC236}">
-                <a16:creationId xmlns:a16="http://schemas.microsoft.com/office/drawing/2014/main" id="{DE2336EF-9AF2-4CD8-ADF3-2AA1A4645F3F}"/>
+                <a16:creationId xmlns:a16="http://schemas.microsoft.com/office/drawing/2014/main" id="{BC48205D-72D5-4364-B962-8D1738A7D06F}"/>
               </a:ext>
             </a:extLst>
           </p:cNvPr>
@@ -7003,7 +7141,7 @@
           <a:p>
             <a:r>
               <a:rPr lang="en-US" dirty="0"/>
-              <a:t>Common Sense Explanation</a:t>
+              <a:t>Dirichlet Function…</a:t>
             </a:r>
           </a:p>
         </p:txBody>
@@ -7013,7 +7151,7 @@
           <p:cNvPr id="4" name="Footer Placeholder 3">
             <a:extLst>
               <a:ext uri="{FF2B5EF4-FFF2-40B4-BE49-F238E27FC236}">
-                <a16:creationId xmlns:a16="http://schemas.microsoft.com/office/drawing/2014/main" id="{25BC9103-9F85-4DF1-B87B-168EE8A47590}"/>
+                <a16:creationId xmlns:a16="http://schemas.microsoft.com/office/drawing/2014/main" id="{C2AB79FF-FB43-45BB-A5DF-3520D893F70A}"/>
               </a:ext>
             </a:extLst>
           </p:cNvPr>
@@ -7042,7 +7180,7 @@
           <p:cNvPr id="5" name="Slide Number Placeholder 4">
             <a:extLst>
               <a:ext uri="{FF2B5EF4-FFF2-40B4-BE49-F238E27FC236}">
-                <a16:creationId xmlns:a16="http://schemas.microsoft.com/office/drawing/2014/main" id="{0E06C221-C357-47E5-8219-724674DFA438}"/>
+                <a16:creationId xmlns:a16="http://schemas.microsoft.com/office/drawing/2014/main" id="{05A8748C-3062-4F86-A2FC-23AE608875E8}"/>
               </a:ext>
             </a:extLst>
           </p:cNvPr>
@@ -7067,50 +7205,12 @@
           </a:p>
         </p:txBody>
       </p:sp>
-      <p:sp>
-        <p:nvSpPr>
-          <p:cNvPr id="6" name="TextBox 5">
-            <a:extLst>
-              <a:ext uri="{FF2B5EF4-FFF2-40B4-BE49-F238E27FC236}">
-                <a16:creationId xmlns:a16="http://schemas.microsoft.com/office/drawing/2014/main" id="{F4C1B3C6-29E0-460A-B856-5710DDE6EC4B}"/>
-              </a:ext>
-            </a:extLst>
-          </p:cNvPr>
-          <p:cNvSpPr txBox="1"/>
-          <p:nvPr/>
-        </p:nvSpPr>
-        <p:spPr>
-          <a:xfrm>
-            <a:off x="74110" y="6215875"/>
-            <a:ext cx="3675814" cy="276999"/>
-          </a:xfrm>
-          <a:prstGeom prst="rect">
-            <a:avLst/>
-          </a:prstGeom>
-          <a:noFill/>
-        </p:spPr>
-        <p:txBody>
-          <a:bodyPr wrap="none" rtlCol="0">
-            <a:spAutoFit/>
-          </a:bodyPr>
-          <a:lstStyle/>
-          <a:p>
-            <a:r>
-              <a:rPr lang="fr-FR" sz="1200" dirty="0">
-                <a:hlinkClick r:id="rId2"/>
-              </a:rPr>
-              <a:t>http://www.cs.columbia.edu/~blei/papers/Blei2012.pdf</a:t>
-            </a:r>
-            <a:endParaRPr lang="en-US" sz="1200" dirty="0"/>
-          </a:p>
-        </p:txBody>
-      </p:sp>
       <p:pic>
         <p:nvPicPr>
-          <p:cNvPr id="5122" name="Picture 2" descr="https://www.objectorientedsubject.net/wpdir/wp-content/uploads/2017/12/topicmodeling-lda-intuitions-700x449.png">
-            <a:extLst>
-              <a:ext uri="{FF2B5EF4-FFF2-40B4-BE49-F238E27FC236}">
-                <a16:creationId xmlns:a16="http://schemas.microsoft.com/office/drawing/2014/main" id="{33C4A265-23B9-4A70-AA91-E67AB49110A1}"/>
+          <p:cNvPr id="9" name="Picture 2" descr="https://upload.wikimedia.org/wikipedia/commons/thumb/5/54/LogDirichletDensity-alpha_0.3_to_alpha_2.0.gif/250px-LogDirichletDensity-alpha_0.3_to_alpha_2.0.gif">
+            <a:extLst>
+              <a:ext uri="{FF2B5EF4-FFF2-40B4-BE49-F238E27FC236}">
+                <a16:creationId xmlns:a16="http://schemas.microsoft.com/office/drawing/2014/main" id="{431EFBA7-B5DA-4972-BB79-4049700E4E78}"/>
               </a:ext>
             </a:extLst>
           </p:cNvPr>
@@ -7120,7 +7220,7 @@
           <p:nvPr/>
         </p:nvPicPr>
         <p:blipFill>
-          <a:blip r:embed="rId3">
+          <a:blip r:embed="rId2">
             <a:extLst>
               <a:ext uri="{28A0092B-C50C-407E-A947-70E740481C1C}">
                 <a14:useLocalDpi xmlns:a14="http://schemas.microsoft.com/office/drawing/2010/main" val="0"/>
@@ -7134,8 +7234,8 @@
         </p:blipFill>
         <p:spPr bwMode="auto">
           <a:xfrm>
-            <a:off x="581848" y="1097080"/>
-            <a:ext cx="7980305" cy="5118796"/>
+            <a:off x="355634" y="1243237"/>
+            <a:ext cx="4841125" cy="4841125"/>
           </a:xfrm>
           <a:prstGeom prst="rect">
             <a:avLst/>
@@ -7152,12 +7252,51 @@
           </a:extLst>
         </p:spPr>
       </p:pic>
+      <p:sp>
+        <p:nvSpPr>
+          <p:cNvPr id="11" name="TextBox 10">
+            <a:extLst>
+              <a:ext uri="{FF2B5EF4-FFF2-40B4-BE49-F238E27FC236}">
+                <a16:creationId xmlns:a16="http://schemas.microsoft.com/office/drawing/2014/main" id="{F8E40CA8-E36E-4944-B913-427A3979C01B}"/>
+              </a:ext>
+            </a:extLst>
+          </p:cNvPr>
+          <p:cNvSpPr txBox="1"/>
+          <p:nvPr/>
+        </p:nvSpPr>
+        <p:spPr>
+          <a:xfrm>
+            <a:off x="5196759" y="2782669"/>
+            <a:ext cx="3947241" cy="923330"/>
+          </a:xfrm>
+          <a:prstGeom prst="rect">
+            <a:avLst/>
+          </a:prstGeom>
+          <a:noFill/>
+        </p:spPr>
+        <p:txBody>
+          <a:bodyPr wrap="square" rtlCol="0">
+            <a:spAutoFit/>
+          </a:bodyPr>
+          <a:lstStyle/>
+          <a:p>
+            <a:pPr marL="285750" indent="-285750">
+              <a:buFont typeface="Arial" panose="020B0604020202020204" pitchFamily="34" charset="0"/>
+              <a:buChar char="•"/>
+            </a:pPr>
+            <a:r>
+              <a:rPr lang="en-US" dirty="0"/>
+              <a:t>Alpha is a parameter adjusts the probability distribution, adjusted through observed frequencies</a:t>
+            </a:r>
+          </a:p>
+        </p:txBody>
+      </p:sp>
       <p:cxnSp>
         <p:nvCxnSpPr>
           <p:cNvPr id="8" name="Straight Connector 7">
             <a:extLst>
               <a:ext uri="{FF2B5EF4-FFF2-40B4-BE49-F238E27FC236}">
-                <a16:creationId xmlns:a16="http://schemas.microsoft.com/office/drawing/2014/main" id="{D41C54BC-9D99-1648-BDA5-70E518A79791}"/>
+                <a16:creationId xmlns:a16="http://schemas.microsoft.com/office/drawing/2014/main" id="{D32B2A19-81D9-6144-8AAD-034088D156B2}"/>
               </a:ext>
             </a:extLst>
           </p:cNvPr>
@@ -7197,10 +7336,10 @@
       </p:cxnSp>
       <p:cxnSp>
         <p:nvCxnSpPr>
-          <p:cNvPr id="9" name="Straight Connector 8">
-            <a:extLst>
-              <a:ext uri="{FF2B5EF4-FFF2-40B4-BE49-F238E27FC236}">
-                <a16:creationId xmlns:a16="http://schemas.microsoft.com/office/drawing/2014/main" id="{B8E0A20D-C5EF-174C-A7F6-604AC3C1C804}"/>
+          <p:cNvPr id="10" name="Straight Connector 9">
+            <a:extLst>
+              <a:ext uri="{FF2B5EF4-FFF2-40B4-BE49-F238E27FC236}">
+                <a16:creationId xmlns:a16="http://schemas.microsoft.com/office/drawing/2014/main" id="{DE89CFD9-0ABA-B74C-8A04-82A39DFEC430}"/>
               </a:ext>
             </a:extLst>
           </p:cNvPr>
@@ -7241,7 +7380,7 @@
     </p:spTree>
     <p:extLst>
       <p:ext uri="{BB962C8B-B14F-4D97-AF65-F5344CB8AC3E}">
-        <p14:creationId xmlns:p14="http://schemas.microsoft.com/office/powerpoint/2010/main" val="3172722578"/>
+        <p14:creationId xmlns:p14="http://schemas.microsoft.com/office/powerpoint/2010/main" val="2436352207"/>
       </p:ext>
     </p:extLst>
   </p:cSld>
@@ -7273,7 +7412,7 @@
           <p:cNvPr id="2" name="Date Placeholder 1">
             <a:extLst>
               <a:ext uri="{FF2B5EF4-FFF2-40B4-BE49-F238E27FC236}">
-                <a16:creationId xmlns:a16="http://schemas.microsoft.com/office/drawing/2014/main" id="{BD0FB113-F15D-425D-8FEB-E051306B5B11}"/>
+                <a16:creationId xmlns:a16="http://schemas.microsoft.com/office/drawing/2014/main" id="{612AF962-D159-495F-94AE-9D1650A29A11}"/>
               </a:ext>
             </a:extLst>
           </p:cNvPr>
@@ -7291,7 +7430,7 @@
           <a:p>
             <a:fld id="{6700A58B-DD98-43D0-B791-721480A02982}" type="datetime1">
               <a:rPr lang="en-US" smtClean="0"/>
-              <a:t>1/1/21</a:t>
+              <a:t>1/10/21</a:t>
             </a:fld>
             <a:endParaRPr lang="en-US"/>
           </a:p>
@@ -7302,7 +7441,7 @@
           <p:cNvPr id="3" name="Title 2">
             <a:extLst>
               <a:ext uri="{FF2B5EF4-FFF2-40B4-BE49-F238E27FC236}">
-                <a16:creationId xmlns:a16="http://schemas.microsoft.com/office/drawing/2014/main" id="{EFD3F5D3-1E38-4F52-8298-D78245B3C28B}"/>
+                <a16:creationId xmlns:a16="http://schemas.microsoft.com/office/drawing/2014/main" id="{DE2336EF-9AF2-4CD8-ADF3-2AA1A4645F3F}"/>
               </a:ext>
             </a:extLst>
           </p:cNvPr>
@@ -7320,13 +7459,8 @@
           <a:p>
             <a:r>
               <a:rPr lang="en-US" dirty="0"/>
-              <a:t>Open </a:t>
-            </a:r>
-            <a:r>
-              <a:rPr lang="en-US" dirty="0" err="1"/>
-              <a:t>A_topicModeling.R</a:t>
-            </a:r>
-            <a:endParaRPr lang="en-US" dirty="0"/>
+              <a:t>Common Sense Explanation</a:t>
+            </a:r>
           </a:p>
         </p:txBody>
       </p:sp>
@@ -7335,7 +7469,7 @@
           <p:cNvPr id="4" name="Footer Placeholder 3">
             <a:extLst>
               <a:ext uri="{FF2B5EF4-FFF2-40B4-BE49-F238E27FC236}">
-                <a16:creationId xmlns:a16="http://schemas.microsoft.com/office/drawing/2014/main" id="{8D9A779D-C17D-4BAD-9CB4-F63421714926}"/>
+                <a16:creationId xmlns:a16="http://schemas.microsoft.com/office/drawing/2014/main" id="{25BC9103-9F85-4DF1-B87B-168EE8A47590}"/>
               </a:ext>
             </a:extLst>
           </p:cNvPr>
@@ -7364,7 +7498,7 @@
           <p:cNvPr id="5" name="Slide Number Placeholder 4">
             <a:extLst>
               <a:ext uri="{FF2B5EF4-FFF2-40B4-BE49-F238E27FC236}">
-                <a16:creationId xmlns:a16="http://schemas.microsoft.com/office/drawing/2014/main" id="{D99DEF9E-54AF-4FC4-A213-C24639AEB6D6}"/>
+                <a16:creationId xmlns:a16="http://schemas.microsoft.com/office/drawing/2014/main" id="{0E06C221-C357-47E5-8219-724674DFA438}"/>
               </a:ext>
             </a:extLst>
           </p:cNvPr>
@@ -7389,12 +7523,50 @@
           </a:p>
         </p:txBody>
       </p:sp>
+      <p:sp>
+        <p:nvSpPr>
+          <p:cNvPr id="6" name="TextBox 5">
+            <a:extLst>
+              <a:ext uri="{FF2B5EF4-FFF2-40B4-BE49-F238E27FC236}">
+                <a16:creationId xmlns:a16="http://schemas.microsoft.com/office/drawing/2014/main" id="{F4C1B3C6-29E0-460A-B856-5710DDE6EC4B}"/>
+              </a:ext>
+            </a:extLst>
+          </p:cNvPr>
+          <p:cNvSpPr txBox="1"/>
+          <p:nvPr/>
+        </p:nvSpPr>
+        <p:spPr>
+          <a:xfrm>
+            <a:off x="74110" y="6215875"/>
+            <a:ext cx="3675814" cy="276999"/>
+          </a:xfrm>
+          <a:prstGeom prst="rect">
+            <a:avLst/>
+          </a:prstGeom>
+          <a:noFill/>
+        </p:spPr>
+        <p:txBody>
+          <a:bodyPr wrap="none" rtlCol="0">
+            <a:spAutoFit/>
+          </a:bodyPr>
+          <a:lstStyle/>
+          <a:p>
+            <a:r>
+              <a:rPr lang="fr-FR" sz="1200" dirty="0">
+                <a:hlinkClick r:id="rId2"/>
+              </a:rPr>
+              <a:t>http://www.cs.columbia.edu/~blei/papers/Blei2012.pdf</a:t>
+            </a:r>
+            <a:endParaRPr lang="en-US" sz="1200" dirty="0"/>
+          </a:p>
+        </p:txBody>
+      </p:sp>
       <p:pic>
         <p:nvPicPr>
-          <p:cNvPr id="2050" name="Picture 2" descr="Image result for after lunch meme">
-            <a:extLst>
-              <a:ext uri="{FF2B5EF4-FFF2-40B4-BE49-F238E27FC236}">
-                <a16:creationId xmlns:a16="http://schemas.microsoft.com/office/drawing/2014/main" id="{AD246B8A-E953-4FDC-916C-B60D048FE8A0}"/>
+          <p:cNvPr id="5122" name="Picture 2" descr="https://www.objectorientedsubject.net/wpdir/wp-content/uploads/2017/12/topicmodeling-lda-intuitions-700x449.png">
+            <a:extLst>
+              <a:ext uri="{FF2B5EF4-FFF2-40B4-BE49-F238E27FC236}">
+                <a16:creationId xmlns:a16="http://schemas.microsoft.com/office/drawing/2014/main" id="{33C4A265-23B9-4A70-AA91-E67AB49110A1}"/>
               </a:ext>
             </a:extLst>
           </p:cNvPr>
@@ -7404,7 +7576,7 @@
           <p:nvPr/>
         </p:nvPicPr>
         <p:blipFill>
-          <a:blip r:embed="rId2">
+          <a:blip r:embed="rId3">
             <a:extLst>
               <a:ext uri="{28A0092B-C50C-407E-A947-70E740481C1C}">
                 <a14:useLocalDpi xmlns:a14="http://schemas.microsoft.com/office/drawing/2010/main" val="0"/>
@@ -7418,8 +7590,8 @@
         </p:blipFill>
         <p:spPr bwMode="auto">
           <a:xfrm>
-            <a:off x="1022536" y="1246935"/>
-            <a:ext cx="5619750" cy="4391025"/>
+            <a:off x="581848" y="1097080"/>
+            <a:ext cx="7980305" cy="5118796"/>
           </a:xfrm>
           <a:prstGeom prst="rect">
             <a:avLst/>
@@ -7438,10 +7610,10 @@
       </p:pic>
       <p:cxnSp>
         <p:nvCxnSpPr>
-          <p:cNvPr id="7" name="Straight Connector 6">
-            <a:extLst>
-              <a:ext uri="{FF2B5EF4-FFF2-40B4-BE49-F238E27FC236}">
-                <a16:creationId xmlns:a16="http://schemas.microsoft.com/office/drawing/2014/main" id="{A7849887-EED1-5240-9E58-53EB1778E86A}"/>
+          <p:cNvPr id="8" name="Straight Connector 7">
+            <a:extLst>
+              <a:ext uri="{FF2B5EF4-FFF2-40B4-BE49-F238E27FC236}">
+                <a16:creationId xmlns:a16="http://schemas.microsoft.com/office/drawing/2014/main" id="{D41C54BC-9D99-1648-BDA5-70E518A79791}"/>
               </a:ext>
             </a:extLst>
           </p:cNvPr>
@@ -7481,10 +7653,10 @@
       </p:cxnSp>
       <p:cxnSp>
         <p:nvCxnSpPr>
-          <p:cNvPr id="8" name="Straight Connector 7">
-            <a:extLst>
-              <a:ext uri="{FF2B5EF4-FFF2-40B4-BE49-F238E27FC236}">
-                <a16:creationId xmlns:a16="http://schemas.microsoft.com/office/drawing/2014/main" id="{3DB40FE8-5691-9E43-9F64-17E493848484}"/>
+          <p:cNvPr id="9" name="Straight Connector 8">
+            <a:extLst>
+              <a:ext uri="{FF2B5EF4-FFF2-40B4-BE49-F238E27FC236}">
+                <a16:creationId xmlns:a16="http://schemas.microsoft.com/office/drawing/2014/main" id="{B8E0A20D-C5EF-174C-A7F6-604AC3C1C804}"/>
               </a:ext>
             </a:extLst>
           </p:cNvPr>
@@ -7525,7 +7697,7 @@
     </p:spTree>
     <p:extLst>
       <p:ext uri="{BB962C8B-B14F-4D97-AF65-F5344CB8AC3E}">
-        <p14:creationId xmlns:p14="http://schemas.microsoft.com/office/powerpoint/2010/main" val="2037366798"/>
+        <p14:creationId xmlns:p14="http://schemas.microsoft.com/office/powerpoint/2010/main" val="3172722578"/>
       </p:ext>
     </p:extLst>
   </p:cSld>
@@ -7557,7 +7729,7 @@
           <p:cNvPr id="2" name="Date Placeholder 1">
             <a:extLst>
               <a:ext uri="{FF2B5EF4-FFF2-40B4-BE49-F238E27FC236}">
-                <a16:creationId xmlns:a16="http://schemas.microsoft.com/office/drawing/2014/main" id="{483710AC-7DD4-47F9-9E7C-2515755D0AB2}"/>
+                <a16:creationId xmlns:a16="http://schemas.microsoft.com/office/drawing/2014/main" id="{BD0FB113-F15D-425D-8FEB-E051306B5B11}"/>
               </a:ext>
             </a:extLst>
           </p:cNvPr>
@@ -7575,7 +7747,7 @@
           <a:p>
             <a:fld id="{6700A58B-DD98-43D0-B791-721480A02982}" type="datetime1">
               <a:rPr lang="en-US" smtClean="0"/>
-              <a:t>1/1/21</a:t>
+              <a:t>1/10/21</a:t>
             </a:fld>
             <a:endParaRPr lang="en-US"/>
           </a:p>
@@ -7586,7 +7758,7 @@
           <p:cNvPr id="3" name="Title 2">
             <a:extLst>
               <a:ext uri="{FF2B5EF4-FFF2-40B4-BE49-F238E27FC236}">
-                <a16:creationId xmlns:a16="http://schemas.microsoft.com/office/drawing/2014/main" id="{2A4513BF-7E9B-49A2-A3AE-8CA02D2714C6}"/>
+                <a16:creationId xmlns:a16="http://schemas.microsoft.com/office/drawing/2014/main" id="{EFD3F5D3-1E38-4F52-8298-D78245B3C28B}"/>
               </a:ext>
             </a:extLst>
           </p:cNvPr>
@@ -7603,13 +7775,14 @@
           <a:lstStyle/>
           <a:p>
             <a:r>
+              <a:rPr lang="en-US" dirty="0"/>
+              <a:t>Open </a:t>
+            </a:r>
+            <a:r>
               <a:rPr lang="en-US" dirty="0" err="1"/>
-              <a:t>LDAvis</a:t>
-            </a:r>
-            <a:r>
-              <a:rPr lang="en-US" dirty="0"/>
-              <a:t>: PCA of topics need to be interpreted</a:t>
-            </a:r>
+              <a:t>A_topicModeling.R</a:t>
+            </a:r>
+            <a:endParaRPr lang="en-US" dirty="0"/>
           </a:p>
         </p:txBody>
       </p:sp>
@@ -7618,7 +7791,7 @@
           <p:cNvPr id="4" name="Footer Placeholder 3">
             <a:extLst>
               <a:ext uri="{FF2B5EF4-FFF2-40B4-BE49-F238E27FC236}">
-                <a16:creationId xmlns:a16="http://schemas.microsoft.com/office/drawing/2014/main" id="{D410471F-BB86-4D1F-961D-76EF0B1C69BF}"/>
+                <a16:creationId xmlns:a16="http://schemas.microsoft.com/office/drawing/2014/main" id="{8D9A779D-C17D-4BAD-9CB4-F63421714926}"/>
               </a:ext>
             </a:extLst>
           </p:cNvPr>
@@ -7647,7 +7820,7 @@
           <p:cNvPr id="5" name="Slide Number Placeholder 4">
             <a:extLst>
               <a:ext uri="{FF2B5EF4-FFF2-40B4-BE49-F238E27FC236}">
-                <a16:creationId xmlns:a16="http://schemas.microsoft.com/office/drawing/2014/main" id="{80D1B1A1-237A-4A88-83EE-2540EC7B8A5B}"/>
+                <a16:creationId xmlns:a16="http://schemas.microsoft.com/office/drawing/2014/main" id="{D99DEF9E-54AF-4FC4-A213-C24639AEB6D6}"/>
               </a:ext>
             </a:extLst>
           </p:cNvPr>
@@ -7674,40 +7847,57 @@
       </p:sp>
       <p:pic>
         <p:nvPicPr>
-          <p:cNvPr id="7" name="Picture 6">
-            <a:extLst>
-              <a:ext uri="{FF2B5EF4-FFF2-40B4-BE49-F238E27FC236}">
-                <a16:creationId xmlns:a16="http://schemas.microsoft.com/office/drawing/2014/main" id="{E93A5FBC-D708-427D-BF31-B80DEA2C874D}"/>
+          <p:cNvPr id="2050" name="Picture 2" descr="Image result for after lunch meme">
+            <a:extLst>
+              <a:ext uri="{FF2B5EF4-FFF2-40B4-BE49-F238E27FC236}">
+                <a16:creationId xmlns:a16="http://schemas.microsoft.com/office/drawing/2014/main" id="{AD246B8A-E953-4FDC-916C-B60D048FE8A0}"/>
               </a:ext>
             </a:extLst>
           </p:cNvPr>
           <p:cNvPicPr>
-            <a:picLocks noChangeAspect="1"/>
+            <a:picLocks noChangeAspect="1" noChangeArrowheads="1"/>
           </p:cNvPicPr>
           <p:nvPr/>
         </p:nvPicPr>
         <p:blipFill>
-          <a:blip r:embed="rId2"/>
+          <a:blip r:embed="rId2">
+            <a:extLst>
+              <a:ext uri="{28A0092B-C50C-407E-A947-70E740481C1C}">
+                <a14:useLocalDpi xmlns:a14="http://schemas.microsoft.com/office/drawing/2010/main" val="0"/>
+              </a:ext>
+            </a:extLst>
+          </a:blip>
+          <a:srcRect/>
           <a:stretch>
             <a:fillRect/>
           </a:stretch>
         </p:blipFill>
-        <p:spPr>
-          <a:xfrm>
-            <a:off x="628650" y="1507767"/>
-            <a:ext cx="3565813" cy="4297420"/>
+        <p:spPr bwMode="auto">
+          <a:xfrm>
+            <a:off x="1022536" y="1246935"/>
+            <a:ext cx="5619750" cy="4391025"/>
           </a:xfrm>
           <a:prstGeom prst="rect">
             <a:avLst/>
           </a:prstGeom>
+          <a:noFill/>
+          <a:extLst>
+            <a:ext uri="{909E8E84-426E-40DD-AFC4-6F175D3DCCD1}">
+              <a14:hiddenFill xmlns:a14="http://schemas.microsoft.com/office/drawing/2010/main">
+                <a:solidFill>
+                  <a:srgbClr val="FFFFFF"/>
+                </a:solidFill>
+              </a14:hiddenFill>
+            </a:ext>
+          </a:extLst>
         </p:spPr>
       </p:pic>
       <p:cxnSp>
         <p:nvCxnSpPr>
-          <p:cNvPr id="9" name="Straight Arrow Connector 8">
-            <a:extLst>
-              <a:ext uri="{FF2B5EF4-FFF2-40B4-BE49-F238E27FC236}">
-                <a16:creationId xmlns:a16="http://schemas.microsoft.com/office/drawing/2014/main" id="{E3113C13-BEBD-4C74-8520-D10122A5DD1C}"/>
+          <p:cNvPr id="7" name="Straight Connector 6">
+            <a:extLst>
+              <a:ext uri="{FF2B5EF4-FFF2-40B4-BE49-F238E27FC236}">
+                <a16:creationId xmlns:a16="http://schemas.microsoft.com/office/drawing/2014/main" id="{A7849887-EED1-5240-9E58-53EB1778E86A}"/>
               </a:ext>
             </a:extLst>
           </p:cNvPr>
@@ -7716,15 +7906,18 @@
         </p:nvCxnSpPr>
         <p:spPr>
           <a:xfrm>
-            <a:off x="5170516" y="3434615"/>
-            <a:ext cx="3344834" cy="0"/>
-          </a:xfrm>
-          <a:prstGeom prst="straightConnector1">
+            <a:off x="6798363" y="6549885"/>
+            <a:ext cx="0" cy="182880"/>
+          </a:xfrm>
+          <a:prstGeom prst="line">
             <a:avLst/>
           </a:prstGeom>
           <a:ln>
-            <a:headEnd type="triangle"/>
-            <a:tailEnd type="triangle"/>
+            <a:solidFill>
+              <a:schemeClr val="bg1">
+                <a:lumMod val="85000"/>
+              </a:schemeClr>
+            </a:solidFill>
           </a:ln>
         </p:spPr>
         <p:style>
@@ -7744,233 +7937,10 @@
       </p:cxnSp>
       <p:cxnSp>
         <p:nvCxnSpPr>
-          <p:cNvPr id="11" name="Straight Arrow Connector 10">
-            <a:extLst>
-              <a:ext uri="{FF2B5EF4-FFF2-40B4-BE49-F238E27FC236}">
-                <a16:creationId xmlns:a16="http://schemas.microsoft.com/office/drawing/2014/main" id="{427AB6EB-0C39-4A7E-B2DA-029B2D27471D}"/>
-              </a:ext>
-            </a:extLst>
-          </p:cNvPr>
-          <p:cNvCxnSpPr/>
-          <p:nvPr/>
-        </p:nvCxnSpPr>
-        <p:spPr>
-          <a:xfrm>
-            <a:off x="6842933" y="1446422"/>
-            <a:ext cx="0" cy="3976387"/>
-          </a:xfrm>
-          <a:prstGeom prst="straightConnector1">
-            <a:avLst/>
-          </a:prstGeom>
-          <a:ln>
-            <a:headEnd type="triangle"/>
-            <a:tailEnd type="triangle"/>
-          </a:ln>
-        </p:spPr>
-        <p:style>
-          <a:lnRef idx="1">
-            <a:schemeClr val="accent1"/>
-          </a:lnRef>
-          <a:fillRef idx="0">
-            <a:schemeClr val="accent1"/>
-          </a:fillRef>
-          <a:effectRef idx="0">
-            <a:schemeClr val="accent1"/>
-          </a:effectRef>
-          <a:fontRef idx="minor">
-            <a:schemeClr val="tx1"/>
-          </a:fontRef>
-        </p:style>
-      </p:cxnSp>
-      <p:sp>
-        <p:nvSpPr>
-          <p:cNvPr id="12" name="TextBox 11">
-            <a:extLst>
-              <a:ext uri="{FF2B5EF4-FFF2-40B4-BE49-F238E27FC236}">
-                <a16:creationId xmlns:a16="http://schemas.microsoft.com/office/drawing/2014/main" id="{2AB74F40-A16E-4329-9538-A52306AE0D35}"/>
-              </a:ext>
-            </a:extLst>
-          </p:cNvPr>
-          <p:cNvSpPr txBox="1"/>
-          <p:nvPr/>
-        </p:nvSpPr>
-        <p:spPr>
-          <a:xfrm>
-            <a:off x="8240277" y="3102478"/>
-            <a:ext cx="686085" cy="307777"/>
-          </a:xfrm>
-          <a:prstGeom prst="rect">
-            <a:avLst/>
-          </a:prstGeom>
-          <a:noFill/>
-        </p:spPr>
-        <p:txBody>
-          <a:bodyPr wrap="none" rtlCol="0">
-            <a:spAutoFit/>
-          </a:bodyPr>
-          <a:lstStyle/>
-          <a:p>
-            <a:r>
-              <a:rPr lang="en-US" sz="1400" dirty="0"/>
-              <a:t>Cricket</a:t>
-            </a:r>
-          </a:p>
-        </p:txBody>
-      </p:sp>
-      <p:sp>
-        <p:nvSpPr>
-          <p:cNvPr id="13" name="TextBox 12">
-            <a:extLst>
-              <a:ext uri="{FF2B5EF4-FFF2-40B4-BE49-F238E27FC236}">
-                <a16:creationId xmlns:a16="http://schemas.microsoft.com/office/drawing/2014/main" id="{32C5EB55-5408-49B4-9F17-1654637EA46C}"/>
-              </a:ext>
-            </a:extLst>
-          </p:cNvPr>
-          <p:cNvSpPr txBox="1"/>
-          <p:nvPr/>
-        </p:nvSpPr>
-        <p:spPr>
-          <a:xfrm>
-            <a:off x="4576525" y="3121223"/>
-            <a:ext cx="1045158" cy="307777"/>
-          </a:xfrm>
-          <a:prstGeom prst="rect">
-            <a:avLst/>
-          </a:prstGeom>
-          <a:noFill/>
-        </p:spPr>
-        <p:txBody>
-          <a:bodyPr wrap="none" rtlCol="0">
-            <a:spAutoFit/>
-          </a:bodyPr>
-          <a:lstStyle/>
-          <a:p>
-            <a:r>
-              <a:rPr lang="en-US" sz="1400" dirty="0"/>
-              <a:t>Non-Cricket</a:t>
-            </a:r>
-          </a:p>
-        </p:txBody>
-      </p:sp>
-      <p:sp>
-        <p:nvSpPr>
-          <p:cNvPr id="14" name="TextBox 13">
-            <a:extLst>
-              <a:ext uri="{FF2B5EF4-FFF2-40B4-BE49-F238E27FC236}">
-                <a16:creationId xmlns:a16="http://schemas.microsoft.com/office/drawing/2014/main" id="{7F395135-E9A4-4370-94BA-E392EB89C420}"/>
-              </a:ext>
-            </a:extLst>
-          </p:cNvPr>
-          <p:cNvSpPr txBox="1"/>
-          <p:nvPr/>
-        </p:nvSpPr>
-        <p:spPr>
-          <a:xfrm rot="16200000">
-            <a:off x="5958394" y="1764667"/>
-            <a:ext cx="1233030" cy="307777"/>
-          </a:xfrm>
-          <a:prstGeom prst="rect">
-            <a:avLst/>
-          </a:prstGeom>
-          <a:noFill/>
-        </p:spPr>
-        <p:txBody>
-          <a:bodyPr wrap="none" rtlCol="0">
-            <a:spAutoFit/>
-          </a:bodyPr>
-          <a:lstStyle/>
-          <a:p>
-            <a:r>
-              <a:rPr lang="en-US" sz="1400" dirty="0"/>
-              <a:t>England-ness?</a:t>
-            </a:r>
-          </a:p>
-        </p:txBody>
-      </p:sp>
-      <p:sp>
-        <p:nvSpPr>
-          <p:cNvPr id="15" name="TextBox 14">
-            <a:extLst>
-              <a:ext uri="{FF2B5EF4-FFF2-40B4-BE49-F238E27FC236}">
-                <a16:creationId xmlns:a16="http://schemas.microsoft.com/office/drawing/2014/main" id="{0B27258B-6F51-4225-A5C1-5E031308278F}"/>
-              </a:ext>
-            </a:extLst>
-          </p:cNvPr>
-          <p:cNvSpPr txBox="1"/>
-          <p:nvPr/>
-        </p:nvSpPr>
-        <p:spPr>
-          <a:xfrm rot="16200000">
-            <a:off x="5947173" y="5265697"/>
-            <a:ext cx="1255472" cy="307777"/>
-          </a:xfrm>
-          <a:prstGeom prst="rect">
-            <a:avLst/>
-          </a:prstGeom>
-          <a:noFill/>
-        </p:spPr>
-        <p:txBody>
-          <a:bodyPr wrap="none" rtlCol="0">
-            <a:spAutoFit/>
-          </a:bodyPr>
-          <a:lstStyle/>
-          <a:p>
-            <a:r>
-              <a:rPr lang="en-US" sz="1400" dirty="0"/>
-              <a:t>Pakistan-ness?</a:t>
-            </a:r>
-          </a:p>
-        </p:txBody>
-      </p:sp>
-      <p:cxnSp>
-        <p:nvCxnSpPr>
-          <p:cNvPr id="16" name="Straight Connector 15">
-            <a:extLst>
-              <a:ext uri="{FF2B5EF4-FFF2-40B4-BE49-F238E27FC236}">
-                <a16:creationId xmlns:a16="http://schemas.microsoft.com/office/drawing/2014/main" id="{B08FB0EA-7D1A-3F4B-8EC5-1F7D1FB5FB9A}"/>
-              </a:ext>
-            </a:extLst>
-          </p:cNvPr>
-          <p:cNvCxnSpPr/>
-          <p:nvPr/>
-        </p:nvCxnSpPr>
-        <p:spPr>
-          <a:xfrm>
-            <a:off x="6798363" y="6549885"/>
-            <a:ext cx="0" cy="182880"/>
-          </a:xfrm>
-          <a:prstGeom prst="line">
-            <a:avLst/>
-          </a:prstGeom>
-          <a:ln>
-            <a:solidFill>
-              <a:schemeClr val="bg1">
-                <a:lumMod val="85000"/>
-              </a:schemeClr>
-            </a:solidFill>
-          </a:ln>
-        </p:spPr>
-        <p:style>
-          <a:lnRef idx="1">
-            <a:schemeClr val="accent1"/>
-          </a:lnRef>
-          <a:fillRef idx="0">
-            <a:schemeClr val="accent1"/>
-          </a:fillRef>
-          <a:effectRef idx="0">
-            <a:schemeClr val="accent1"/>
-          </a:effectRef>
-          <a:fontRef idx="minor">
-            <a:schemeClr val="tx1"/>
-          </a:fontRef>
-        </p:style>
-      </p:cxnSp>
-      <p:cxnSp>
-        <p:nvCxnSpPr>
-          <p:cNvPr id="17" name="Straight Connector 16">
-            <a:extLst>
-              <a:ext uri="{FF2B5EF4-FFF2-40B4-BE49-F238E27FC236}">
-                <a16:creationId xmlns:a16="http://schemas.microsoft.com/office/drawing/2014/main" id="{A4FBC272-87BC-0D43-8DCE-189AA95656B7}"/>
+          <p:cNvPr id="8" name="Straight Connector 7">
+            <a:extLst>
+              <a:ext uri="{FF2B5EF4-FFF2-40B4-BE49-F238E27FC236}">
+                <a16:creationId xmlns:a16="http://schemas.microsoft.com/office/drawing/2014/main" id="{3DB40FE8-5691-9E43-9F64-17E493848484}"/>
               </a:ext>
             </a:extLst>
           </p:cNvPr>
@@ -8011,7 +7981,7 @@
     </p:spTree>
     <p:extLst>
       <p:ext uri="{BB962C8B-B14F-4D97-AF65-F5344CB8AC3E}">
-        <p14:creationId xmlns:p14="http://schemas.microsoft.com/office/powerpoint/2010/main" val="977003727"/>
+        <p14:creationId xmlns:p14="http://schemas.microsoft.com/office/powerpoint/2010/main" val="2037366798"/>
       </p:ext>
     </p:extLst>
   </p:cSld>
@@ -8043,7 +8013,7 @@
           <p:cNvPr id="2" name="Date Placeholder 1">
             <a:extLst>
               <a:ext uri="{FF2B5EF4-FFF2-40B4-BE49-F238E27FC236}">
-                <a16:creationId xmlns:a16="http://schemas.microsoft.com/office/drawing/2014/main" id="{69B4E7CC-AA1B-4156-9EE4-64316FF4A7F2}"/>
+                <a16:creationId xmlns:a16="http://schemas.microsoft.com/office/drawing/2014/main" id="{483710AC-7DD4-47F9-9E7C-2515755D0AB2}"/>
               </a:ext>
             </a:extLst>
           </p:cNvPr>
@@ -8061,7 +8031,7 @@
           <a:p>
             <a:fld id="{6700A58B-DD98-43D0-B791-721480A02982}" type="datetime1">
               <a:rPr lang="en-US" smtClean="0"/>
-              <a:t>1/1/21</a:t>
+              <a:t>1/10/21</a:t>
             </a:fld>
             <a:endParaRPr lang="en-US"/>
           </a:p>
@@ -8072,7 +8042,7 @@
           <p:cNvPr id="3" name="Title 2">
             <a:extLst>
               <a:ext uri="{FF2B5EF4-FFF2-40B4-BE49-F238E27FC236}">
-                <a16:creationId xmlns:a16="http://schemas.microsoft.com/office/drawing/2014/main" id="{D0518808-7363-4D87-A35D-6587D555674A}"/>
+                <a16:creationId xmlns:a16="http://schemas.microsoft.com/office/drawing/2014/main" id="{2A4513BF-7E9B-49A2-A3AE-8CA02D2714C6}"/>
               </a:ext>
             </a:extLst>
           </p:cNvPr>
@@ -8094,7 +8064,7 @@
             </a:r>
             <a:r>
               <a:rPr lang="en-US" dirty="0"/>
-              <a:t>: Interactive to show term distribution</a:t>
+              <a:t>: PCA of topics need to be interpreted</a:t>
             </a:r>
           </a:p>
         </p:txBody>
@@ -8104,7 +8074,7 @@
           <p:cNvPr id="4" name="Footer Placeholder 3">
             <a:extLst>
               <a:ext uri="{FF2B5EF4-FFF2-40B4-BE49-F238E27FC236}">
-                <a16:creationId xmlns:a16="http://schemas.microsoft.com/office/drawing/2014/main" id="{85DC7D7E-456C-4600-9038-F17E96DFE9EB}"/>
+                <a16:creationId xmlns:a16="http://schemas.microsoft.com/office/drawing/2014/main" id="{D410471F-BB86-4D1F-961D-76EF0B1C69BF}"/>
               </a:ext>
             </a:extLst>
           </p:cNvPr>
@@ -8133,7 +8103,7 @@
           <p:cNvPr id="5" name="Slide Number Placeholder 4">
             <a:extLst>
               <a:ext uri="{FF2B5EF4-FFF2-40B4-BE49-F238E27FC236}">
-                <a16:creationId xmlns:a16="http://schemas.microsoft.com/office/drawing/2014/main" id="{57EDC159-BE26-4478-8AF5-F405D818C734}"/>
+                <a16:creationId xmlns:a16="http://schemas.microsoft.com/office/drawing/2014/main" id="{80D1B1A1-237A-4A88-83EE-2540EC7B8A5B}"/>
               </a:ext>
             </a:extLst>
           </p:cNvPr>
@@ -8160,10 +8130,10 @@
       </p:sp>
       <p:pic>
         <p:nvPicPr>
-          <p:cNvPr id="6" name="Picture 5">
-            <a:extLst>
-              <a:ext uri="{FF2B5EF4-FFF2-40B4-BE49-F238E27FC236}">
-                <a16:creationId xmlns:a16="http://schemas.microsoft.com/office/drawing/2014/main" id="{C6A1F8E6-766C-4F37-B944-3CF5627EED4C}"/>
+          <p:cNvPr id="7" name="Picture 6">
+            <a:extLst>
+              <a:ext uri="{FF2B5EF4-FFF2-40B4-BE49-F238E27FC236}">
+                <a16:creationId xmlns:a16="http://schemas.microsoft.com/office/drawing/2014/main" id="{E93A5FBC-D708-427D-BF31-B80DEA2C874D}"/>
               </a:ext>
             </a:extLst>
           </p:cNvPr>
@@ -8180,8 +8150,8 @@
         </p:blipFill>
         <p:spPr>
           <a:xfrm>
-            <a:off x="432262" y="1228221"/>
-            <a:ext cx="8279476" cy="4877616"/>
+            <a:off x="628650" y="1507767"/>
+            <a:ext cx="3565813" cy="4297420"/>
           </a:xfrm>
           <a:prstGeom prst="rect">
             <a:avLst/>
@@ -8190,10 +8160,10 @@
       </p:pic>
       <p:cxnSp>
         <p:nvCxnSpPr>
-          <p:cNvPr id="7" name="Straight Connector 6">
-            <a:extLst>
-              <a:ext uri="{FF2B5EF4-FFF2-40B4-BE49-F238E27FC236}">
-                <a16:creationId xmlns:a16="http://schemas.microsoft.com/office/drawing/2014/main" id="{2B8BC300-630B-634A-A9B7-D34C5843DAC0}"/>
+          <p:cNvPr id="9" name="Straight Arrow Connector 8">
+            <a:extLst>
+              <a:ext uri="{FF2B5EF4-FFF2-40B4-BE49-F238E27FC236}">
+                <a16:creationId xmlns:a16="http://schemas.microsoft.com/office/drawing/2014/main" id="{E3113C13-BEBD-4C74-8520-D10122A5DD1C}"/>
               </a:ext>
             </a:extLst>
           </p:cNvPr>
@@ -8202,18 +8172,15 @@
         </p:nvCxnSpPr>
         <p:spPr>
           <a:xfrm>
-            <a:off x="6798363" y="6549885"/>
-            <a:ext cx="0" cy="182880"/>
-          </a:xfrm>
-          <a:prstGeom prst="line">
+            <a:off x="5170516" y="3434615"/>
+            <a:ext cx="3344834" cy="0"/>
+          </a:xfrm>
+          <a:prstGeom prst="straightConnector1">
             <a:avLst/>
           </a:prstGeom>
           <a:ln>
-            <a:solidFill>
-              <a:schemeClr val="bg1">
-                <a:lumMod val="85000"/>
-              </a:schemeClr>
-            </a:solidFill>
+            <a:headEnd type="triangle"/>
+            <a:tailEnd type="triangle"/>
           </a:ln>
         </p:spPr>
         <p:style>
@@ -8233,10 +8200,233 @@
       </p:cxnSp>
       <p:cxnSp>
         <p:nvCxnSpPr>
-          <p:cNvPr id="8" name="Straight Connector 7">
-            <a:extLst>
-              <a:ext uri="{FF2B5EF4-FFF2-40B4-BE49-F238E27FC236}">
-                <a16:creationId xmlns:a16="http://schemas.microsoft.com/office/drawing/2014/main" id="{4D64EFAB-7F41-4343-BC84-4101CDE062B4}"/>
+          <p:cNvPr id="11" name="Straight Arrow Connector 10">
+            <a:extLst>
+              <a:ext uri="{FF2B5EF4-FFF2-40B4-BE49-F238E27FC236}">
+                <a16:creationId xmlns:a16="http://schemas.microsoft.com/office/drawing/2014/main" id="{427AB6EB-0C39-4A7E-B2DA-029B2D27471D}"/>
+              </a:ext>
+            </a:extLst>
+          </p:cNvPr>
+          <p:cNvCxnSpPr/>
+          <p:nvPr/>
+        </p:nvCxnSpPr>
+        <p:spPr>
+          <a:xfrm>
+            <a:off x="6842933" y="1446422"/>
+            <a:ext cx="0" cy="3976387"/>
+          </a:xfrm>
+          <a:prstGeom prst="straightConnector1">
+            <a:avLst/>
+          </a:prstGeom>
+          <a:ln>
+            <a:headEnd type="triangle"/>
+            <a:tailEnd type="triangle"/>
+          </a:ln>
+        </p:spPr>
+        <p:style>
+          <a:lnRef idx="1">
+            <a:schemeClr val="accent1"/>
+          </a:lnRef>
+          <a:fillRef idx="0">
+            <a:schemeClr val="accent1"/>
+          </a:fillRef>
+          <a:effectRef idx="0">
+            <a:schemeClr val="accent1"/>
+          </a:effectRef>
+          <a:fontRef idx="minor">
+            <a:schemeClr val="tx1"/>
+          </a:fontRef>
+        </p:style>
+      </p:cxnSp>
+      <p:sp>
+        <p:nvSpPr>
+          <p:cNvPr id="12" name="TextBox 11">
+            <a:extLst>
+              <a:ext uri="{FF2B5EF4-FFF2-40B4-BE49-F238E27FC236}">
+                <a16:creationId xmlns:a16="http://schemas.microsoft.com/office/drawing/2014/main" id="{2AB74F40-A16E-4329-9538-A52306AE0D35}"/>
+              </a:ext>
+            </a:extLst>
+          </p:cNvPr>
+          <p:cNvSpPr txBox="1"/>
+          <p:nvPr/>
+        </p:nvSpPr>
+        <p:spPr>
+          <a:xfrm>
+            <a:off x="8240277" y="3102478"/>
+            <a:ext cx="686085" cy="307777"/>
+          </a:xfrm>
+          <a:prstGeom prst="rect">
+            <a:avLst/>
+          </a:prstGeom>
+          <a:noFill/>
+        </p:spPr>
+        <p:txBody>
+          <a:bodyPr wrap="none" rtlCol="0">
+            <a:spAutoFit/>
+          </a:bodyPr>
+          <a:lstStyle/>
+          <a:p>
+            <a:r>
+              <a:rPr lang="en-US" sz="1400" dirty="0"/>
+              <a:t>Cricket</a:t>
+            </a:r>
+          </a:p>
+        </p:txBody>
+      </p:sp>
+      <p:sp>
+        <p:nvSpPr>
+          <p:cNvPr id="13" name="TextBox 12">
+            <a:extLst>
+              <a:ext uri="{FF2B5EF4-FFF2-40B4-BE49-F238E27FC236}">
+                <a16:creationId xmlns:a16="http://schemas.microsoft.com/office/drawing/2014/main" id="{32C5EB55-5408-49B4-9F17-1654637EA46C}"/>
+              </a:ext>
+            </a:extLst>
+          </p:cNvPr>
+          <p:cNvSpPr txBox="1"/>
+          <p:nvPr/>
+        </p:nvSpPr>
+        <p:spPr>
+          <a:xfrm>
+            <a:off x="4576525" y="3121223"/>
+            <a:ext cx="1045158" cy="307777"/>
+          </a:xfrm>
+          <a:prstGeom prst="rect">
+            <a:avLst/>
+          </a:prstGeom>
+          <a:noFill/>
+        </p:spPr>
+        <p:txBody>
+          <a:bodyPr wrap="none" rtlCol="0">
+            <a:spAutoFit/>
+          </a:bodyPr>
+          <a:lstStyle/>
+          <a:p>
+            <a:r>
+              <a:rPr lang="en-US" sz="1400" dirty="0"/>
+              <a:t>Non-Cricket</a:t>
+            </a:r>
+          </a:p>
+        </p:txBody>
+      </p:sp>
+      <p:sp>
+        <p:nvSpPr>
+          <p:cNvPr id="14" name="TextBox 13">
+            <a:extLst>
+              <a:ext uri="{FF2B5EF4-FFF2-40B4-BE49-F238E27FC236}">
+                <a16:creationId xmlns:a16="http://schemas.microsoft.com/office/drawing/2014/main" id="{7F395135-E9A4-4370-94BA-E392EB89C420}"/>
+              </a:ext>
+            </a:extLst>
+          </p:cNvPr>
+          <p:cNvSpPr txBox="1"/>
+          <p:nvPr/>
+        </p:nvSpPr>
+        <p:spPr>
+          <a:xfrm rot="16200000">
+            <a:off x="5958394" y="1764667"/>
+            <a:ext cx="1233030" cy="307777"/>
+          </a:xfrm>
+          <a:prstGeom prst="rect">
+            <a:avLst/>
+          </a:prstGeom>
+          <a:noFill/>
+        </p:spPr>
+        <p:txBody>
+          <a:bodyPr wrap="none" rtlCol="0">
+            <a:spAutoFit/>
+          </a:bodyPr>
+          <a:lstStyle/>
+          <a:p>
+            <a:r>
+              <a:rPr lang="en-US" sz="1400" dirty="0"/>
+              <a:t>England-ness?</a:t>
+            </a:r>
+          </a:p>
+        </p:txBody>
+      </p:sp>
+      <p:sp>
+        <p:nvSpPr>
+          <p:cNvPr id="15" name="TextBox 14">
+            <a:extLst>
+              <a:ext uri="{FF2B5EF4-FFF2-40B4-BE49-F238E27FC236}">
+                <a16:creationId xmlns:a16="http://schemas.microsoft.com/office/drawing/2014/main" id="{0B27258B-6F51-4225-A5C1-5E031308278F}"/>
+              </a:ext>
+            </a:extLst>
+          </p:cNvPr>
+          <p:cNvSpPr txBox="1"/>
+          <p:nvPr/>
+        </p:nvSpPr>
+        <p:spPr>
+          <a:xfrm rot="16200000">
+            <a:off x="5947173" y="5265697"/>
+            <a:ext cx="1255472" cy="307777"/>
+          </a:xfrm>
+          <a:prstGeom prst="rect">
+            <a:avLst/>
+          </a:prstGeom>
+          <a:noFill/>
+        </p:spPr>
+        <p:txBody>
+          <a:bodyPr wrap="none" rtlCol="0">
+            <a:spAutoFit/>
+          </a:bodyPr>
+          <a:lstStyle/>
+          <a:p>
+            <a:r>
+              <a:rPr lang="en-US" sz="1400" dirty="0"/>
+              <a:t>Pakistan-ness?</a:t>
+            </a:r>
+          </a:p>
+        </p:txBody>
+      </p:sp>
+      <p:cxnSp>
+        <p:nvCxnSpPr>
+          <p:cNvPr id="16" name="Straight Connector 15">
+            <a:extLst>
+              <a:ext uri="{FF2B5EF4-FFF2-40B4-BE49-F238E27FC236}">
+                <a16:creationId xmlns:a16="http://schemas.microsoft.com/office/drawing/2014/main" id="{B08FB0EA-7D1A-3F4B-8EC5-1F7D1FB5FB9A}"/>
+              </a:ext>
+            </a:extLst>
+          </p:cNvPr>
+          <p:cNvCxnSpPr/>
+          <p:nvPr/>
+        </p:nvCxnSpPr>
+        <p:spPr>
+          <a:xfrm>
+            <a:off x="6798363" y="6549885"/>
+            <a:ext cx="0" cy="182880"/>
+          </a:xfrm>
+          <a:prstGeom prst="line">
+            <a:avLst/>
+          </a:prstGeom>
+          <a:ln>
+            <a:solidFill>
+              <a:schemeClr val="bg1">
+                <a:lumMod val="85000"/>
+              </a:schemeClr>
+            </a:solidFill>
+          </a:ln>
+        </p:spPr>
+        <p:style>
+          <a:lnRef idx="1">
+            <a:schemeClr val="accent1"/>
+          </a:lnRef>
+          <a:fillRef idx="0">
+            <a:schemeClr val="accent1"/>
+          </a:fillRef>
+          <a:effectRef idx="0">
+            <a:schemeClr val="accent1"/>
+          </a:effectRef>
+          <a:fontRef idx="minor">
+            <a:schemeClr val="tx1"/>
+          </a:fontRef>
+        </p:style>
+      </p:cxnSp>
+      <p:cxnSp>
+        <p:nvCxnSpPr>
+          <p:cNvPr id="17" name="Straight Connector 16">
+            <a:extLst>
+              <a:ext uri="{FF2B5EF4-FFF2-40B4-BE49-F238E27FC236}">
+                <a16:creationId xmlns:a16="http://schemas.microsoft.com/office/drawing/2014/main" id="{A4FBC272-87BC-0D43-8DCE-189AA95656B7}"/>
               </a:ext>
             </a:extLst>
           </p:cNvPr>
@@ -8277,7 +8467,7 @@
     </p:spTree>
     <p:extLst>
       <p:ext uri="{BB962C8B-B14F-4D97-AF65-F5344CB8AC3E}">
-        <p14:creationId xmlns:p14="http://schemas.microsoft.com/office/powerpoint/2010/main" val="1947970286"/>
+        <p14:creationId xmlns:p14="http://schemas.microsoft.com/office/powerpoint/2010/main" val="977003727"/>
       </p:ext>
     </p:extLst>
   </p:cSld>
@@ -8306,13 +8496,58 @@
       </p:grpSpPr>
       <p:sp>
         <p:nvSpPr>
-          <p:cNvPr id="2" name="Date Placeholder 1">
-            <a:extLst>
-              <a:ext uri="{FF2B5EF4-FFF2-40B4-BE49-F238E27FC236}">
-                <a16:creationId xmlns:a16="http://schemas.microsoft.com/office/drawing/2014/main" id="{3728DC17-3484-4A87-A056-F55CBA2C41BB}"/>
-              </a:ext>
-            </a:extLst>
-          </p:cNvPr>
+          <p:cNvPr id="2" name="Title 1"/>
+          <p:cNvSpPr>
+            <a:spLocks noGrp="1"/>
+          </p:cNvSpPr>
+          <p:nvPr>
+            <p:ph type="ctrTitle"/>
+          </p:nvPr>
+        </p:nvSpPr>
+        <p:spPr/>
+        <p:txBody>
+          <a:bodyPr/>
+          <a:lstStyle/>
+          <a:p>
+            <a:r>
+              <a:rPr lang="en-US" dirty="0"/>
+              <a:t>Text &amp; </a:t>
+            </a:r>
+            <a:br>
+              <a:rPr lang="en-US" dirty="0"/>
+            </a:br>
+            <a:r>
+              <a:rPr lang="en-US" dirty="0"/>
+              <a:t>Un-Supervised Learning</a:t>
+            </a:r>
+          </a:p>
+        </p:txBody>
+      </p:sp>
+      <p:sp>
+        <p:nvSpPr>
+          <p:cNvPr id="3" name="Subtitle 2"/>
+          <p:cNvSpPr>
+            <a:spLocks noGrp="1"/>
+          </p:cNvSpPr>
+          <p:nvPr>
+            <p:ph type="subTitle" idx="1"/>
+          </p:nvPr>
+        </p:nvSpPr>
+        <p:spPr/>
+        <p:txBody>
+          <a:bodyPr/>
+          <a:lstStyle/>
+          <a:p>
+            <a:r>
+              <a:rPr lang="en-US" dirty="0"/>
+              <a:t>Ted Kwartler</a:t>
+            </a:r>
+          </a:p>
+        </p:txBody>
+      </p:sp>
+      <p:sp>
+        <p:nvSpPr>
+          <p:cNvPr id="4" name="Date Placeholder 3"/>
           <p:cNvSpPr>
             <a:spLocks noGrp="1"/>
           </p:cNvSpPr>
@@ -8325,9 +8560,202 @@
           <a:bodyPr/>
           <a:lstStyle/>
           <a:p>
+            <a:fld id="{5738B90E-0779-4C36-915C-6F05FCD89456}" type="datetime1">
+              <a:rPr lang="en-US" smtClean="0"/>
+              <a:pPr/>
+              <a:t>1/10/21</a:t>
+            </a:fld>
+            <a:endParaRPr lang="en-US"/>
+          </a:p>
+        </p:txBody>
+      </p:sp>
+      <p:sp>
+        <p:nvSpPr>
+          <p:cNvPr id="6" name="Footer Placeholder 5"/>
+          <p:cNvSpPr>
+            <a:spLocks noGrp="1"/>
+          </p:cNvSpPr>
+          <p:nvPr>
+            <p:ph type="ftr" sz="quarter" idx="3"/>
+          </p:nvPr>
+        </p:nvSpPr>
+        <p:spPr/>
+        <p:txBody>
+          <a:bodyPr/>
+          <a:lstStyle/>
+          <a:p>
+            <a:r>
+              <a:rPr lang="en-US"/>
+              <a:t>Kwartler</a:t>
+            </a:r>
+            <a:endParaRPr lang="en-US" dirty="0"/>
+          </a:p>
+        </p:txBody>
+      </p:sp>
+      <p:sp>
+        <p:nvSpPr>
+          <p:cNvPr id="5" name="Slide Number Placeholder 4"/>
+          <p:cNvSpPr>
+            <a:spLocks noGrp="1"/>
+          </p:cNvSpPr>
+          <p:nvPr>
+            <p:ph type="sldNum" sz="quarter" idx="4"/>
+          </p:nvPr>
+        </p:nvSpPr>
+        <p:spPr/>
+        <p:txBody>
+          <a:bodyPr/>
+          <a:lstStyle/>
+          <a:p>
+            <a:fld id="{37290FF7-652B-4475-AEAB-8B1A5D23AE09}" type="slidenum">
+              <a:rPr lang="en-US" smtClean="0"/>
+              <a:pPr/>
+              <a:t>2</a:t>
+            </a:fld>
+            <a:endParaRPr lang="en-US"/>
+          </a:p>
+        </p:txBody>
+      </p:sp>
+      <p:cxnSp>
+        <p:nvCxnSpPr>
+          <p:cNvPr id="7" name="Straight Connector 6">
+            <a:extLst>
+              <a:ext uri="{FF2B5EF4-FFF2-40B4-BE49-F238E27FC236}">
+                <a16:creationId xmlns:a16="http://schemas.microsoft.com/office/drawing/2014/main" id="{3071EF48-36DA-6542-AABF-08E97412DCD4}"/>
+              </a:ext>
+            </a:extLst>
+          </p:cNvPr>
+          <p:cNvCxnSpPr/>
+          <p:nvPr/>
+        </p:nvCxnSpPr>
+        <p:spPr>
+          <a:xfrm>
+            <a:off x="6798363" y="6549885"/>
+            <a:ext cx="0" cy="182880"/>
+          </a:xfrm>
+          <a:prstGeom prst="line">
+            <a:avLst/>
+          </a:prstGeom>
+          <a:ln>
+            <a:solidFill>
+              <a:schemeClr val="bg1">
+                <a:lumMod val="85000"/>
+              </a:schemeClr>
+            </a:solidFill>
+          </a:ln>
+        </p:spPr>
+        <p:style>
+          <a:lnRef idx="1">
+            <a:schemeClr val="accent1"/>
+          </a:lnRef>
+          <a:fillRef idx="0">
+            <a:schemeClr val="accent1"/>
+          </a:fillRef>
+          <a:effectRef idx="0">
+            <a:schemeClr val="accent1"/>
+          </a:effectRef>
+          <a:fontRef idx="minor">
+            <a:schemeClr val="tx1"/>
+          </a:fontRef>
+        </p:style>
+      </p:cxnSp>
+      <p:cxnSp>
+        <p:nvCxnSpPr>
+          <p:cNvPr id="8" name="Straight Connector 7">
+            <a:extLst>
+              <a:ext uri="{FF2B5EF4-FFF2-40B4-BE49-F238E27FC236}">
+                <a16:creationId xmlns:a16="http://schemas.microsoft.com/office/drawing/2014/main" id="{77D2D9A1-7C2C-724D-B838-E00E0AA3895A}"/>
+              </a:ext>
+            </a:extLst>
+          </p:cNvPr>
+          <p:cNvCxnSpPr/>
+          <p:nvPr/>
+        </p:nvCxnSpPr>
+        <p:spPr>
+          <a:xfrm>
+            <a:off x="7076661" y="4664763"/>
+            <a:ext cx="182880" cy="0"/>
+          </a:xfrm>
+          <a:prstGeom prst="line">
+            <a:avLst/>
+          </a:prstGeom>
+          <a:ln>
+            <a:solidFill>
+              <a:schemeClr val="bg1">
+                <a:lumMod val="85000"/>
+              </a:schemeClr>
+            </a:solidFill>
+          </a:ln>
+        </p:spPr>
+        <p:style>
+          <a:lnRef idx="1">
+            <a:schemeClr val="accent1"/>
+          </a:lnRef>
+          <a:fillRef idx="0">
+            <a:schemeClr val="accent1"/>
+          </a:fillRef>
+          <a:effectRef idx="0">
+            <a:schemeClr val="accent1"/>
+          </a:effectRef>
+          <a:fontRef idx="minor">
+            <a:schemeClr val="tx1"/>
+          </a:fontRef>
+        </p:style>
+      </p:cxnSp>
+    </p:spTree>
+    <p:extLst>
+      <p:ext uri="{BB962C8B-B14F-4D97-AF65-F5344CB8AC3E}">
+        <p14:creationId xmlns:p14="http://schemas.microsoft.com/office/powerpoint/2010/main" val="1912304128"/>
+      </p:ext>
+    </p:extLst>
+  </p:cSld>
+  <p:clrMapOvr>
+    <a:masterClrMapping/>
+  </p:clrMapOvr>
+</p:sld>
+</file>
+
+<file path=ppt/slides/slide20.xml><?xml version="1.0" encoding="utf-8"?>
+<p:sld xmlns:a="http://schemas.openxmlformats.org/drawingml/2006/main" xmlns:r="http://schemas.openxmlformats.org/officeDocument/2006/relationships" xmlns:p="http://schemas.openxmlformats.org/presentationml/2006/main">
+  <p:cSld>
+    <p:spTree>
+      <p:nvGrpSpPr>
+        <p:cNvPr id="1" name=""/>
+        <p:cNvGrpSpPr/>
+        <p:nvPr/>
+      </p:nvGrpSpPr>
+      <p:grpSpPr>
+        <a:xfrm>
+          <a:off x="0" y="0"/>
+          <a:ext cx="0" cy="0"/>
+          <a:chOff x="0" y="0"/>
+          <a:chExt cx="0" cy="0"/>
+        </a:xfrm>
+      </p:grpSpPr>
+      <p:sp>
+        <p:nvSpPr>
+          <p:cNvPr id="2" name="Date Placeholder 1">
+            <a:extLst>
+              <a:ext uri="{FF2B5EF4-FFF2-40B4-BE49-F238E27FC236}">
+                <a16:creationId xmlns:a16="http://schemas.microsoft.com/office/drawing/2014/main" id="{69B4E7CC-AA1B-4156-9EE4-64316FF4A7F2}"/>
+              </a:ext>
+            </a:extLst>
+          </p:cNvPr>
+          <p:cNvSpPr>
+            <a:spLocks noGrp="1"/>
+          </p:cNvSpPr>
+          <p:nvPr>
+            <p:ph type="dt" sz="half" idx="10"/>
+          </p:nvPr>
+        </p:nvSpPr>
+        <p:spPr/>
+        <p:txBody>
+          <a:bodyPr/>
+          <a:lstStyle/>
+          <a:p>
             <a:fld id="{6700A58B-DD98-43D0-B791-721480A02982}" type="datetime1">
               <a:rPr lang="en-US" smtClean="0"/>
-              <a:t>1/1/21</a:t>
+              <a:t>1/10/21</a:t>
             </a:fld>
             <a:endParaRPr lang="en-US"/>
           </a:p>
@@ -8338,7 +8766,7 @@
           <p:cNvPr id="3" name="Title 2">
             <a:extLst>
               <a:ext uri="{FF2B5EF4-FFF2-40B4-BE49-F238E27FC236}">
-                <a16:creationId xmlns:a16="http://schemas.microsoft.com/office/drawing/2014/main" id="{50A1C8B0-E959-485F-8DF7-20C85B3661D4}"/>
+                <a16:creationId xmlns:a16="http://schemas.microsoft.com/office/drawing/2014/main" id="{D0518808-7363-4D87-A35D-6587D555674A}"/>
               </a:ext>
             </a:extLst>
           </p:cNvPr>
@@ -8355,8 +8783,12 @@
           <a:lstStyle/>
           <a:p>
             <a:r>
+              <a:rPr lang="en-US" dirty="0" err="1"/>
+              <a:t>LDAvis</a:t>
+            </a:r>
+            <a:r>
               <a:rPr lang="en-US" dirty="0"/>
-              <a:t>Machine Learning Supervised Learning</a:t>
+              <a:t>: Interactive to show term distribution</a:t>
             </a:r>
           </a:p>
         </p:txBody>
@@ -8366,7 +8798,7 @@
           <p:cNvPr id="4" name="Footer Placeholder 3">
             <a:extLst>
               <a:ext uri="{FF2B5EF4-FFF2-40B4-BE49-F238E27FC236}">
-                <a16:creationId xmlns:a16="http://schemas.microsoft.com/office/drawing/2014/main" id="{EC170510-B545-44DA-B6F4-501A364A2A68}"/>
+                <a16:creationId xmlns:a16="http://schemas.microsoft.com/office/drawing/2014/main" id="{85DC7D7E-456C-4600-9038-F17E96DFE9EB}"/>
               </a:ext>
             </a:extLst>
           </p:cNvPr>
@@ -8395,7 +8827,7 @@
           <p:cNvPr id="5" name="Slide Number Placeholder 4">
             <a:extLst>
               <a:ext uri="{FF2B5EF4-FFF2-40B4-BE49-F238E27FC236}">
-                <a16:creationId xmlns:a16="http://schemas.microsoft.com/office/drawing/2014/main" id="{99B04A1B-4969-4AB5-9F4D-39ECB9F302FA}"/>
+                <a16:creationId xmlns:a16="http://schemas.microsoft.com/office/drawing/2014/main" id="{57EDC159-BE26-4478-8AF5-F405D818C734}"/>
               </a:ext>
             </a:extLst>
           </p:cNvPr>
@@ -8414,7 +8846,644 @@
             <a:fld id="{37290FF7-652B-4475-AEAB-8B1A5D23AE09}" type="slidenum">
               <a:rPr lang="en-US" smtClean="0"/>
               <a:pPr/>
-              <a:t>2</a:t>
+              <a:t>20</a:t>
+            </a:fld>
+            <a:endParaRPr lang="en-US" dirty="0"/>
+          </a:p>
+        </p:txBody>
+      </p:sp>
+      <p:pic>
+        <p:nvPicPr>
+          <p:cNvPr id="6" name="Picture 5">
+            <a:extLst>
+              <a:ext uri="{FF2B5EF4-FFF2-40B4-BE49-F238E27FC236}">
+                <a16:creationId xmlns:a16="http://schemas.microsoft.com/office/drawing/2014/main" id="{C6A1F8E6-766C-4F37-B944-3CF5627EED4C}"/>
+              </a:ext>
+            </a:extLst>
+          </p:cNvPr>
+          <p:cNvPicPr>
+            <a:picLocks noChangeAspect="1"/>
+          </p:cNvPicPr>
+          <p:nvPr/>
+        </p:nvPicPr>
+        <p:blipFill>
+          <a:blip r:embed="rId2"/>
+          <a:stretch>
+            <a:fillRect/>
+          </a:stretch>
+        </p:blipFill>
+        <p:spPr>
+          <a:xfrm>
+            <a:off x="432262" y="1228221"/>
+            <a:ext cx="8279476" cy="4877616"/>
+          </a:xfrm>
+          <a:prstGeom prst="rect">
+            <a:avLst/>
+          </a:prstGeom>
+        </p:spPr>
+      </p:pic>
+      <p:cxnSp>
+        <p:nvCxnSpPr>
+          <p:cNvPr id="7" name="Straight Connector 6">
+            <a:extLst>
+              <a:ext uri="{FF2B5EF4-FFF2-40B4-BE49-F238E27FC236}">
+                <a16:creationId xmlns:a16="http://schemas.microsoft.com/office/drawing/2014/main" id="{2B8BC300-630B-634A-A9B7-D34C5843DAC0}"/>
+              </a:ext>
+            </a:extLst>
+          </p:cNvPr>
+          <p:cNvCxnSpPr/>
+          <p:nvPr/>
+        </p:nvCxnSpPr>
+        <p:spPr>
+          <a:xfrm>
+            <a:off x="6798363" y="6549885"/>
+            <a:ext cx="0" cy="182880"/>
+          </a:xfrm>
+          <a:prstGeom prst="line">
+            <a:avLst/>
+          </a:prstGeom>
+          <a:ln>
+            <a:solidFill>
+              <a:schemeClr val="bg1">
+                <a:lumMod val="85000"/>
+              </a:schemeClr>
+            </a:solidFill>
+          </a:ln>
+        </p:spPr>
+        <p:style>
+          <a:lnRef idx="1">
+            <a:schemeClr val="accent1"/>
+          </a:lnRef>
+          <a:fillRef idx="0">
+            <a:schemeClr val="accent1"/>
+          </a:fillRef>
+          <a:effectRef idx="0">
+            <a:schemeClr val="accent1"/>
+          </a:effectRef>
+          <a:fontRef idx="minor">
+            <a:schemeClr val="tx1"/>
+          </a:fontRef>
+        </p:style>
+      </p:cxnSp>
+      <p:cxnSp>
+        <p:nvCxnSpPr>
+          <p:cNvPr id="8" name="Straight Connector 7">
+            <a:extLst>
+              <a:ext uri="{FF2B5EF4-FFF2-40B4-BE49-F238E27FC236}">
+                <a16:creationId xmlns:a16="http://schemas.microsoft.com/office/drawing/2014/main" id="{4D64EFAB-7F41-4343-BC84-4101CDE062B4}"/>
+              </a:ext>
+            </a:extLst>
+          </p:cNvPr>
+          <p:cNvCxnSpPr/>
+          <p:nvPr/>
+        </p:nvCxnSpPr>
+        <p:spPr>
+          <a:xfrm>
+            <a:off x="7076661" y="4664763"/>
+            <a:ext cx="182880" cy="0"/>
+          </a:xfrm>
+          <a:prstGeom prst="line">
+            <a:avLst/>
+          </a:prstGeom>
+          <a:ln>
+            <a:solidFill>
+              <a:schemeClr val="bg1">
+                <a:lumMod val="85000"/>
+              </a:schemeClr>
+            </a:solidFill>
+          </a:ln>
+        </p:spPr>
+        <p:style>
+          <a:lnRef idx="1">
+            <a:schemeClr val="accent1"/>
+          </a:lnRef>
+          <a:fillRef idx="0">
+            <a:schemeClr val="accent1"/>
+          </a:fillRef>
+          <a:effectRef idx="0">
+            <a:schemeClr val="accent1"/>
+          </a:effectRef>
+          <a:fontRef idx="minor">
+            <a:schemeClr val="tx1"/>
+          </a:fontRef>
+        </p:style>
+      </p:cxnSp>
+    </p:spTree>
+    <p:extLst>
+      <p:ext uri="{BB962C8B-B14F-4D97-AF65-F5344CB8AC3E}">
+        <p14:creationId xmlns:p14="http://schemas.microsoft.com/office/powerpoint/2010/main" val="1947970286"/>
+      </p:ext>
+    </p:extLst>
+  </p:cSld>
+  <p:clrMapOvr>
+    <a:masterClrMapping/>
+  </p:clrMapOvr>
+</p:sld>
+</file>
+
+<file path=ppt/slides/slide21.xml><?xml version="1.0" encoding="utf-8"?>
+<p:sld xmlns:a="http://schemas.openxmlformats.org/drawingml/2006/main" xmlns:r="http://schemas.openxmlformats.org/officeDocument/2006/relationships" xmlns:p="http://schemas.openxmlformats.org/presentationml/2006/main">
+  <p:cSld>
+    <p:spTree>
+      <p:nvGrpSpPr>
+        <p:cNvPr id="1" name=""/>
+        <p:cNvGrpSpPr/>
+        <p:nvPr/>
+      </p:nvGrpSpPr>
+      <p:grpSpPr>
+        <a:xfrm>
+          <a:off x="0" y="0"/>
+          <a:ext cx="0" cy="0"/>
+          <a:chOff x="0" y="0"/>
+          <a:chExt cx="0" cy="0"/>
+        </a:xfrm>
+      </p:grpSpPr>
+      <p:sp>
+        <p:nvSpPr>
+          <p:cNvPr id="2" name="Date Placeholder 1">
+            <a:extLst>
+              <a:ext uri="{FF2B5EF4-FFF2-40B4-BE49-F238E27FC236}">
+                <a16:creationId xmlns:a16="http://schemas.microsoft.com/office/drawing/2014/main" id="{9BA4292B-986D-44A5-AC64-1181E2865657}"/>
+              </a:ext>
+            </a:extLst>
+          </p:cNvPr>
+          <p:cNvSpPr>
+            <a:spLocks noGrp="1"/>
+          </p:cNvSpPr>
+          <p:nvPr>
+            <p:ph type="dt" sz="half" idx="10"/>
+          </p:nvPr>
+        </p:nvSpPr>
+        <p:spPr/>
+        <p:txBody>
+          <a:bodyPr/>
+          <a:lstStyle/>
+          <a:p>
+            <a:fld id="{6700A58B-DD98-43D0-B791-721480A02982}" type="datetime1">
+              <a:rPr lang="en-US" smtClean="0"/>
+              <a:t>1/10/21</a:t>
+            </a:fld>
+            <a:endParaRPr lang="en-US"/>
+          </a:p>
+        </p:txBody>
+      </p:sp>
+      <p:sp>
+        <p:nvSpPr>
+          <p:cNvPr id="3" name="Title 2">
+            <a:extLst>
+              <a:ext uri="{FF2B5EF4-FFF2-40B4-BE49-F238E27FC236}">
+                <a16:creationId xmlns:a16="http://schemas.microsoft.com/office/drawing/2014/main" id="{B3E5548B-DA7A-422C-B64C-7BC37E5A3E51}"/>
+              </a:ext>
+            </a:extLst>
+          </p:cNvPr>
+          <p:cNvSpPr>
+            <a:spLocks noGrp="1"/>
+          </p:cNvSpPr>
+          <p:nvPr>
+            <p:ph type="title"/>
+          </p:nvPr>
+        </p:nvSpPr>
+        <p:spPr/>
+        <p:txBody>
+          <a:bodyPr/>
+          <a:lstStyle/>
+          <a:p>
+            <a:r>
+              <a:rPr lang="en-US" dirty="0"/>
+              <a:t>Interpreting a </a:t>
+            </a:r>
+            <a:r>
+              <a:rPr lang="en-US" dirty="0" err="1"/>
+              <a:t>TreeMap</a:t>
+            </a:r>
+            <a:r>
+              <a:rPr lang="en-US" dirty="0"/>
+              <a:t>: Multi-dimensional</a:t>
+            </a:r>
+          </a:p>
+        </p:txBody>
+      </p:sp>
+      <p:sp>
+        <p:nvSpPr>
+          <p:cNvPr id="4" name="Footer Placeholder 3">
+            <a:extLst>
+              <a:ext uri="{FF2B5EF4-FFF2-40B4-BE49-F238E27FC236}">
+                <a16:creationId xmlns:a16="http://schemas.microsoft.com/office/drawing/2014/main" id="{48A07C27-6293-49AD-8099-D3F50CA43B5A}"/>
+              </a:ext>
+            </a:extLst>
+          </p:cNvPr>
+          <p:cNvSpPr>
+            <a:spLocks noGrp="1"/>
+          </p:cNvSpPr>
+          <p:nvPr>
+            <p:ph type="ftr" sz="quarter" idx="3"/>
+          </p:nvPr>
+        </p:nvSpPr>
+        <p:spPr/>
+        <p:txBody>
+          <a:bodyPr/>
+          <a:lstStyle/>
+          <a:p>
+            <a:r>
+              <a:rPr lang="en-US"/>
+              <a:t>Kwartler</a:t>
+            </a:r>
+            <a:endParaRPr lang="en-US" dirty="0"/>
+          </a:p>
+        </p:txBody>
+      </p:sp>
+      <p:sp>
+        <p:nvSpPr>
+          <p:cNvPr id="5" name="Slide Number Placeholder 4">
+            <a:extLst>
+              <a:ext uri="{FF2B5EF4-FFF2-40B4-BE49-F238E27FC236}">
+                <a16:creationId xmlns:a16="http://schemas.microsoft.com/office/drawing/2014/main" id="{7F40F8E2-C7CD-4446-BDBF-1668AED3FA20}"/>
+              </a:ext>
+            </a:extLst>
+          </p:cNvPr>
+          <p:cNvSpPr>
+            <a:spLocks noGrp="1"/>
+          </p:cNvSpPr>
+          <p:nvPr>
+            <p:ph type="sldNum" sz="quarter" idx="4"/>
+          </p:nvPr>
+        </p:nvSpPr>
+        <p:spPr/>
+        <p:txBody>
+          <a:bodyPr/>
+          <a:lstStyle/>
+          <a:p>
+            <a:fld id="{37290FF7-652B-4475-AEAB-8B1A5D23AE09}" type="slidenum">
+              <a:rPr lang="en-US" smtClean="0"/>
+              <a:pPr/>
+              <a:t>21</a:t>
+            </a:fld>
+            <a:endParaRPr lang="en-US" dirty="0"/>
+          </a:p>
+        </p:txBody>
+      </p:sp>
+      <p:pic>
+        <p:nvPicPr>
+          <p:cNvPr id="6" name="Picture 5">
+            <a:extLst>
+              <a:ext uri="{FF2B5EF4-FFF2-40B4-BE49-F238E27FC236}">
+                <a16:creationId xmlns:a16="http://schemas.microsoft.com/office/drawing/2014/main" id="{70CFDBC9-F6F2-483D-9295-01B03890A9A9}"/>
+              </a:ext>
+            </a:extLst>
+          </p:cNvPr>
+          <p:cNvPicPr>
+            <a:picLocks noChangeAspect="1"/>
+          </p:cNvPicPr>
+          <p:nvPr/>
+        </p:nvPicPr>
+        <p:blipFill>
+          <a:blip r:embed="rId2"/>
+          <a:stretch>
+            <a:fillRect/>
+          </a:stretch>
+        </p:blipFill>
+        <p:spPr>
+          <a:xfrm>
+            <a:off x="97982" y="1073933"/>
+            <a:ext cx="8948037" cy="3800767"/>
+          </a:xfrm>
+          <a:prstGeom prst="rect">
+            <a:avLst/>
+          </a:prstGeom>
+        </p:spPr>
+      </p:pic>
+      <p:sp>
+        <p:nvSpPr>
+          <p:cNvPr id="7" name="TextBox 6">
+            <a:extLst>
+              <a:ext uri="{FF2B5EF4-FFF2-40B4-BE49-F238E27FC236}">
+                <a16:creationId xmlns:a16="http://schemas.microsoft.com/office/drawing/2014/main" id="{87CEC70F-FD4B-4DCC-92E6-66BC30369DA1}"/>
+              </a:ext>
+            </a:extLst>
+          </p:cNvPr>
+          <p:cNvSpPr txBox="1"/>
+          <p:nvPr/>
+        </p:nvSpPr>
+        <p:spPr>
+          <a:xfrm>
+            <a:off x="109537" y="4995542"/>
+            <a:ext cx="6802251" cy="738664"/>
+          </a:xfrm>
+          <a:prstGeom prst="rect">
+            <a:avLst/>
+          </a:prstGeom>
+          <a:noFill/>
+        </p:spPr>
+        <p:txBody>
+          <a:bodyPr wrap="square" rtlCol="0">
+            <a:spAutoFit/>
+          </a:bodyPr>
+          <a:lstStyle/>
+          <a:p>
+            <a:r>
+              <a:rPr lang="en-US" sz="1400" dirty="0"/>
+              <a:t>Thick black lines: LDA defined Topic; named by 5 most typical words</a:t>
+            </a:r>
+          </a:p>
+          <a:p>
+            <a:r>
+              <a:rPr lang="en-US" sz="1400" dirty="0"/>
+              <a:t>Color: Polarity</a:t>
+            </a:r>
+          </a:p>
+          <a:p>
+            <a:r>
+              <a:rPr lang="en-US" sz="1400" dirty="0"/>
+              <a:t>Area: individual doc area is proportional to number of words</a:t>
+            </a:r>
+          </a:p>
+        </p:txBody>
+      </p:sp>
+      <p:sp>
+        <p:nvSpPr>
+          <p:cNvPr id="8" name="Rectangle 7">
+            <a:extLst>
+              <a:ext uri="{FF2B5EF4-FFF2-40B4-BE49-F238E27FC236}">
+                <a16:creationId xmlns:a16="http://schemas.microsoft.com/office/drawing/2014/main" id="{517953C8-5097-4896-9433-C5729BC0F0A4}"/>
+              </a:ext>
+            </a:extLst>
+          </p:cNvPr>
+          <p:cNvSpPr/>
+          <p:nvPr/>
+        </p:nvSpPr>
+        <p:spPr>
+          <a:xfrm>
+            <a:off x="109539" y="5741894"/>
+            <a:ext cx="6721568" cy="508643"/>
+          </a:xfrm>
+          <a:prstGeom prst="rect">
+            <a:avLst/>
+          </a:prstGeom>
+          <a:solidFill>
+            <a:schemeClr val="accent6">
+              <a:lumMod val="60000"/>
+              <a:lumOff val="40000"/>
+            </a:schemeClr>
+          </a:solidFill>
+          <a:ln>
+            <a:noFill/>
+          </a:ln>
+        </p:spPr>
+        <p:style>
+          <a:lnRef idx="2">
+            <a:schemeClr val="accent1">
+              <a:shade val="50000"/>
+            </a:schemeClr>
+          </a:lnRef>
+          <a:fillRef idx="1">
+            <a:schemeClr val="accent1"/>
+          </a:fillRef>
+          <a:effectRef idx="0">
+            <a:schemeClr val="accent1"/>
+          </a:effectRef>
+          <a:fontRef idx="minor">
+            <a:schemeClr val="lt1"/>
+          </a:fontRef>
+        </p:style>
+        <p:txBody>
+          <a:bodyPr rtlCol="0" anchor="ctr"/>
+          <a:lstStyle/>
+          <a:p>
+            <a:pPr algn="ctr"/>
+            <a:r>
+              <a:rPr lang="en-US" sz="1600" dirty="0"/>
+              <a:t>This shows the Guardian write positive and longer articles about Pakistan related to cricket than other topics.</a:t>
+            </a:r>
+          </a:p>
+        </p:txBody>
+      </p:sp>
+      <p:cxnSp>
+        <p:nvCxnSpPr>
+          <p:cNvPr id="9" name="Straight Connector 8">
+            <a:extLst>
+              <a:ext uri="{FF2B5EF4-FFF2-40B4-BE49-F238E27FC236}">
+                <a16:creationId xmlns:a16="http://schemas.microsoft.com/office/drawing/2014/main" id="{53EFD68A-BE08-0747-ACD7-264C4E35619D}"/>
+              </a:ext>
+            </a:extLst>
+          </p:cNvPr>
+          <p:cNvCxnSpPr/>
+          <p:nvPr/>
+        </p:nvCxnSpPr>
+        <p:spPr>
+          <a:xfrm>
+            <a:off x="6798363" y="6549885"/>
+            <a:ext cx="0" cy="182880"/>
+          </a:xfrm>
+          <a:prstGeom prst="line">
+            <a:avLst/>
+          </a:prstGeom>
+          <a:ln>
+            <a:solidFill>
+              <a:schemeClr val="bg1">
+                <a:lumMod val="85000"/>
+              </a:schemeClr>
+            </a:solidFill>
+          </a:ln>
+        </p:spPr>
+        <p:style>
+          <a:lnRef idx="1">
+            <a:schemeClr val="accent1"/>
+          </a:lnRef>
+          <a:fillRef idx="0">
+            <a:schemeClr val="accent1"/>
+          </a:fillRef>
+          <a:effectRef idx="0">
+            <a:schemeClr val="accent1"/>
+          </a:effectRef>
+          <a:fontRef idx="minor">
+            <a:schemeClr val="tx1"/>
+          </a:fontRef>
+        </p:style>
+      </p:cxnSp>
+      <p:cxnSp>
+        <p:nvCxnSpPr>
+          <p:cNvPr id="10" name="Straight Connector 9">
+            <a:extLst>
+              <a:ext uri="{FF2B5EF4-FFF2-40B4-BE49-F238E27FC236}">
+                <a16:creationId xmlns:a16="http://schemas.microsoft.com/office/drawing/2014/main" id="{AC5A6FEF-B39A-FD45-9E9C-351260CB19F2}"/>
+              </a:ext>
+            </a:extLst>
+          </p:cNvPr>
+          <p:cNvCxnSpPr/>
+          <p:nvPr/>
+        </p:nvCxnSpPr>
+        <p:spPr>
+          <a:xfrm>
+            <a:off x="7076661" y="4664763"/>
+            <a:ext cx="182880" cy="0"/>
+          </a:xfrm>
+          <a:prstGeom prst="line">
+            <a:avLst/>
+          </a:prstGeom>
+          <a:ln>
+            <a:solidFill>
+              <a:schemeClr val="bg1">
+                <a:lumMod val="85000"/>
+              </a:schemeClr>
+            </a:solidFill>
+          </a:ln>
+        </p:spPr>
+        <p:style>
+          <a:lnRef idx="1">
+            <a:schemeClr val="accent1"/>
+          </a:lnRef>
+          <a:fillRef idx="0">
+            <a:schemeClr val="accent1"/>
+          </a:fillRef>
+          <a:effectRef idx="0">
+            <a:schemeClr val="accent1"/>
+          </a:effectRef>
+          <a:fontRef idx="minor">
+            <a:schemeClr val="tx1"/>
+          </a:fontRef>
+        </p:style>
+      </p:cxnSp>
+    </p:spTree>
+    <p:extLst>
+      <p:ext uri="{BB962C8B-B14F-4D97-AF65-F5344CB8AC3E}">
+        <p14:creationId xmlns:p14="http://schemas.microsoft.com/office/powerpoint/2010/main" val="3046368504"/>
+      </p:ext>
+    </p:extLst>
+  </p:cSld>
+  <p:clrMapOvr>
+    <a:masterClrMapping/>
+  </p:clrMapOvr>
+</p:sld>
+</file>
+
+<file path=ppt/slides/slide3.xml><?xml version="1.0" encoding="utf-8"?>
+<p:sld xmlns:a="http://schemas.openxmlformats.org/drawingml/2006/main" xmlns:r="http://schemas.openxmlformats.org/officeDocument/2006/relationships" xmlns:p="http://schemas.openxmlformats.org/presentationml/2006/main">
+  <p:cSld>
+    <p:spTree>
+      <p:nvGrpSpPr>
+        <p:cNvPr id="1" name=""/>
+        <p:cNvGrpSpPr/>
+        <p:nvPr/>
+      </p:nvGrpSpPr>
+      <p:grpSpPr>
+        <a:xfrm>
+          <a:off x="0" y="0"/>
+          <a:ext cx="0" cy="0"/>
+          <a:chOff x="0" y="0"/>
+          <a:chExt cx="0" cy="0"/>
+        </a:xfrm>
+      </p:grpSpPr>
+      <p:sp>
+        <p:nvSpPr>
+          <p:cNvPr id="2" name="Date Placeholder 1">
+            <a:extLst>
+              <a:ext uri="{FF2B5EF4-FFF2-40B4-BE49-F238E27FC236}">
+                <a16:creationId xmlns:a16="http://schemas.microsoft.com/office/drawing/2014/main" id="{3728DC17-3484-4A87-A056-F55CBA2C41BB}"/>
+              </a:ext>
+            </a:extLst>
+          </p:cNvPr>
+          <p:cNvSpPr>
+            <a:spLocks noGrp="1"/>
+          </p:cNvSpPr>
+          <p:nvPr>
+            <p:ph type="dt" sz="half" idx="10"/>
+          </p:nvPr>
+        </p:nvSpPr>
+        <p:spPr/>
+        <p:txBody>
+          <a:bodyPr/>
+          <a:lstStyle/>
+          <a:p>
+            <a:fld id="{6700A58B-DD98-43D0-B791-721480A02982}" type="datetime1">
+              <a:rPr lang="en-US" smtClean="0"/>
+              <a:t>1/10/21</a:t>
+            </a:fld>
+            <a:endParaRPr lang="en-US"/>
+          </a:p>
+        </p:txBody>
+      </p:sp>
+      <p:sp>
+        <p:nvSpPr>
+          <p:cNvPr id="3" name="Title 2">
+            <a:extLst>
+              <a:ext uri="{FF2B5EF4-FFF2-40B4-BE49-F238E27FC236}">
+                <a16:creationId xmlns:a16="http://schemas.microsoft.com/office/drawing/2014/main" id="{50A1C8B0-E959-485F-8DF7-20C85B3661D4}"/>
+              </a:ext>
+            </a:extLst>
+          </p:cNvPr>
+          <p:cNvSpPr>
+            <a:spLocks noGrp="1"/>
+          </p:cNvSpPr>
+          <p:nvPr>
+            <p:ph type="title"/>
+          </p:nvPr>
+        </p:nvSpPr>
+        <p:spPr/>
+        <p:txBody>
+          <a:bodyPr/>
+          <a:lstStyle/>
+          <a:p>
+            <a:r>
+              <a:rPr lang="en-US" dirty="0"/>
+              <a:t>Machine Learning Supervised Learning</a:t>
+            </a:r>
+          </a:p>
+        </p:txBody>
+      </p:sp>
+      <p:sp>
+        <p:nvSpPr>
+          <p:cNvPr id="4" name="Footer Placeholder 3">
+            <a:extLst>
+              <a:ext uri="{FF2B5EF4-FFF2-40B4-BE49-F238E27FC236}">
+                <a16:creationId xmlns:a16="http://schemas.microsoft.com/office/drawing/2014/main" id="{EC170510-B545-44DA-B6F4-501A364A2A68}"/>
+              </a:ext>
+            </a:extLst>
+          </p:cNvPr>
+          <p:cNvSpPr>
+            <a:spLocks noGrp="1"/>
+          </p:cNvSpPr>
+          <p:nvPr>
+            <p:ph type="ftr" sz="quarter" idx="3"/>
+          </p:nvPr>
+        </p:nvSpPr>
+        <p:spPr/>
+        <p:txBody>
+          <a:bodyPr/>
+          <a:lstStyle/>
+          <a:p>
+            <a:r>
+              <a:rPr lang="en-US"/>
+              <a:t>Kwartler</a:t>
+            </a:r>
+            <a:endParaRPr lang="en-US" dirty="0"/>
+          </a:p>
+        </p:txBody>
+      </p:sp>
+      <p:sp>
+        <p:nvSpPr>
+          <p:cNvPr id="5" name="Slide Number Placeholder 4">
+            <a:extLst>
+              <a:ext uri="{FF2B5EF4-FFF2-40B4-BE49-F238E27FC236}">
+                <a16:creationId xmlns:a16="http://schemas.microsoft.com/office/drawing/2014/main" id="{99B04A1B-4969-4AB5-9F4D-39ECB9F302FA}"/>
+              </a:ext>
+            </a:extLst>
+          </p:cNvPr>
+          <p:cNvSpPr>
+            <a:spLocks noGrp="1"/>
+          </p:cNvSpPr>
+          <p:nvPr>
+            <p:ph type="sldNum" sz="quarter" idx="4"/>
+          </p:nvPr>
+        </p:nvSpPr>
+        <p:spPr/>
+        <p:txBody>
+          <a:bodyPr/>
+          <a:lstStyle/>
+          <a:p>
+            <a:fld id="{37290FF7-652B-4475-AEAB-8B1A5D23AE09}" type="slidenum">
+              <a:rPr lang="en-US" smtClean="0"/>
+              <a:pPr/>
+              <a:t>3</a:t>
             </a:fld>
             <a:endParaRPr lang="en-US" dirty="0"/>
           </a:p>
@@ -8771,7 +9840,7 @@
 </p:sld>
 </file>
 
-<file path=ppt/slides/slide20.xml><?xml version="1.0" encoding="utf-8"?>
+<file path=ppt/slides/slide4.xml><?xml version="1.0" encoding="utf-8"?>
 <p:sld xmlns:a="http://schemas.openxmlformats.org/drawingml/2006/main" xmlns:r="http://schemas.openxmlformats.org/officeDocument/2006/relationships" xmlns:p="http://schemas.openxmlformats.org/presentationml/2006/main">
   <p:cSld>
     <p:spTree>
@@ -8793,7 +9862,7 @@
           <p:cNvPr id="2" name="Date Placeholder 1">
             <a:extLst>
               <a:ext uri="{FF2B5EF4-FFF2-40B4-BE49-F238E27FC236}">
-                <a16:creationId xmlns:a16="http://schemas.microsoft.com/office/drawing/2014/main" id="{9BA4292B-986D-44A5-AC64-1181E2865657}"/>
+                <a16:creationId xmlns:a16="http://schemas.microsoft.com/office/drawing/2014/main" id="{69EBB200-FD53-443C-A445-1CEB0D6AF095}"/>
               </a:ext>
             </a:extLst>
           </p:cNvPr>
@@ -8811,7 +9880,7 @@
           <a:p>
             <a:fld id="{6700A58B-DD98-43D0-B791-721480A02982}" type="datetime1">
               <a:rPr lang="en-US" smtClean="0"/>
-              <a:t>1/1/21</a:t>
+              <a:t>1/10/21</a:t>
             </a:fld>
             <a:endParaRPr lang="en-US"/>
           </a:p>
@@ -8822,7 +9891,7 @@
           <p:cNvPr id="3" name="Title 2">
             <a:extLst>
               <a:ext uri="{FF2B5EF4-FFF2-40B4-BE49-F238E27FC236}">
-                <a16:creationId xmlns:a16="http://schemas.microsoft.com/office/drawing/2014/main" id="{B3E5548B-DA7A-422C-B64C-7BC37E5A3E51}"/>
+                <a16:creationId xmlns:a16="http://schemas.microsoft.com/office/drawing/2014/main" id="{73278885-94D7-46C5-A6EF-8284E42A997B}"/>
               </a:ext>
             </a:extLst>
           </p:cNvPr>
@@ -8840,15 +9909,7 @@
           <a:p>
             <a:r>
               <a:rPr lang="en-US" dirty="0"/>
-              <a:t>Interpreting a </a:t>
-            </a:r>
-            <a:r>
-              <a:rPr lang="en-US" dirty="0" err="1"/>
-              <a:t>TreeMap</a:t>
-            </a:r>
-            <a:r>
-              <a:rPr lang="en-US" dirty="0"/>
-              <a:t>: Multi-dimensional</a:t>
+              <a:t>Supervised Learning</a:t>
             </a:r>
           </a:p>
         </p:txBody>
@@ -8858,7 +9919,7 @@
           <p:cNvPr id="4" name="Footer Placeholder 3">
             <a:extLst>
               <a:ext uri="{FF2B5EF4-FFF2-40B4-BE49-F238E27FC236}">
-                <a16:creationId xmlns:a16="http://schemas.microsoft.com/office/drawing/2014/main" id="{48A07C27-6293-49AD-8099-D3F50CA43B5A}"/>
+                <a16:creationId xmlns:a16="http://schemas.microsoft.com/office/drawing/2014/main" id="{628E2758-EAB0-48B2-A657-DA1A3686F691}"/>
               </a:ext>
             </a:extLst>
           </p:cNvPr>
@@ -8887,7 +9948,7 @@
           <p:cNvPr id="5" name="Slide Number Placeholder 4">
             <a:extLst>
               <a:ext uri="{FF2B5EF4-FFF2-40B4-BE49-F238E27FC236}">
-                <a16:creationId xmlns:a16="http://schemas.microsoft.com/office/drawing/2014/main" id="{7F40F8E2-C7CD-4446-BDBF-1668AED3FA20}"/>
+                <a16:creationId xmlns:a16="http://schemas.microsoft.com/office/drawing/2014/main" id="{613D23F0-EACF-4BCF-928D-60A2538E152B}"/>
               </a:ext>
             </a:extLst>
           </p:cNvPr>
@@ -8906,374 +9967,7 @@
             <a:fld id="{37290FF7-652B-4475-AEAB-8B1A5D23AE09}" type="slidenum">
               <a:rPr lang="en-US" smtClean="0"/>
               <a:pPr/>
-              <a:t>20</a:t>
-            </a:fld>
-            <a:endParaRPr lang="en-US" dirty="0"/>
-          </a:p>
-        </p:txBody>
-      </p:sp>
-      <p:pic>
-        <p:nvPicPr>
-          <p:cNvPr id="6" name="Picture 5">
-            <a:extLst>
-              <a:ext uri="{FF2B5EF4-FFF2-40B4-BE49-F238E27FC236}">
-                <a16:creationId xmlns:a16="http://schemas.microsoft.com/office/drawing/2014/main" id="{70CFDBC9-F6F2-483D-9295-01B03890A9A9}"/>
-              </a:ext>
-            </a:extLst>
-          </p:cNvPr>
-          <p:cNvPicPr>
-            <a:picLocks noChangeAspect="1"/>
-          </p:cNvPicPr>
-          <p:nvPr/>
-        </p:nvPicPr>
-        <p:blipFill>
-          <a:blip r:embed="rId2"/>
-          <a:stretch>
-            <a:fillRect/>
-          </a:stretch>
-        </p:blipFill>
-        <p:spPr>
-          <a:xfrm>
-            <a:off x="97982" y="1073933"/>
-            <a:ext cx="8948037" cy="3800767"/>
-          </a:xfrm>
-          <a:prstGeom prst="rect">
-            <a:avLst/>
-          </a:prstGeom>
-        </p:spPr>
-      </p:pic>
-      <p:sp>
-        <p:nvSpPr>
-          <p:cNvPr id="7" name="TextBox 6">
-            <a:extLst>
-              <a:ext uri="{FF2B5EF4-FFF2-40B4-BE49-F238E27FC236}">
-                <a16:creationId xmlns:a16="http://schemas.microsoft.com/office/drawing/2014/main" id="{87CEC70F-FD4B-4DCC-92E6-66BC30369DA1}"/>
-              </a:ext>
-            </a:extLst>
-          </p:cNvPr>
-          <p:cNvSpPr txBox="1"/>
-          <p:nvPr/>
-        </p:nvSpPr>
-        <p:spPr>
-          <a:xfrm>
-            <a:off x="109537" y="4995542"/>
-            <a:ext cx="6802251" cy="738664"/>
-          </a:xfrm>
-          <a:prstGeom prst="rect">
-            <a:avLst/>
-          </a:prstGeom>
-          <a:noFill/>
-        </p:spPr>
-        <p:txBody>
-          <a:bodyPr wrap="square" rtlCol="0">
-            <a:spAutoFit/>
-          </a:bodyPr>
-          <a:lstStyle/>
-          <a:p>
-            <a:r>
-              <a:rPr lang="en-US" sz="1400" dirty="0"/>
-              <a:t>Thick black lines: LDA defined Topic; named by 5 most typical words</a:t>
-            </a:r>
-          </a:p>
-          <a:p>
-            <a:r>
-              <a:rPr lang="en-US" sz="1400" dirty="0"/>
-              <a:t>Color: Polarity</a:t>
-            </a:r>
-          </a:p>
-          <a:p>
-            <a:r>
-              <a:rPr lang="en-US" sz="1400" dirty="0"/>
-              <a:t>Area: individual doc area is proportional to number of words</a:t>
-            </a:r>
-          </a:p>
-        </p:txBody>
-      </p:sp>
-      <p:sp>
-        <p:nvSpPr>
-          <p:cNvPr id="8" name="Rectangle 7">
-            <a:extLst>
-              <a:ext uri="{FF2B5EF4-FFF2-40B4-BE49-F238E27FC236}">
-                <a16:creationId xmlns:a16="http://schemas.microsoft.com/office/drawing/2014/main" id="{517953C8-5097-4896-9433-C5729BC0F0A4}"/>
-              </a:ext>
-            </a:extLst>
-          </p:cNvPr>
-          <p:cNvSpPr/>
-          <p:nvPr/>
-        </p:nvSpPr>
-        <p:spPr>
-          <a:xfrm>
-            <a:off x="109539" y="5741894"/>
-            <a:ext cx="6721568" cy="508643"/>
-          </a:xfrm>
-          <a:prstGeom prst="rect">
-            <a:avLst/>
-          </a:prstGeom>
-          <a:solidFill>
-            <a:schemeClr val="accent6">
-              <a:lumMod val="60000"/>
-              <a:lumOff val="40000"/>
-            </a:schemeClr>
-          </a:solidFill>
-          <a:ln>
-            <a:noFill/>
-          </a:ln>
-        </p:spPr>
-        <p:style>
-          <a:lnRef idx="2">
-            <a:schemeClr val="accent1">
-              <a:shade val="50000"/>
-            </a:schemeClr>
-          </a:lnRef>
-          <a:fillRef idx="1">
-            <a:schemeClr val="accent1"/>
-          </a:fillRef>
-          <a:effectRef idx="0">
-            <a:schemeClr val="accent1"/>
-          </a:effectRef>
-          <a:fontRef idx="minor">
-            <a:schemeClr val="lt1"/>
-          </a:fontRef>
-        </p:style>
-        <p:txBody>
-          <a:bodyPr rtlCol="0" anchor="ctr"/>
-          <a:lstStyle/>
-          <a:p>
-            <a:pPr algn="ctr"/>
-            <a:r>
-              <a:rPr lang="en-US" sz="1600" dirty="0"/>
-              <a:t>This shows the Guardian write positive and longer articles about Pakistan related to cricket than other topics.</a:t>
-            </a:r>
-          </a:p>
-        </p:txBody>
-      </p:sp>
-      <p:cxnSp>
-        <p:nvCxnSpPr>
-          <p:cNvPr id="9" name="Straight Connector 8">
-            <a:extLst>
-              <a:ext uri="{FF2B5EF4-FFF2-40B4-BE49-F238E27FC236}">
-                <a16:creationId xmlns:a16="http://schemas.microsoft.com/office/drawing/2014/main" id="{53EFD68A-BE08-0747-ACD7-264C4E35619D}"/>
-              </a:ext>
-            </a:extLst>
-          </p:cNvPr>
-          <p:cNvCxnSpPr/>
-          <p:nvPr/>
-        </p:nvCxnSpPr>
-        <p:spPr>
-          <a:xfrm>
-            <a:off x="6798363" y="6549885"/>
-            <a:ext cx="0" cy="182880"/>
-          </a:xfrm>
-          <a:prstGeom prst="line">
-            <a:avLst/>
-          </a:prstGeom>
-          <a:ln>
-            <a:solidFill>
-              <a:schemeClr val="bg1">
-                <a:lumMod val="85000"/>
-              </a:schemeClr>
-            </a:solidFill>
-          </a:ln>
-        </p:spPr>
-        <p:style>
-          <a:lnRef idx="1">
-            <a:schemeClr val="accent1"/>
-          </a:lnRef>
-          <a:fillRef idx="0">
-            <a:schemeClr val="accent1"/>
-          </a:fillRef>
-          <a:effectRef idx="0">
-            <a:schemeClr val="accent1"/>
-          </a:effectRef>
-          <a:fontRef idx="minor">
-            <a:schemeClr val="tx1"/>
-          </a:fontRef>
-        </p:style>
-      </p:cxnSp>
-      <p:cxnSp>
-        <p:nvCxnSpPr>
-          <p:cNvPr id="10" name="Straight Connector 9">
-            <a:extLst>
-              <a:ext uri="{FF2B5EF4-FFF2-40B4-BE49-F238E27FC236}">
-                <a16:creationId xmlns:a16="http://schemas.microsoft.com/office/drawing/2014/main" id="{AC5A6FEF-B39A-FD45-9E9C-351260CB19F2}"/>
-              </a:ext>
-            </a:extLst>
-          </p:cNvPr>
-          <p:cNvCxnSpPr/>
-          <p:nvPr/>
-        </p:nvCxnSpPr>
-        <p:spPr>
-          <a:xfrm>
-            <a:off x="7076661" y="4664763"/>
-            <a:ext cx="182880" cy="0"/>
-          </a:xfrm>
-          <a:prstGeom prst="line">
-            <a:avLst/>
-          </a:prstGeom>
-          <a:ln>
-            <a:solidFill>
-              <a:schemeClr val="bg1">
-                <a:lumMod val="85000"/>
-              </a:schemeClr>
-            </a:solidFill>
-          </a:ln>
-        </p:spPr>
-        <p:style>
-          <a:lnRef idx="1">
-            <a:schemeClr val="accent1"/>
-          </a:lnRef>
-          <a:fillRef idx="0">
-            <a:schemeClr val="accent1"/>
-          </a:fillRef>
-          <a:effectRef idx="0">
-            <a:schemeClr val="accent1"/>
-          </a:effectRef>
-          <a:fontRef idx="minor">
-            <a:schemeClr val="tx1"/>
-          </a:fontRef>
-        </p:style>
-      </p:cxnSp>
-    </p:spTree>
-    <p:extLst>
-      <p:ext uri="{BB962C8B-B14F-4D97-AF65-F5344CB8AC3E}">
-        <p14:creationId xmlns:p14="http://schemas.microsoft.com/office/powerpoint/2010/main" val="3046368504"/>
-      </p:ext>
-    </p:extLst>
-  </p:cSld>
-  <p:clrMapOvr>
-    <a:masterClrMapping/>
-  </p:clrMapOvr>
-</p:sld>
-</file>
-
-<file path=ppt/slides/slide3.xml><?xml version="1.0" encoding="utf-8"?>
-<p:sld xmlns:a="http://schemas.openxmlformats.org/drawingml/2006/main" xmlns:r="http://schemas.openxmlformats.org/officeDocument/2006/relationships" xmlns:p="http://schemas.openxmlformats.org/presentationml/2006/main">
-  <p:cSld>
-    <p:spTree>
-      <p:nvGrpSpPr>
-        <p:cNvPr id="1" name=""/>
-        <p:cNvGrpSpPr/>
-        <p:nvPr/>
-      </p:nvGrpSpPr>
-      <p:grpSpPr>
-        <a:xfrm>
-          <a:off x="0" y="0"/>
-          <a:ext cx="0" cy="0"/>
-          <a:chOff x="0" y="0"/>
-          <a:chExt cx="0" cy="0"/>
-        </a:xfrm>
-      </p:grpSpPr>
-      <p:sp>
-        <p:nvSpPr>
-          <p:cNvPr id="2" name="Date Placeholder 1">
-            <a:extLst>
-              <a:ext uri="{FF2B5EF4-FFF2-40B4-BE49-F238E27FC236}">
-                <a16:creationId xmlns:a16="http://schemas.microsoft.com/office/drawing/2014/main" id="{69EBB200-FD53-443C-A445-1CEB0D6AF095}"/>
-              </a:ext>
-            </a:extLst>
-          </p:cNvPr>
-          <p:cNvSpPr>
-            <a:spLocks noGrp="1"/>
-          </p:cNvSpPr>
-          <p:nvPr>
-            <p:ph type="dt" sz="half" idx="10"/>
-          </p:nvPr>
-        </p:nvSpPr>
-        <p:spPr/>
-        <p:txBody>
-          <a:bodyPr/>
-          <a:lstStyle/>
-          <a:p>
-            <a:fld id="{6700A58B-DD98-43D0-B791-721480A02982}" type="datetime1">
-              <a:rPr lang="en-US" smtClean="0"/>
-              <a:t>1/1/21</a:t>
-            </a:fld>
-            <a:endParaRPr lang="en-US"/>
-          </a:p>
-        </p:txBody>
-      </p:sp>
-      <p:sp>
-        <p:nvSpPr>
-          <p:cNvPr id="3" name="Title 2">
-            <a:extLst>
-              <a:ext uri="{FF2B5EF4-FFF2-40B4-BE49-F238E27FC236}">
-                <a16:creationId xmlns:a16="http://schemas.microsoft.com/office/drawing/2014/main" id="{73278885-94D7-46C5-A6EF-8284E42A997B}"/>
-              </a:ext>
-            </a:extLst>
-          </p:cNvPr>
-          <p:cNvSpPr>
-            <a:spLocks noGrp="1"/>
-          </p:cNvSpPr>
-          <p:nvPr>
-            <p:ph type="title"/>
-          </p:nvPr>
-        </p:nvSpPr>
-        <p:spPr/>
-        <p:txBody>
-          <a:bodyPr/>
-          <a:lstStyle/>
-          <a:p>
-            <a:r>
-              <a:rPr lang="en-US" dirty="0"/>
-              <a:t>Supervised Learning</a:t>
-            </a:r>
-          </a:p>
-        </p:txBody>
-      </p:sp>
-      <p:sp>
-        <p:nvSpPr>
-          <p:cNvPr id="4" name="Footer Placeholder 3">
-            <a:extLst>
-              <a:ext uri="{FF2B5EF4-FFF2-40B4-BE49-F238E27FC236}">
-                <a16:creationId xmlns:a16="http://schemas.microsoft.com/office/drawing/2014/main" id="{628E2758-EAB0-48B2-A657-DA1A3686F691}"/>
-              </a:ext>
-            </a:extLst>
-          </p:cNvPr>
-          <p:cNvSpPr>
-            <a:spLocks noGrp="1"/>
-          </p:cNvSpPr>
-          <p:nvPr>
-            <p:ph type="ftr" sz="quarter" idx="3"/>
-          </p:nvPr>
-        </p:nvSpPr>
-        <p:spPr/>
-        <p:txBody>
-          <a:bodyPr/>
-          <a:lstStyle/>
-          <a:p>
-            <a:r>
-              <a:rPr lang="en-US"/>
-              <a:t>Kwartler</a:t>
-            </a:r>
-            <a:endParaRPr lang="en-US" dirty="0"/>
-          </a:p>
-        </p:txBody>
-      </p:sp>
-      <p:sp>
-        <p:nvSpPr>
-          <p:cNvPr id="5" name="Slide Number Placeholder 4">
-            <a:extLst>
-              <a:ext uri="{FF2B5EF4-FFF2-40B4-BE49-F238E27FC236}">
-                <a16:creationId xmlns:a16="http://schemas.microsoft.com/office/drawing/2014/main" id="{613D23F0-EACF-4BCF-928D-60A2538E152B}"/>
-              </a:ext>
-            </a:extLst>
-          </p:cNvPr>
-          <p:cNvSpPr>
-            <a:spLocks noGrp="1"/>
-          </p:cNvSpPr>
-          <p:nvPr>
-            <p:ph type="sldNum" sz="quarter" idx="4"/>
-          </p:nvPr>
-        </p:nvSpPr>
-        <p:spPr/>
-        <p:txBody>
-          <a:bodyPr/>
-          <a:lstStyle/>
-          <a:p>
-            <a:fld id="{37290FF7-652B-4475-AEAB-8B1A5D23AE09}" type="slidenum">
-              <a:rPr lang="en-US" smtClean="0"/>
-              <a:pPr/>
-              <a:t>3</a:t>
+              <a:t>4</a:t>
             </a:fld>
             <a:endParaRPr lang="en-US" dirty="0"/>
           </a:p>
@@ -11056,7 +11750,7 @@
 </p:sld>
 </file>
 
-<file path=ppt/slides/slide4.xml><?xml version="1.0" encoding="utf-8"?>
+<file path=ppt/slides/slide5.xml><?xml version="1.0" encoding="utf-8"?>
 <p:sld xmlns:a="http://schemas.openxmlformats.org/drawingml/2006/main" xmlns:r="http://schemas.openxmlformats.org/officeDocument/2006/relationships" xmlns:p="http://schemas.openxmlformats.org/presentationml/2006/main">
   <p:cSld>
     <p:spTree>
@@ -11096,7 +11790,7 @@
           <a:p>
             <a:fld id="{6700A58B-DD98-43D0-B791-721480A02982}" type="datetime1">
               <a:rPr lang="en-US" smtClean="0"/>
-              <a:t>1/1/21</a:t>
+              <a:t>1/10/21</a:t>
             </a:fld>
             <a:endParaRPr lang="en-US"/>
           </a:p>
@@ -11183,7 +11877,7 @@
             <a:fld id="{37290FF7-652B-4475-AEAB-8B1A5D23AE09}" type="slidenum">
               <a:rPr lang="en-US" smtClean="0"/>
               <a:pPr/>
-              <a:t>4</a:t>
+              <a:t>5</a:t>
             </a:fld>
             <a:endParaRPr lang="en-US" dirty="0"/>
           </a:p>
@@ -11361,7 +12055,7 @@
 </p:sld>
 </file>
 
-<file path=ppt/slides/slide5.xml><?xml version="1.0" encoding="utf-8"?>
+<file path=ppt/slides/slide6.xml><?xml version="1.0" encoding="utf-8"?>
 <p:sld xmlns:a="http://schemas.openxmlformats.org/drawingml/2006/main" xmlns:r="http://schemas.openxmlformats.org/officeDocument/2006/relationships" xmlns:p="http://schemas.openxmlformats.org/presentationml/2006/main">
   <p:cSld>
     <p:spTree>
@@ -11401,7 +12095,7 @@
           <a:p>
             <a:fld id="{6700A58B-DD98-43D0-B791-721480A02982}" type="datetime1">
               <a:rPr lang="en-US" smtClean="0"/>
-              <a:t>1/1/21</a:t>
+              <a:t>1/10/21</a:t>
             </a:fld>
             <a:endParaRPr lang="en-US"/>
           </a:p>
@@ -11488,7 +12182,7 @@
             <a:fld id="{37290FF7-652B-4475-AEAB-8B1A5D23AE09}" type="slidenum">
               <a:rPr lang="en-US" smtClean="0"/>
               <a:pPr/>
-              <a:t>5</a:t>
+              <a:t>6</a:t>
             </a:fld>
             <a:endParaRPr lang="en-US" dirty="0"/>
           </a:p>
@@ -11818,7 +12512,7 @@
 </p:sld>
 </file>
 
-<file path=ppt/slides/slide6.xml><?xml version="1.0" encoding="utf-8"?>
+<file path=ppt/slides/slide7.xml><?xml version="1.0" encoding="utf-8"?>
 <p:sld xmlns:a="http://schemas.openxmlformats.org/drawingml/2006/main" xmlns:r="http://schemas.openxmlformats.org/officeDocument/2006/relationships" xmlns:p="http://schemas.openxmlformats.org/presentationml/2006/main">
   <p:cSld>
     <p:spTree>
@@ -11858,7 +12552,7 @@
           <a:p>
             <a:fld id="{6700A58B-DD98-43D0-B791-721480A02982}" type="datetime1">
               <a:rPr lang="en-US" smtClean="0"/>
-              <a:t>1/1/21</a:t>
+              <a:t>1/10/21</a:t>
             </a:fld>
             <a:endParaRPr lang="en-US"/>
           </a:p>
@@ -11945,7 +12639,7 @@
             <a:fld id="{37290FF7-652B-4475-AEAB-8B1A5D23AE09}" type="slidenum">
               <a:rPr lang="en-US" smtClean="0"/>
               <a:pPr/>
-              <a:t>6</a:t>
+              <a:t>7</a:t>
             </a:fld>
             <a:endParaRPr lang="en-US" dirty="0"/>
           </a:p>
@@ -14097,484 +14791,6 @@
 </p:sld>
 </file>
 
-<file path=ppt/slides/slide7.xml><?xml version="1.0" encoding="utf-8"?>
-<p:sld xmlns:a="http://schemas.openxmlformats.org/drawingml/2006/main" xmlns:r="http://schemas.openxmlformats.org/officeDocument/2006/relationships" xmlns:p="http://schemas.openxmlformats.org/presentationml/2006/main">
-  <p:cSld>
-    <p:spTree>
-      <p:nvGrpSpPr>
-        <p:cNvPr id="1" name=""/>
-        <p:cNvGrpSpPr/>
-        <p:nvPr/>
-      </p:nvGrpSpPr>
-      <p:grpSpPr>
-        <a:xfrm>
-          <a:off x="0" y="0"/>
-          <a:ext cx="0" cy="0"/>
-          <a:chOff x="0" y="0"/>
-          <a:chExt cx="0" cy="0"/>
-        </a:xfrm>
-      </p:grpSpPr>
-      <p:sp>
-        <p:nvSpPr>
-          <p:cNvPr id="2" name="Date Placeholder 1">
-            <a:extLst>
-              <a:ext uri="{FF2B5EF4-FFF2-40B4-BE49-F238E27FC236}">
-                <a16:creationId xmlns:a16="http://schemas.microsoft.com/office/drawing/2014/main" id="{F0C49392-A6AB-454B-A8CE-1A222F99465B}"/>
-              </a:ext>
-            </a:extLst>
-          </p:cNvPr>
-          <p:cNvSpPr>
-            <a:spLocks noGrp="1"/>
-          </p:cNvSpPr>
-          <p:nvPr>
-            <p:ph type="dt" sz="half" idx="10"/>
-          </p:nvPr>
-        </p:nvSpPr>
-        <p:spPr/>
-        <p:txBody>
-          <a:bodyPr/>
-          <a:lstStyle/>
-          <a:p>
-            <a:fld id="{6700A58B-DD98-43D0-B791-721480A02982}" type="datetime1">
-              <a:rPr lang="en-US" smtClean="0"/>
-              <a:t>1/1/21</a:t>
-            </a:fld>
-            <a:endParaRPr lang="en-US"/>
-          </a:p>
-        </p:txBody>
-      </p:sp>
-      <p:sp>
-        <p:nvSpPr>
-          <p:cNvPr id="3" name="Title 2">
-            <a:extLst>
-              <a:ext uri="{FF2B5EF4-FFF2-40B4-BE49-F238E27FC236}">
-                <a16:creationId xmlns:a16="http://schemas.microsoft.com/office/drawing/2014/main" id="{84D6A954-5268-46B6-A543-95112466DB47}"/>
-              </a:ext>
-            </a:extLst>
-          </p:cNvPr>
-          <p:cNvSpPr>
-            <a:spLocks noGrp="1"/>
-          </p:cNvSpPr>
-          <p:nvPr>
-            <p:ph type="title"/>
-          </p:nvPr>
-        </p:nvSpPr>
-        <p:spPr/>
-        <p:txBody>
-          <a:bodyPr/>
-          <a:lstStyle/>
-          <a:p>
-            <a:r>
-              <a:rPr lang="en-US" dirty="0"/>
-              <a:t>Your turn…</a:t>
-            </a:r>
-          </a:p>
-        </p:txBody>
-      </p:sp>
-      <p:sp>
-        <p:nvSpPr>
-          <p:cNvPr id="4" name="Footer Placeholder 3">
-            <a:extLst>
-              <a:ext uri="{FF2B5EF4-FFF2-40B4-BE49-F238E27FC236}">
-                <a16:creationId xmlns:a16="http://schemas.microsoft.com/office/drawing/2014/main" id="{4BC7F7B4-D656-41A4-A871-BFDE44C52003}"/>
-              </a:ext>
-            </a:extLst>
-          </p:cNvPr>
-          <p:cNvSpPr>
-            <a:spLocks noGrp="1"/>
-          </p:cNvSpPr>
-          <p:nvPr>
-            <p:ph type="ftr" sz="quarter" idx="3"/>
-          </p:nvPr>
-        </p:nvSpPr>
-        <p:spPr/>
-        <p:txBody>
-          <a:bodyPr/>
-          <a:lstStyle/>
-          <a:p>
-            <a:r>
-              <a:rPr lang="en-US"/>
-              <a:t>Kwartler</a:t>
-            </a:r>
-            <a:endParaRPr lang="en-US" dirty="0"/>
-          </a:p>
-        </p:txBody>
-      </p:sp>
-      <p:sp>
-        <p:nvSpPr>
-          <p:cNvPr id="5" name="Slide Number Placeholder 4">
-            <a:extLst>
-              <a:ext uri="{FF2B5EF4-FFF2-40B4-BE49-F238E27FC236}">
-                <a16:creationId xmlns:a16="http://schemas.microsoft.com/office/drawing/2014/main" id="{A6021B5F-8FDA-4E62-A89E-D815A486DD8E}"/>
-              </a:ext>
-            </a:extLst>
-          </p:cNvPr>
-          <p:cNvSpPr>
-            <a:spLocks noGrp="1"/>
-          </p:cNvSpPr>
-          <p:nvPr>
-            <p:ph type="sldNum" sz="quarter" idx="4"/>
-          </p:nvPr>
-        </p:nvSpPr>
-        <p:spPr/>
-        <p:txBody>
-          <a:bodyPr/>
-          <a:lstStyle/>
-          <a:p>
-            <a:fld id="{37290FF7-652B-4475-AEAB-8B1A5D23AE09}" type="slidenum">
-              <a:rPr lang="en-US" smtClean="0"/>
-              <a:pPr/>
-              <a:t>7</a:t>
-            </a:fld>
-            <a:endParaRPr lang="en-US" dirty="0"/>
-          </a:p>
-        </p:txBody>
-      </p:sp>
-      <p:sp>
-        <p:nvSpPr>
-          <p:cNvPr id="6" name="Rectangle 5">
-            <a:extLst>
-              <a:ext uri="{FF2B5EF4-FFF2-40B4-BE49-F238E27FC236}">
-                <a16:creationId xmlns:a16="http://schemas.microsoft.com/office/drawing/2014/main" id="{0551F8BD-DC5B-4CDE-B3CC-716D55A4B32F}"/>
-              </a:ext>
-            </a:extLst>
-          </p:cNvPr>
-          <p:cNvSpPr/>
-          <p:nvPr/>
-        </p:nvSpPr>
-        <p:spPr>
-          <a:xfrm>
-            <a:off x="4580102" y="1319213"/>
-            <a:ext cx="4392447" cy="557213"/>
-          </a:xfrm>
-          <a:prstGeom prst="rect">
-            <a:avLst/>
-          </a:prstGeom>
-          <a:solidFill>
-            <a:schemeClr val="accent3"/>
-          </a:solidFill>
-          <a:ln>
-            <a:noFill/>
-          </a:ln>
-        </p:spPr>
-        <p:style>
-          <a:lnRef idx="2">
-            <a:schemeClr val="accent1">
-              <a:shade val="50000"/>
-            </a:schemeClr>
-          </a:lnRef>
-          <a:fillRef idx="1">
-            <a:schemeClr val="accent1"/>
-          </a:fillRef>
-          <a:effectRef idx="0">
-            <a:schemeClr val="accent1"/>
-          </a:effectRef>
-          <a:fontRef idx="minor">
-            <a:schemeClr val="lt1"/>
-          </a:fontRef>
-        </p:style>
-        <p:txBody>
-          <a:bodyPr rtlCol="0" anchor="ctr"/>
-          <a:lstStyle/>
-          <a:p>
-            <a:pPr algn="ctr"/>
-            <a:r>
-              <a:rPr lang="en-US" dirty="0"/>
-              <a:t>Scenario</a:t>
-            </a:r>
-          </a:p>
-        </p:txBody>
-      </p:sp>
-      <p:sp>
-        <p:nvSpPr>
-          <p:cNvPr id="7" name="Rectangle 6">
-            <a:extLst>
-              <a:ext uri="{FF2B5EF4-FFF2-40B4-BE49-F238E27FC236}">
-                <a16:creationId xmlns:a16="http://schemas.microsoft.com/office/drawing/2014/main" id="{30C04625-BB82-4F8B-88E1-7D53E1BE9899}"/>
-              </a:ext>
-            </a:extLst>
-          </p:cNvPr>
-          <p:cNvSpPr/>
-          <p:nvPr/>
-        </p:nvSpPr>
-        <p:spPr>
-          <a:xfrm>
-            <a:off x="114304" y="1319213"/>
-            <a:ext cx="4114800" cy="557213"/>
-          </a:xfrm>
-          <a:prstGeom prst="rect">
-            <a:avLst/>
-          </a:prstGeom>
-          <a:solidFill>
-            <a:schemeClr val="accent3"/>
-          </a:solidFill>
-          <a:ln>
-            <a:noFill/>
-          </a:ln>
-        </p:spPr>
-        <p:style>
-          <a:lnRef idx="2">
-            <a:schemeClr val="accent1">
-              <a:shade val="50000"/>
-            </a:schemeClr>
-          </a:lnRef>
-          <a:fillRef idx="1">
-            <a:schemeClr val="accent1"/>
-          </a:fillRef>
-          <a:effectRef idx="0">
-            <a:schemeClr val="accent1"/>
-          </a:effectRef>
-          <a:fontRef idx="minor">
-            <a:schemeClr val="lt1"/>
-          </a:fontRef>
-        </p:style>
-        <p:txBody>
-          <a:bodyPr rtlCol="0" anchor="ctr"/>
-          <a:lstStyle/>
-          <a:p>
-            <a:pPr algn="ctr"/>
-            <a:r>
-              <a:rPr lang="en-US" dirty="0"/>
-              <a:t>Methods</a:t>
-            </a:r>
-          </a:p>
-        </p:txBody>
-      </p:sp>
-      <p:sp>
-        <p:nvSpPr>
-          <p:cNvPr id="9" name="TextBox 8">
-            <a:extLst>
-              <a:ext uri="{FF2B5EF4-FFF2-40B4-BE49-F238E27FC236}">
-                <a16:creationId xmlns:a16="http://schemas.microsoft.com/office/drawing/2014/main" id="{934EF37A-D94F-4C72-8CF4-D671A1C7D8CA}"/>
-              </a:ext>
-            </a:extLst>
-          </p:cNvPr>
-          <p:cNvSpPr txBox="1"/>
-          <p:nvPr/>
-        </p:nvSpPr>
-        <p:spPr>
-          <a:xfrm>
-            <a:off x="4522319" y="2036939"/>
-            <a:ext cx="4544705" cy="369332"/>
-          </a:xfrm>
-          <a:prstGeom prst="rect">
-            <a:avLst/>
-          </a:prstGeom>
-          <a:noFill/>
-        </p:spPr>
-        <p:txBody>
-          <a:bodyPr wrap="square" rtlCol="0">
-            <a:spAutoFit/>
-          </a:bodyPr>
-          <a:lstStyle/>
-          <a:p>
-            <a:r>
-              <a:rPr lang="en-US" dirty="0"/>
-              <a:t>How many fish did each vessel catch?</a:t>
-            </a:r>
-          </a:p>
-        </p:txBody>
-      </p:sp>
-      <p:pic>
-        <p:nvPicPr>
-          <p:cNvPr id="10" name="Picture 2" descr="Image result for fish meme">
-            <a:extLst>
-              <a:ext uri="{FF2B5EF4-FFF2-40B4-BE49-F238E27FC236}">
-                <a16:creationId xmlns:a16="http://schemas.microsoft.com/office/drawing/2014/main" id="{D62B2144-0B9D-4419-B583-F2A5706E4E88}"/>
-              </a:ext>
-            </a:extLst>
-          </p:cNvPr>
-          <p:cNvPicPr>
-            <a:picLocks noChangeAspect="1" noChangeArrowheads="1"/>
-          </p:cNvPicPr>
-          <p:nvPr/>
-        </p:nvPicPr>
-        <p:blipFill>
-          <a:blip r:embed="rId2">
-            <a:extLst>
-              <a:ext uri="{28A0092B-C50C-407E-A947-70E740481C1C}">
-                <a14:useLocalDpi xmlns:a14="http://schemas.microsoft.com/office/drawing/2010/main" val="0"/>
-              </a:ext>
-            </a:extLst>
-          </a:blip>
-          <a:srcRect/>
-          <a:stretch>
-            <a:fillRect/>
-          </a:stretch>
-        </p:blipFill>
-        <p:spPr bwMode="auto">
-          <a:xfrm>
-            <a:off x="407186" y="3453370"/>
-            <a:ext cx="3621171" cy="2390093"/>
-          </a:xfrm>
-          <a:prstGeom prst="rect">
-            <a:avLst/>
-          </a:prstGeom>
-          <a:noFill/>
-          <a:extLst>
-            <a:ext uri="{909E8E84-426E-40DD-AFC4-6F175D3DCCD1}">
-              <a14:hiddenFill xmlns:a14="http://schemas.microsoft.com/office/drawing/2010/main">
-                <a:solidFill>
-                  <a:srgbClr val="FFFFFF"/>
-                </a:solidFill>
-              </a14:hiddenFill>
-            </a:ext>
-          </a:extLst>
-        </p:spPr>
-      </p:pic>
-      <p:cxnSp>
-        <p:nvCxnSpPr>
-          <p:cNvPr id="11" name="Straight Connector 10">
-            <a:extLst>
-              <a:ext uri="{FF2B5EF4-FFF2-40B4-BE49-F238E27FC236}">
-                <a16:creationId xmlns:a16="http://schemas.microsoft.com/office/drawing/2014/main" id="{2B7148C4-4278-DD45-8777-EC2CD6BFAA57}"/>
-              </a:ext>
-            </a:extLst>
-          </p:cNvPr>
-          <p:cNvCxnSpPr/>
-          <p:nvPr/>
-        </p:nvCxnSpPr>
-        <p:spPr>
-          <a:xfrm>
-            <a:off x="6798363" y="6549885"/>
-            <a:ext cx="0" cy="182880"/>
-          </a:xfrm>
-          <a:prstGeom prst="line">
-            <a:avLst/>
-          </a:prstGeom>
-          <a:ln>
-            <a:solidFill>
-              <a:schemeClr val="bg1">
-                <a:lumMod val="85000"/>
-              </a:schemeClr>
-            </a:solidFill>
-          </a:ln>
-        </p:spPr>
-        <p:style>
-          <a:lnRef idx="1">
-            <a:schemeClr val="accent1"/>
-          </a:lnRef>
-          <a:fillRef idx="0">
-            <a:schemeClr val="accent1"/>
-          </a:fillRef>
-          <a:effectRef idx="0">
-            <a:schemeClr val="accent1"/>
-          </a:effectRef>
-          <a:fontRef idx="minor">
-            <a:schemeClr val="tx1"/>
-          </a:fontRef>
-        </p:style>
-      </p:cxnSp>
-      <p:cxnSp>
-        <p:nvCxnSpPr>
-          <p:cNvPr id="12" name="Straight Connector 11">
-            <a:extLst>
-              <a:ext uri="{FF2B5EF4-FFF2-40B4-BE49-F238E27FC236}">
-                <a16:creationId xmlns:a16="http://schemas.microsoft.com/office/drawing/2014/main" id="{781E36AB-AD23-E341-BDF9-B8B6A24E9856}"/>
-              </a:ext>
-            </a:extLst>
-          </p:cNvPr>
-          <p:cNvCxnSpPr/>
-          <p:nvPr/>
-        </p:nvCxnSpPr>
-        <p:spPr>
-          <a:xfrm>
-            <a:off x="7076661" y="4664763"/>
-            <a:ext cx="182880" cy="0"/>
-          </a:xfrm>
-          <a:prstGeom prst="line">
-            <a:avLst/>
-          </a:prstGeom>
-          <a:ln>
-            <a:solidFill>
-              <a:schemeClr val="bg1">
-                <a:lumMod val="85000"/>
-              </a:schemeClr>
-            </a:solidFill>
-          </a:ln>
-        </p:spPr>
-        <p:style>
-          <a:lnRef idx="1">
-            <a:schemeClr val="accent1"/>
-          </a:lnRef>
-          <a:fillRef idx="0">
-            <a:schemeClr val="accent1"/>
-          </a:fillRef>
-          <a:effectRef idx="0">
-            <a:schemeClr val="accent1"/>
-          </a:effectRef>
-          <a:fontRef idx="minor">
-            <a:schemeClr val="tx1"/>
-          </a:fontRef>
-        </p:style>
-      </p:cxnSp>
-      <p:sp>
-        <p:nvSpPr>
-          <p:cNvPr id="13" name="TextBox 12">
-            <a:extLst>
-              <a:ext uri="{FF2B5EF4-FFF2-40B4-BE49-F238E27FC236}">
-                <a16:creationId xmlns:a16="http://schemas.microsoft.com/office/drawing/2014/main" id="{BD0EC4E0-87A6-AA4E-B68F-EE787EC2DB71}"/>
-              </a:ext>
-            </a:extLst>
-          </p:cNvPr>
-          <p:cNvSpPr txBox="1"/>
-          <p:nvPr/>
-        </p:nvSpPr>
-        <p:spPr>
-          <a:xfrm>
-            <a:off x="336422" y="2115018"/>
-            <a:ext cx="3037498" cy="1200329"/>
-          </a:xfrm>
-          <a:prstGeom prst="rect">
-            <a:avLst/>
-          </a:prstGeom>
-          <a:noFill/>
-        </p:spPr>
-        <p:txBody>
-          <a:bodyPr wrap="none" rtlCol="0">
-            <a:spAutoFit/>
-          </a:bodyPr>
-          <a:lstStyle/>
-          <a:p>
-            <a:pPr marL="285750" indent="-285750">
-              <a:buFont typeface="Arial" panose="020B0604020202020204" pitchFamily="34" charset="0"/>
-              <a:buChar char="•"/>
-            </a:pPr>
-            <a:r>
-              <a:rPr lang="en-US" sz="3600" dirty="0"/>
-              <a:t>Supervised </a:t>
-            </a:r>
-            <a:r>
-              <a:rPr lang="en-US" sz="3600" i="1" dirty="0"/>
-              <a:t>or</a:t>
-            </a:r>
-            <a:endParaRPr lang="en-US" sz="3600" dirty="0"/>
-          </a:p>
-          <a:p>
-            <a:pPr marL="285750" indent="-285750">
-              <a:buFont typeface="Arial" panose="020B0604020202020204" pitchFamily="34" charset="0"/>
-              <a:buChar char="•"/>
-            </a:pPr>
-            <a:r>
-              <a:rPr lang="en-US" sz="3600" dirty="0"/>
-              <a:t>Unsupervised</a:t>
-            </a:r>
-          </a:p>
-        </p:txBody>
-      </p:sp>
-    </p:spTree>
-    <p:extLst>
-      <p:ext uri="{BB962C8B-B14F-4D97-AF65-F5344CB8AC3E}">
-        <p14:creationId xmlns:p14="http://schemas.microsoft.com/office/powerpoint/2010/main" val="744760403"/>
-      </p:ext>
-    </p:extLst>
-  </p:cSld>
-  <p:clrMapOvr>
-    <a:masterClrMapping/>
-  </p:clrMapOvr>
-</p:sld>
-</file>
-
 <file path=ppt/slides/slide8.xml><?xml version="1.0" encoding="utf-8"?>
 <p:sld xmlns:a="http://schemas.openxmlformats.org/drawingml/2006/main" xmlns:r="http://schemas.openxmlformats.org/officeDocument/2006/relationships" xmlns:p="http://schemas.openxmlformats.org/presentationml/2006/main">
   <p:cSld>
@@ -14615,7 +14831,7 @@
           <a:p>
             <a:fld id="{6700A58B-DD98-43D0-B791-721480A02982}" type="datetime1">
               <a:rPr lang="en-US" smtClean="0"/>
-              <a:t>1/1/21</a:t>
+              <a:t>1/10/21</a:t>
             </a:fld>
             <a:endParaRPr lang="en-US"/>
           </a:p>
@@ -14820,10 +15036,10 @@
       </p:sp>
       <p:sp>
         <p:nvSpPr>
-          <p:cNvPr id="8" name="TextBox 7">
-            <a:extLst>
-              <a:ext uri="{FF2B5EF4-FFF2-40B4-BE49-F238E27FC236}">
-                <a16:creationId xmlns:a16="http://schemas.microsoft.com/office/drawing/2014/main" id="{F93AAA8F-CCD8-47AF-ACD5-9B3FE1A08D75}"/>
+          <p:cNvPr id="9" name="TextBox 8">
+            <a:extLst>
+              <a:ext uri="{FF2B5EF4-FFF2-40B4-BE49-F238E27FC236}">
+                <a16:creationId xmlns:a16="http://schemas.microsoft.com/office/drawing/2014/main" id="{934EF37A-D94F-4C72-8CF4-D671A1C7D8CA}"/>
               </a:ext>
             </a:extLst>
           </p:cNvPr>
@@ -14832,62 +15048,8 @@
         </p:nvSpPr>
         <p:spPr>
           <a:xfrm>
-            <a:off x="336422" y="2115018"/>
-            <a:ext cx="3037498" cy="1200329"/>
-          </a:xfrm>
-          <a:prstGeom prst="rect">
-            <a:avLst/>
-          </a:prstGeom>
-          <a:noFill/>
-        </p:spPr>
-        <p:txBody>
-          <a:bodyPr wrap="none" rtlCol="0">
-            <a:spAutoFit/>
-          </a:bodyPr>
-          <a:lstStyle/>
-          <a:p>
-            <a:pPr marL="285750" indent="-285750">
-              <a:buFont typeface="Arial" panose="020B0604020202020204" pitchFamily="34" charset="0"/>
-              <a:buChar char="•"/>
-            </a:pPr>
-            <a:r>
-              <a:rPr lang="en-US" sz="3600" dirty="0"/>
-              <a:t>Supervised </a:t>
-            </a:r>
-            <a:r>
-              <a:rPr lang="en-US" sz="3600" i="1" dirty="0"/>
-              <a:t>or</a:t>
-            </a:r>
-            <a:endParaRPr lang="en-US" sz="3600" dirty="0"/>
-          </a:p>
-          <a:p>
-            <a:pPr marL="285750" indent="-285750">
-              <a:buFont typeface="Arial" panose="020B0604020202020204" pitchFamily="34" charset="0"/>
-              <a:buChar char="•"/>
-            </a:pPr>
-            <a:r>
-              <a:rPr lang="en-US" sz="3600" dirty="0"/>
-              <a:t>Unsupervised</a:t>
-            </a:r>
-          </a:p>
-        </p:txBody>
-      </p:sp>
-      <p:sp>
-        <p:nvSpPr>
-          <p:cNvPr id="11" name="TextBox 10">
-            <a:extLst>
-              <a:ext uri="{FF2B5EF4-FFF2-40B4-BE49-F238E27FC236}">
-                <a16:creationId xmlns:a16="http://schemas.microsoft.com/office/drawing/2014/main" id="{185ACFEF-A83E-43D9-AD64-E503AF112C5B}"/>
-              </a:ext>
-            </a:extLst>
-          </p:cNvPr>
-          <p:cNvSpPr txBox="1"/>
-          <p:nvPr/>
-        </p:nvSpPr>
-        <p:spPr>
-          <a:xfrm>
             <a:off x="4522319" y="2036939"/>
-            <a:ext cx="4544705" cy="646331"/>
+            <a:ext cx="4544705" cy="369332"/>
           </a:xfrm>
           <a:prstGeom prst="rect">
             <a:avLst/>
@@ -14902,17 +15064,17 @@
           <a:p>
             <a:r>
               <a:rPr lang="en-US" dirty="0"/>
-              <a:t>What observed customer personas exist in our customer data?</a:t>
+              <a:t>How many fish did each vessel catch?</a:t>
             </a:r>
           </a:p>
         </p:txBody>
       </p:sp>
       <p:pic>
         <p:nvPicPr>
-          <p:cNvPr id="12" name="Picture 2" descr="Image result for customer meme">
-            <a:extLst>
-              <a:ext uri="{FF2B5EF4-FFF2-40B4-BE49-F238E27FC236}">
-                <a16:creationId xmlns:a16="http://schemas.microsoft.com/office/drawing/2014/main" id="{562B01F6-715B-4C68-B81A-9A9BB211D747}"/>
+          <p:cNvPr id="10" name="Picture 2" descr="Image result for fish meme">
+            <a:extLst>
+              <a:ext uri="{FF2B5EF4-FFF2-40B4-BE49-F238E27FC236}">
+                <a16:creationId xmlns:a16="http://schemas.microsoft.com/office/drawing/2014/main" id="{D62B2144-0B9D-4419-B583-F2A5706E4E88}"/>
               </a:ext>
             </a:extLst>
           </p:cNvPr>
@@ -14922,7 +15084,7 @@
           <p:nvPr/>
         </p:nvPicPr>
         <p:blipFill>
-          <a:blip r:embed="rId2" cstate="print">
+          <a:blip r:embed="rId2">
             <a:extLst>
               <a:ext uri="{28A0092B-C50C-407E-A947-70E740481C1C}">
                 <a14:useLocalDpi xmlns:a14="http://schemas.microsoft.com/office/drawing/2010/main" val="0"/>
@@ -14936,8 +15098,8 @@
         </p:blipFill>
         <p:spPr bwMode="auto">
           <a:xfrm>
-            <a:off x="650309" y="3396791"/>
-            <a:ext cx="2603881" cy="1991970"/>
+            <a:off x="407186" y="3453370"/>
+            <a:ext cx="3621171" cy="2390093"/>
           </a:xfrm>
           <a:prstGeom prst="rect">
             <a:avLst/>
@@ -14956,10 +15118,10 @@
       </p:pic>
       <p:cxnSp>
         <p:nvCxnSpPr>
-          <p:cNvPr id="13" name="Straight Connector 12">
-            <a:extLst>
-              <a:ext uri="{FF2B5EF4-FFF2-40B4-BE49-F238E27FC236}">
-                <a16:creationId xmlns:a16="http://schemas.microsoft.com/office/drawing/2014/main" id="{9353DE4B-49D2-3840-B9AC-ED19AE57148B}"/>
+          <p:cNvPr id="11" name="Straight Connector 10">
+            <a:extLst>
+              <a:ext uri="{FF2B5EF4-FFF2-40B4-BE49-F238E27FC236}">
+                <a16:creationId xmlns:a16="http://schemas.microsoft.com/office/drawing/2014/main" id="{2B7148C4-4278-DD45-8777-EC2CD6BFAA57}"/>
               </a:ext>
             </a:extLst>
           </p:cNvPr>
@@ -14999,10 +15161,10 @@
       </p:cxnSp>
       <p:cxnSp>
         <p:nvCxnSpPr>
-          <p:cNvPr id="14" name="Straight Connector 13">
-            <a:extLst>
-              <a:ext uri="{FF2B5EF4-FFF2-40B4-BE49-F238E27FC236}">
-                <a16:creationId xmlns:a16="http://schemas.microsoft.com/office/drawing/2014/main" id="{5BD1DFB7-6607-B641-B7C8-C5E937A386EE}"/>
+          <p:cNvPr id="12" name="Straight Connector 11">
+            <a:extLst>
+              <a:ext uri="{FF2B5EF4-FFF2-40B4-BE49-F238E27FC236}">
+                <a16:creationId xmlns:a16="http://schemas.microsoft.com/office/drawing/2014/main" id="{781E36AB-AD23-E341-BDF9-B8B6A24E9856}"/>
               </a:ext>
             </a:extLst>
           </p:cNvPr>
@@ -15040,10 +15202,64 @@
           </a:fontRef>
         </p:style>
       </p:cxnSp>
+      <p:sp>
+        <p:nvSpPr>
+          <p:cNvPr id="13" name="TextBox 12">
+            <a:extLst>
+              <a:ext uri="{FF2B5EF4-FFF2-40B4-BE49-F238E27FC236}">
+                <a16:creationId xmlns:a16="http://schemas.microsoft.com/office/drawing/2014/main" id="{BD0EC4E0-87A6-AA4E-B68F-EE787EC2DB71}"/>
+              </a:ext>
+            </a:extLst>
+          </p:cNvPr>
+          <p:cNvSpPr txBox="1"/>
+          <p:nvPr/>
+        </p:nvSpPr>
+        <p:spPr>
+          <a:xfrm>
+            <a:off x="336422" y="2115018"/>
+            <a:ext cx="3037498" cy="1200329"/>
+          </a:xfrm>
+          <a:prstGeom prst="rect">
+            <a:avLst/>
+          </a:prstGeom>
+          <a:noFill/>
+        </p:spPr>
+        <p:txBody>
+          <a:bodyPr wrap="none" rtlCol="0">
+            <a:spAutoFit/>
+          </a:bodyPr>
+          <a:lstStyle/>
+          <a:p>
+            <a:pPr marL="285750" indent="-285750">
+              <a:buFont typeface="Arial" panose="020B0604020202020204" pitchFamily="34" charset="0"/>
+              <a:buChar char="•"/>
+            </a:pPr>
+            <a:r>
+              <a:rPr lang="en-US" sz="3600" dirty="0"/>
+              <a:t>Supervised </a:t>
+            </a:r>
+            <a:r>
+              <a:rPr lang="en-US" sz="3600" i="1" dirty="0"/>
+              <a:t>or</a:t>
+            </a:r>
+            <a:endParaRPr lang="en-US" sz="3600" dirty="0"/>
+          </a:p>
+          <a:p>
+            <a:pPr marL="285750" indent="-285750">
+              <a:buFont typeface="Arial" panose="020B0604020202020204" pitchFamily="34" charset="0"/>
+              <a:buChar char="•"/>
+            </a:pPr>
+            <a:r>
+              <a:rPr lang="en-US" sz="3600" dirty="0"/>
+              <a:t>Unsupervised</a:t>
+            </a:r>
+          </a:p>
+        </p:txBody>
+      </p:sp>
     </p:spTree>
     <p:extLst>
       <p:ext uri="{BB962C8B-B14F-4D97-AF65-F5344CB8AC3E}">
-        <p14:creationId xmlns:p14="http://schemas.microsoft.com/office/powerpoint/2010/main" val="3609687316"/>
+        <p14:creationId xmlns:p14="http://schemas.microsoft.com/office/powerpoint/2010/main" val="744760403"/>
       </p:ext>
     </p:extLst>
   </p:cSld>
@@ -15093,7 +15309,7 @@
           <a:p>
             <a:fld id="{6700A58B-DD98-43D0-B791-721480A02982}" type="datetime1">
               <a:rPr lang="en-US" smtClean="0"/>
-              <a:t>1/1/21</a:t>
+              <a:t>1/10/21</a:t>
             </a:fld>
             <a:endParaRPr lang="en-US"/>
           </a:p>
@@ -15298,10 +15514,64 @@
       </p:sp>
       <p:sp>
         <p:nvSpPr>
-          <p:cNvPr id="13" name="TextBox 12">
-            <a:extLst>
-              <a:ext uri="{FF2B5EF4-FFF2-40B4-BE49-F238E27FC236}">
-                <a16:creationId xmlns:a16="http://schemas.microsoft.com/office/drawing/2014/main" id="{243A2CD2-CDC4-4055-BE5C-7ACF1E7F8744}"/>
+          <p:cNvPr id="8" name="TextBox 7">
+            <a:extLst>
+              <a:ext uri="{FF2B5EF4-FFF2-40B4-BE49-F238E27FC236}">
+                <a16:creationId xmlns:a16="http://schemas.microsoft.com/office/drawing/2014/main" id="{F93AAA8F-CCD8-47AF-ACD5-9B3FE1A08D75}"/>
+              </a:ext>
+            </a:extLst>
+          </p:cNvPr>
+          <p:cNvSpPr txBox="1"/>
+          <p:nvPr/>
+        </p:nvSpPr>
+        <p:spPr>
+          <a:xfrm>
+            <a:off x="336422" y="2115018"/>
+            <a:ext cx="3037498" cy="1200329"/>
+          </a:xfrm>
+          <a:prstGeom prst="rect">
+            <a:avLst/>
+          </a:prstGeom>
+          <a:noFill/>
+        </p:spPr>
+        <p:txBody>
+          <a:bodyPr wrap="none" rtlCol="0">
+            <a:spAutoFit/>
+          </a:bodyPr>
+          <a:lstStyle/>
+          <a:p>
+            <a:pPr marL="285750" indent="-285750">
+              <a:buFont typeface="Arial" panose="020B0604020202020204" pitchFamily="34" charset="0"/>
+              <a:buChar char="•"/>
+            </a:pPr>
+            <a:r>
+              <a:rPr lang="en-US" sz="3600" dirty="0"/>
+              <a:t>Supervised </a:t>
+            </a:r>
+            <a:r>
+              <a:rPr lang="en-US" sz="3600" i="1" dirty="0"/>
+              <a:t>or</a:t>
+            </a:r>
+            <a:endParaRPr lang="en-US" sz="3600" dirty="0"/>
+          </a:p>
+          <a:p>
+            <a:pPr marL="285750" indent="-285750">
+              <a:buFont typeface="Arial" panose="020B0604020202020204" pitchFamily="34" charset="0"/>
+              <a:buChar char="•"/>
+            </a:pPr>
+            <a:r>
+              <a:rPr lang="en-US" sz="3600" dirty="0"/>
+              <a:t>Unsupervised</a:t>
+            </a:r>
+          </a:p>
+        </p:txBody>
+      </p:sp>
+      <p:sp>
+        <p:nvSpPr>
+          <p:cNvPr id="11" name="TextBox 10">
+            <a:extLst>
+              <a:ext uri="{FF2B5EF4-FFF2-40B4-BE49-F238E27FC236}">
+                <a16:creationId xmlns:a16="http://schemas.microsoft.com/office/drawing/2014/main" id="{185ACFEF-A83E-43D9-AD64-E503AF112C5B}"/>
               </a:ext>
             </a:extLst>
           </p:cNvPr>
@@ -15326,17 +15596,17 @@
           <a:p>
             <a:r>
               <a:rPr lang="en-US" dirty="0"/>
-              <a:t>How many patients should we expect in the urgent care tomorrow?</a:t>
+              <a:t>What observed customer personas exist in our customer data?</a:t>
             </a:r>
           </a:p>
         </p:txBody>
       </p:sp>
       <p:pic>
         <p:nvPicPr>
-          <p:cNvPr id="14" name="Picture 2" descr="Image result for urgent care meme">
-            <a:extLst>
-              <a:ext uri="{FF2B5EF4-FFF2-40B4-BE49-F238E27FC236}">
-                <a16:creationId xmlns:a16="http://schemas.microsoft.com/office/drawing/2014/main" id="{EC2819AE-2602-4F99-A8F9-D64374B3D21B}"/>
+          <p:cNvPr id="12" name="Picture 2" descr="Image result for customer meme">
+            <a:extLst>
+              <a:ext uri="{FF2B5EF4-FFF2-40B4-BE49-F238E27FC236}">
+                <a16:creationId xmlns:a16="http://schemas.microsoft.com/office/drawing/2014/main" id="{562B01F6-715B-4C68-B81A-9A9BB211D747}"/>
               </a:ext>
             </a:extLst>
           </p:cNvPr>
@@ -15346,7 +15616,7 @@
           <p:nvPr/>
         </p:nvPicPr>
         <p:blipFill>
-          <a:blip r:embed="rId2">
+          <a:blip r:embed="rId2" cstate="print">
             <a:extLst>
               <a:ext uri="{28A0092B-C50C-407E-A947-70E740481C1C}">
                 <a14:useLocalDpi xmlns:a14="http://schemas.microsoft.com/office/drawing/2010/main" val="0"/>
@@ -15360,8 +15630,8 @@
         </p:blipFill>
         <p:spPr bwMode="auto">
           <a:xfrm>
-            <a:off x="1054558" y="3393327"/>
-            <a:ext cx="2522360" cy="2509965"/>
+            <a:off x="650309" y="3396791"/>
+            <a:ext cx="2603881" cy="1991970"/>
           </a:xfrm>
           <a:prstGeom prst="rect">
             <a:avLst/>
@@ -15380,10 +15650,10 @@
       </p:pic>
       <p:cxnSp>
         <p:nvCxnSpPr>
-          <p:cNvPr id="11" name="Straight Connector 10">
-            <a:extLst>
-              <a:ext uri="{FF2B5EF4-FFF2-40B4-BE49-F238E27FC236}">
-                <a16:creationId xmlns:a16="http://schemas.microsoft.com/office/drawing/2014/main" id="{4073E23C-F590-C243-BFB2-BB41F66FB489}"/>
+          <p:cNvPr id="13" name="Straight Connector 12">
+            <a:extLst>
+              <a:ext uri="{FF2B5EF4-FFF2-40B4-BE49-F238E27FC236}">
+                <a16:creationId xmlns:a16="http://schemas.microsoft.com/office/drawing/2014/main" id="{9353DE4B-49D2-3840-B9AC-ED19AE57148B}"/>
               </a:ext>
             </a:extLst>
           </p:cNvPr>
@@ -15423,10 +15693,10 @@
       </p:cxnSp>
       <p:cxnSp>
         <p:nvCxnSpPr>
-          <p:cNvPr id="12" name="Straight Connector 11">
-            <a:extLst>
-              <a:ext uri="{FF2B5EF4-FFF2-40B4-BE49-F238E27FC236}">
-                <a16:creationId xmlns:a16="http://schemas.microsoft.com/office/drawing/2014/main" id="{3721FC8C-07FF-ED4A-81E2-FE2957FAEC33}"/>
+          <p:cNvPr id="14" name="Straight Connector 13">
+            <a:extLst>
+              <a:ext uri="{FF2B5EF4-FFF2-40B4-BE49-F238E27FC236}">
+                <a16:creationId xmlns:a16="http://schemas.microsoft.com/office/drawing/2014/main" id="{5BD1DFB7-6607-B641-B7C8-C5E937A386EE}"/>
               </a:ext>
             </a:extLst>
           </p:cNvPr>
@@ -15464,64 +15734,10 @@
           </a:fontRef>
         </p:style>
       </p:cxnSp>
-      <p:sp>
-        <p:nvSpPr>
-          <p:cNvPr id="15" name="TextBox 14">
-            <a:extLst>
-              <a:ext uri="{FF2B5EF4-FFF2-40B4-BE49-F238E27FC236}">
-                <a16:creationId xmlns:a16="http://schemas.microsoft.com/office/drawing/2014/main" id="{4B009233-F49D-3848-B1B6-20BC1BB8192C}"/>
-              </a:ext>
-            </a:extLst>
-          </p:cNvPr>
-          <p:cNvSpPr txBox="1"/>
-          <p:nvPr/>
-        </p:nvSpPr>
-        <p:spPr>
-          <a:xfrm>
-            <a:off x="336422" y="2115018"/>
-            <a:ext cx="3037498" cy="1200329"/>
-          </a:xfrm>
-          <a:prstGeom prst="rect">
-            <a:avLst/>
-          </a:prstGeom>
-          <a:noFill/>
-        </p:spPr>
-        <p:txBody>
-          <a:bodyPr wrap="none" rtlCol="0">
-            <a:spAutoFit/>
-          </a:bodyPr>
-          <a:lstStyle/>
-          <a:p>
-            <a:pPr marL="285750" indent="-285750">
-              <a:buFont typeface="Arial" panose="020B0604020202020204" pitchFamily="34" charset="0"/>
-              <a:buChar char="•"/>
-            </a:pPr>
-            <a:r>
-              <a:rPr lang="en-US" sz="3600" dirty="0"/>
-              <a:t>Supervised </a:t>
-            </a:r>
-            <a:r>
-              <a:rPr lang="en-US" sz="3600" i="1" dirty="0"/>
-              <a:t>or</a:t>
-            </a:r>
-            <a:endParaRPr lang="en-US" sz="3600" dirty="0"/>
-          </a:p>
-          <a:p>
-            <a:pPr marL="285750" indent="-285750">
-              <a:buFont typeface="Arial" panose="020B0604020202020204" pitchFamily="34" charset="0"/>
-              <a:buChar char="•"/>
-            </a:pPr>
-            <a:r>
-              <a:rPr lang="en-US" sz="3600" dirty="0"/>
-              <a:t>Unsupervised</a:t>
-            </a:r>
-          </a:p>
-        </p:txBody>
-      </p:sp>
     </p:spTree>
     <p:extLst>
       <p:ext uri="{BB962C8B-B14F-4D97-AF65-F5344CB8AC3E}">
-        <p14:creationId xmlns:p14="http://schemas.microsoft.com/office/powerpoint/2010/main" val="2641649817"/>
+        <p14:creationId xmlns:p14="http://schemas.microsoft.com/office/powerpoint/2010/main" val="3609687316"/>
       </p:ext>
     </p:extLst>
   </p:cSld>
